--- a/git_workshop.pptx
+++ b/git_workshop.pptx
@@ -5,7 +5,7 @@
     <p:sldMasterId id="2147483648" r:id="rId1"/>
   </p:sldMasterIdLst>
   <p:notesMasterIdLst>
-    <p:notesMasterId r:id="rId31"/>
+    <p:notesMasterId r:id="rId32"/>
   </p:notesMasterIdLst>
   <p:sldIdLst>
     <p:sldId id="256" r:id="rId2"/>
@@ -14,29 +14,30 @@
     <p:sldId id="258" r:id="rId5"/>
     <p:sldId id="259" r:id="rId6"/>
     <p:sldId id="260" r:id="rId7"/>
-    <p:sldId id="261" r:id="rId8"/>
+    <p:sldId id="288" r:id="rId8"/>
     <p:sldId id="262" r:id="rId9"/>
-    <p:sldId id="263" r:id="rId10"/>
-    <p:sldId id="266" r:id="rId11"/>
-    <p:sldId id="265" r:id="rId12"/>
-    <p:sldId id="267" r:id="rId13"/>
-    <p:sldId id="268" r:id="rId14"/>
-    <p:sldId id="269" r:id="rId15"/>
-    <p:sldId id="270" r:id="rId16"/>
-    <p:sldId id="271" r:id="rId17"/>
-    <p:sldId id="272" r:id="rId18"/>
-    <p:sldId id="274" r:id="rId19"/>
-    <p:sldId id="275" r:id="rId20"/>
-    <p:sldId id="277" r:id="rId21"/>
-    <p:sldId id="286" r:id="rId22"/>
-    <p:sldId id="283" r:id="rId23"/>
-    <p:sldId id="282" r:id="rId24"/>
-    <p:sldId id="278" r:id="rId25"/>
-    <p:sldId id="284" r:id="rId26"/>
-    <p:sldId id="279" r:id="rId27"/>
-    <p:sldId id="280" r:id="rId28"/>
-    <p:sldId id="281" r:id="rId29"/>
-    <p:sldId id="285" r:id="rId30"/>
+    <p:sldId id="261" r:id="rId10"/>
+    <p:sldId id="263" r:id="rId11"/>
+    <p:sldId id="266" r:id="rId12"/>
+    <p:sldId id="265" r:id="rId13"/>
+    <p:sldId id="267" r:id="rId14"/>
+    <p:sldId id="268" r:id="rId15"/>
+    <p:sldId id="269" r:id="rId16"/>
+    <p:sldId id="270" r:id="rId17"/>
+    <p:sldId id="271" r:id="rId18"/>
+    <p:sldId id="272" r:id="rId19"/>
+    <p:sldId id="274" r:id="rId20"/>
+    <p:sldId id="275" r:id="rId21"/>
+    <p:sldId id="277" r:id="rId22"/>
+    <p:sldId id="286" r:id="rId23"/>
+    <p:sldId id="283" r:id="rId24"/>
+    <p:sldId id="282" r:id="rId25"/>
+    <p:sldId id="278" r:id="rId26"/>
+    <p:sldId id="284" r:id="rId27"/>
+    <p:sldId id="279" r:id="rId28"/>
+    <p:sldId id="280" r:id="rId29"/>
+    <p:sldId id="281" r:id="rId30"/>
+    <p:sldId id="285" r:id="rId31"/>
   </p:sldIdLst>
   <p:sldSz cx="12192000" cy="6858000"/>
   <p:notesSz cx="6858000" cy="9144000"/>
@@ -228,7 +229,7 @@
           <a:p>
             <a:fld id="{8832BF7F-0261-4F51-AF13-938BC57E176B}" type="datetimeFigureOut">
               <a:rPr lang="en-US" smtClean="0"/>
-              <a:t>11/15/2022</a:t>
+              <a:t>11/4/2023</a:t>
             </a:fld>
             <a:endParaRPr lang="en-US"/>
           </a:p>
@@ -645,7 +646,7 @@
           <a:p>
             <a:fld id="{AD71D156-9C99-4C3F-ABC3-90060C8B2E82}" type="datetimeFigureOut">
               <a:rPr lang="en-US" smtClean="0"/>
-              <a:t>11/15/2022</a:t>
+              <a:t>11/4/2023</a:t>
             </a:fld>
             <a:endParaRPr lang="en-US"/>
           </a:p>
@@ -845,7 +846,7 @@
           <a:p>
             <a:fld id="{AD71D156-9C99-4C3F-ABC3-90060C8B2E82}" type="datetimeFigureOut">
               <a:rPr lang="en-US" smtClean="0"/>
-              <a:t>11/15/2022</a:t>
+              <a:t>11/4/2023</a:t>
             </a:fld>
             <a:endParaRPr lang="en-US"/>
           </a:p>
@@ -1055,7 +1056,7 @@
           <a:p>
             <a:fld id="{AD71D156-9C99-4C3F-ABC3-90060C8B2E82}" type="datetimeFigureOut">
               <a:rPr lang="en-US" smtClean="0"/>
-              <a:t>11/15/2022</a:t>
+              <a:t>11/4/2023</a:t>
             </a:fld>
             <a:endParaRPr lang="en-US"/>
           </a:p>
@@ -1255,7 +1256,7 @@
           <a:p>
             <a:fld id="{AD71D156-9C99-4C3F-ABC3-90060C8B2E82}" type="datetimeFigureOut">
               <a:rPr lang="en-US" smtClean="0"/>
-              <a:t>11/15/2022</a:t>
+              <a:t>11/4/2023</a:t>
             </a:fld>
             <a:endParaRPr lang="en-US"/>
           </a:p>
@@ -1531,7 +1532,7 @@
           <a:p>
             <a:fld id="{AD71D156-9C99-4C3F-ABC3-90060C8B2E82}" type="datetimeFigureOut">
               <a:rPr lang="en-US" smtClean="0"/>
-              <a:t>11/15/2022</a:t>
+              <a:t>11/4/2023</a:t>
             </a:fld>
             <a:endParaRPr lang="en-US"/>
           </a:p>
@@ -1799,7 +1800,7 @@
           <a:p>
             <a:fld id="{AD71D156-9C99-4C3F-ABC3-90060C8B2E82}" type="datetimeFigureOut">
               <a:rPr lang="en-US" smtClean="0"/>
-              <a:t>11/15/2022</a:t>
+              <a:t>11/4/2023</a:t>
             </a:fld>
             <a:endParaRPr lang="en-US"/>
           </a:p>
@@ -2214,7 +2215,7 @@
           <a:p>
             <a:fld id="{AD71D156-9C99-4C3F-ABC3-90060C8B2E82}" type="datetimeFigureOut">
               <a:rPr lang="en-US" smtClean="0"/>
-              <a:t>11/15/2022</a:t>
+              <a:t>11/4/2023</a:t>
             </a:fld>
             <a:endParaRPr lang="en-US"/>
           </a:p>
@@ -2356,7 +2357,7 @@
           <a:p>
             <a:fld id="{AD71D156-9C99-4C3F-ABC3-90060C8B2E82}" type="datetimeFigureOut">
               <a:rPr lang="en-US" smtClean="0"/>
-              <a:t>11/15/2022</a:t>
+              <a:t>11/4/2023</a:t>
             </a:fld>
             <a:endParaRPr lang="en-US"/>
           </a:p>
@@ -2469,7 +2470,7 @@
           <a:p>
             <a:fld id="{AD71D156-9C99-4C3F-ABC3-90060C8B2E82}" type="datetimeFigureOut">
               <a:rPr lang="en-US" smtClean="0"/>
-              <a:t>11/15/2022</a:t>
+              <a:t>11/4/2023</a:t>
             </a:fld>
             <a:endParaRPr lang="en-US"/>
           </a:p>
@@ -2782,7 +2783,7 @@
           <a:p>
             <a:fld id="{AD71D156-9C99-4C3F-ABC3-90060C8B2E82}" type="datetimeFigureOut">
               <a:rPr lang="en-US" smtClean="0"/>
-              <a:t>11/15/2022</a:t>
+              <a:t>11/4/2023</a:t>
             </a:fld>
             <a:endParaRPr lang="en-US"/>
           </a:p>
@@ -3071,7 +3072,7 @@
           <a:p>
             <a:fld id="{AD71D156-9C99-4C3F-ABC3-90060C8B2E82}" type="datetimeFigureOut">
               <a:rPr lang="en-US" smtClean="0"/>
-              <a:t>11/15/2022</a:t>
+              <a:t>11/4/2023</a:t>
             </a:fld>
             <a:endParaRPr lang="en-US"/>
           </a:p>
@@ -3316,7 +3317,7 @@
             <a:fld id="{AD71D156-9C99-4C3F-ABC3-90060C8B2E82}" type="datetimeFigureOut">
               <a:rPr lang="en-US" smtClean="0"/>
               <a:pPr/>
-              <a:t>11/15/2022</a:t>
+              <a:t>11/4/2023</a:t>
             </a:fld>
             <a:endParaRPr lang="en-US"/>
           </a:p>
@@ -3766,10 +3767,10 @@
       </p:sp>
       <p:sp>
         <p:nvSpPr>
-          <p:cNvPr id="3" name="Sous-titre 2">
+          <p:cNvPr id="5" name="Sous-titre 4">
             <a:extLst>
               <a:ext uri="{FF2B5EF4-FFF2-40B4-BE49-F238E27FC236}">
-                <a16:creationId xmlns:a16="http://schemas.microsoft.com/office/drawing/2014/main" id="{0D4A4271-2D57-490E-8007-3C32F0E7454A}"/>
+                <a16:creationId xmlns:a16="http://schemas.microsoft.com/office/drawing/2014/main" id="{788D35DE-18C9-8ECC-EC19-35033981AA5D}"/>
               </a:ext>
             </a:extLst>
           </p:cNvPr>
@@ -3785,28 +3786,7 @@
           <a:bodyPr/>
           <a:lstStyle/>
           <a:p>
-            <a:r>
-              <a:rPr lang="en-US" dirty="0"/>
-              <a:t>If you are interested by the exercise have a look at</a:t>
-            </a:r>
-          </a:p>
-          <a:p>
-            <a:r>
-              <a:rPr lang="en-US" sz="2400" dirty="0">
-                <a:solidFill>
-                  <a:schemeClr val="accent1">
-                    <a:lumMod val="50000"/>
-                  </a:schemeClr>
-                </a:solidFill>
-                <a:latin typeface="JuliaMono" panose="020B0609060300020004" pitchFamily="49" charset="0"/>
-                <a:ea typeface="JuliaMono" panose="020B0609060300020004" pitchFamily="49" charset="0"/>
-                <a:cs typeface="JuliaMono" panose="020B0609060300020004" pitchFamily="49" charset="0"/>
-              </a:rPr>
-              <a:t>https://github.com/Kolaru/GitEssentials.git</a:t>
-            </a:r>
-          </a:p>
-          <a:p>
-            <a:endParaRPr lang="en-US" dirty="0"/>
+            <a:endParaRPr lang="en-US"/>
           </a:p>
         </p:txBody>
       </p:sp>
@@ -3824,6 +3804,1390 @@
 </file>
 
 <file path=ppt/slides/slide10.xml><?xml version="1.0" encoding="utf-8"?>
+<p:sld xmlns:a="http://schemas.openxmlformats.org/drawingml/2006/main" xmlns:r="http://schemas.openxmlformats.org/officeDocument/2006/relationships" xmlns:p="http://schemas.openxmlformats.org/presentationml/2006/main">
+  <p:cSld>
+    <p:spTree>
+      <p:nvGrpSpPr>
+        <p:cNvPr id="1" name=""/>
+        <p:cNvGrpSpPr/>
+        <p:nvPr/>
+      </p:nvGrpSpPr>
+      <p:grpSpPr>
+        <a:xfrm>
+          <a:off x="0" y="0"/>
+          <a:ext cx="0" cy="0"/>
+          <a:chOff x="0" y="0"/>
+          <a:chExt cx="0" cy="0"/>
+        </a:xfrm>
+      </p:grpSpPr>
+      <p:sp>
+        <p:nvSpPr>
+          <p:cNvPr id="2" name="Titre 1">
+            <a:extLst>
+              <a:ext uri="{FF2B5EF4-FFF2-40B4-BE49-F238E27FC236}">
+                <a16:creationId xmlns:a16="http://schemas.microsoft.com/office/drawing/2014/main" id="{78D6FBA0-2A62-4746-825F-360A2B875C84}"/>
+              </a:ext>
+            </a:extLst>
+          </p:cNvPr>
+          <p:cNvSpPr>
+            <a:spLocks noGrp="1"/>
+          </p:cNvSpPr>
+          <p:nvPr>
+            <p:ph type="title"/>
+          </p:nvPr>
+        </p:nvSpPr>
+        <p:spPr/>
+        <p:txBody>
+          <a:bodyPr/>
+          <a:lstStyle/>
+          <a:p>
+            <a:r>
+              <a:rPr lang="en-US" dirty="0"/>
+              <a:t>Repository : a folder tracked by git</a:t>
+            </a:r>
+          </a:p>
+        </p:txBody>
+      </p:sp>
+      <p:sp>
+        <p:nvSpPr>
+          <p:cNvPr id="12" name="Espace réservé du contenu 11">
+            <a:extLst>
+              <a:ext uri="{FF2B5EF4-FFF2-40B4-BE49-F238E27FC236}">
+                <a16:creationId xmlns:a16="http://schemas.microsoft.com/office/drawing/2014/main" id="{2F1A9FB1-AB1E-4203-90B1-B42A0F5F73A5}"/>
+              </a:ext>
+            </a:extLst>
+          </p:cNvPr>
+          <p:cNvSpPr>
+            <a:spLocks noGrp="1"/>
+          </p:cNvSpPr>
+          <p:nvPr>
+            <p:ph sz="half" idx="2"/>
+          </p:nvPr>
+        </p:nvSpPr>
+        <p:spPr>
+          <a:xfrm>
+            <a:off x="6172200" y="1825625"/>
+            <a:ext cx="5181600" cy="3003153"/>
+          </a:xfrm>
+        </p:spPr>
+        <p:txBody>
+          <a:bodyPr>
+            <a:normAutofit/>
+          </a:bodyPr>
+          <a:lstStyle/>
+          <a:p>
+            <a:r>
+              <a:rPr lang="en-US" dirty="0"/>
+              <a:t>Any folder with a </a:t>
+            </a:r>
+            <a:r>
+              <a:rPr lang="en-US" dirty="0">
+                <a:solidFill>
+                  <a:schemeClr val="accent6"/>
+                </a:solidFill>
+                <a:latin typeface="JuliaMono" panose="020B0609060300020004" pitchFamily="49" charset="0"/>
+                <a:ea typeface="JuliaMono" panose="020B0609060300020004" pitchFamily="49" charset="0"/>
+                <a:cs typeface="JuliaMono" panose="020B0609060300020004" pitchFamily="49" charset="0"/>
+              </a:rPr>
+              <a:t>.git </a:t>
+            </a:r>
+            <a:r>
+              <a:rPr lang="en-US" dirty="0"/>
+              <a:t>subfolder is a repo</a:t>
+            </a:r>
+          </a:p>
+          <a:p>
+            <a:r>
+              <a:rPr lang="en-US" dirty="0">
+                <a:solidFill>
+                  <a:schemeClr val="accent6">
+                    <a:lumMod val="50000"/>
+                  </a:schemeClr>
+                </a:solidFill>
+                <a:latin typeface="JuliaMono" panose="020B0609060300020004" pitchFamily="49" charset="0"/>
+                <a:ea typeface="JuliaMono" panose="020B0609060300020004" pitchFamily="49" charset="0"/>
+                <a:cs typeface="JuliaMono" panose="020B0609060300020004" pitchFamily="49" charset="0"/>
+              </a:rPr>
+              <a:t>git </a:t>
+            </a:r>
+            <a:r>
+              <a:rPr lang="en-US" dirty="0" err="1">
+                <a:solidFill>
+                  <a:schemeClr val="accent6">
+                    <a:lumMod val="50000"/>
+                  </a:schemeClr>
+                </a:solidFill>
+                <a:latin typeface="JuliaMono" panose="020B0609060300020004" pitchFamily="49" charset="0"/>
+                <a:ea typeface="JuliaMono" panose="020B0609060300020004" pitchFamily="49" charset="0"/>
+                <a:cs typeface="JuliaMono" panose="020B0609060300020004" pitchFamily="49" charset="0"/>
+              </a:rPr>
+              <a:t>init</a:t>
+            </a:r>
+            <a:r>
+              <a:rPr lang="en-US" dirty="0">
+                <a:solidFill>
+                  <a:schemeClr val="accent6">
+                    <a:lumMod val="50000"/>
+                  </a:schemeClr>
+                </a:solidFill>
+                <a:latin typeface="JuliaMono" panose="020B0609060300020004" pitchFamily="49" charset="0"/>
+                <a:ea typeface="JuliaMono" panose="020B0609060300020004" pitchFamily="49" charset="0"/>
+                <a:cs typeface="JuliaMono" panose="020B0609060300020004" pitchFamily="49" charset="0"/>
+              </a:rPr>
+              <a:t> </a:t>
+            </a:r>
+            <a:r>
+              <a:rPr lang="en-US" dirty="0"/>
+              <a:t>initialize a new repo</a:t>
+            </a:r>
+          </a:p>
+          <a:p>
+            <a:r>
+              <a:rPr lang="en-US" dirty="0">
+                <a:solidFill>
+                  <a:schemeClr val="accent6">
+                    <a:lumMod val="50000"/>
+                  </a:schemeClr>
+                </a:solidFill>
+                <a:latin typeface="JuliaMono" panose="020B0609060300020004" pitchFamily="49" charset="0"/>
+                <a:ea typeface="JuliaMono" panose="020B0609060300020004" pitchFamily="49" charset="0"/>
+                <a:cs typeface="JuliaMono" panose="020B0609060300020004" pitchFamily="49" charset="0"/>
+              </a:rPr>
+              <a:t>git clone &lt;</a:t>
+            </a:r>
+            <a:r>
+              <a:rPr lang="en-US" dirty="0" err="1">
+                <a:solidFill>
+                  <a:schemeClr val="accent6">
+                    <a:lumMod val="50000"/>
+                  </a:schemeClr>
+                </a:solidFill>
+                <a:latin typeface="JuliaMono" panose="020B0609060300020004" pitchFamily="49" charset="0"/>
+                <a:ea typeface="JuliaMono" panose="020B0609060300020004" pitchFamily="49" charset="0"/>
+                <a:cs typeface="JuliaMono" panose="020B0609060300020004" pitchFamily="49" charset="0"/>
+              </a:rPr>
+              <a:t>url</a:t>
+            </a:r>
+            <a:r>
+              <a:rPr lang="en-US" dirty="0">
+                <a:solidFill>
+                  <a:schemeClr val="accent6">
+                    <a:lumMod val="50000"/>
+                  </a:schemeClr>
+                </a:solidFill>
+                <a:latin typeface="JuliaMono" panose="020B0609060300020004" pitchFamily="49" charset="0"/>
+                <a:ea typeface="JuliaMono" panose="020B0609060300020004" pitchFamily="49" charset="0"/>
+                <a:cs typeface="JuliaMono" panose="020B0609060300020004" pitchFamily="49" charset="0"/>
+              </a:rPr>
+              <a:t>&gt;</a:t>
+            </a:r>
+            <a:r>
+              <a:rPr lang="en-US" dirty="0">
+                <a:latin typeface="JuliaMono" panose="020B0609060300020004" pitchFamily="49" charset="0"/>
+                <a:ea typeface="JuliaMono" panose="020B0609060300020004" pitchFamily="49" charset="0"/>
+                <a:cs typeface="JuliaMono" panose="020B0609060300020004" pitchFamily="49" charset="0"/>
+              </a:rPr>
+              <a:t> </a:t>
+            </a:r>
+            <a:r>
+              <a:rPr lang="en-US" dirty="0"/>
+              <a:t>copy a repo from the internet</a:t>
+            </a:r>
+          </a:p>
+        </p:txBody>
+      </p:sp>
+      <p:pic>
+        <p:nvPicPr>
+          <p:cNvPr id="13" name="Espace réservé du contenu 5" descr="Dossier contour">
+            <a:extLst>
+              <a:ext uri="{FF2B5EF4-FFF2-40B4-BE49-F238E27FC236}">
+                <a16:creationId xmlns:a16="http://schemas.microsoft.com/office/drawing/2014/main" id="{32F9F4B0-8B08-4856-8694-C64A2F54BD2F}"/>
+              </a:ext>
+            </a:extLst>
+          </p:cNvPr>
+          <p:cNvPicPr>
+            <a:picLocks noChangeAspect="1"/>
+          </p:cNvPicPr>
+          <p:nvPr/>
+        </p:nvPicPr>
+        <p:blipFill>
+          <a:blip r:embed="rId2">
+            <a:extLst>
+              <a:ext uri="{28A0092B-C50C-407E-A947-70E740481C1C}">
+                <a14:useLocalDpi xmlns:a14="http://schemas.microsoft.com/office/drawing/2010/main" val="0"/>
+              </a:ext>
+              <a:ext uri="{96DAC541-7B7A-43D3-8B79-37D633B846F1}">
+                <asvg:svgBlip xmlns:asvg="http://schemas.microsoft.com/office/drawing/2016/SVG/main" r:embed="rId3"/>
+              </a:ext>
+            </a:extLst>
+          </a:blip>
+          <a:stretch>
+            <a:fillRect/>
+          </a:stretch>
+        </p:blipFill>
+        <p:spPr>
+          <a:xfrm>
+            <a:off x="380999" y="938477"/>
+            <a:ext cx="5435601" cy="5435601"/>
+          </a:xfrm>
+          <a:prstGeom prst="rect">
+            <a:avLst/>
+          </a:prstGeom>
+        </p:spPr>
+      </p:pic>
+      <p:pic>
+        <p:nvPicPr>
+          <p:cNvPr id="14" name="Graphique 13" descr="Document avec un remplissage uni">
+            <a:extLst>
+              <a:ext uri="{FF2B5EF4-FFF2-40B4-BE49-F238E27FC236}">
+                <a16:creationId xmlns:a16="http://schemas.microsoft.com/office/drawing/2014/main" id="{FAD4FC99-5C3A-4CE8-9D45-389EB3C35B1D}"/>
+              </a:ext>
+            </a:extLst>
+          </p:cNvPr>
+          <p:cNvPicPr>
+            <a:picLocks noChangeAspect="1"/>
+          </p:cNvPicPr>
+          <p:nvPr/>
+        </p:nvPicPr>
+        <p:blipFill>
+          <a:blip r:embed="rId4">
+            <a:extLst>
+              <a:ext uri="{28A0092B-C50C-407E-A947-70E740481C1C}">
+                <a14:useLocalDpi xmlns:a14="http://schemas.microsoft.com/office/drawing/2010/main" val="0"/>
+              </a:ext>
+              <a:ext uri="{96DAC541-7B7A-43D3-8B79-37D633B846F1}">
+                <asvg:svgBlip xmlns:asvg="http://schemas.microsoft.com/office/drawing/2016/SVG/main" r:embed="rId5"/>
+              </a:ext>
+            </a:extLst>
+          </a:blip>
+          <a:stretch>
+            <a:fillRect/>
+          </a:stretch>
+        </p:blipFill>
+        <p:spPr>
+          <a:xfrm>
+            <a:off x="1368425" y="4283736"/>
+            <a:ext cx="545042" cy="545042"/>
+          </a:xfrm>
+          <a:prstGeom prst="rect">
+            <a:avLst/>
+          </a:prstGeom>
+        </p:spPr>
+      </p:pic>
+      <p:pic>
+        <p:nvPicPr>
+          <p:cNvPr id="15" name="Espace réservé du contenu 5" descr="Dossier contour">
+            <a:extLst>
+              <a:ext uri="{FF2B5EF4-FFF2-40B4-BE49-F238E27FC236}">
+                <a16:creationId xmlns:a16="http://schemas.microsoft.com/office/drawing/2014/main" id="{C8FBE8C8-5DE3-4355-955A-DAF506379704}"/>
+              </a:ext>
+            </a:extLst>
+          </p:cNvPr>
+          <p:cNvPicPr>
+            <a:picLocks noChangeAspect="1"/>
+          </p:cNvPicPr>
+          <p:nvPr/>
+        </p:nvPicPr>
+        <p:blipFill>
+          <a:blip r:embed="rId6">
+            <a:extLst>
+              <a:ext uri="{28A0092B-C50C-407E-A947-70E740481C1C}">
+                <a14:useLocalDpi xmlns:a14="http://schemas.microsoft.com/office/drawing/2010/main" val="0"/>
+              </a:ext>
+              <a:ext uri="{96DAC541-7B7A-43D3-8B79-37D633B846F1}">
+                <asvg:svgBlip xmlns:asvg="http://schemas.microsoft.com/office/drawing/2016/SVG/main" r:embed="rId7"/>
+              </a:ext>
+            </a:extLst>
+          </a:blip>
+          <a:stretch>
+            <a:fillRect/>
+          </a:stretch>
+        </p:blipFill>
+        <p:spPr>
+          <a:xfrm>
+            <a:off x="1368425" y="3029479"/>
+            <a:ext cx="799042" cy="799042"/>
+          </a:xfrm>
+          <a:prstGeom prst="rect">
+            <a:avLst/>
+          </a:prstGeom>
+        </p:spPr>
+      </p:pic>
+      <p:pic>
+        <p:nvPicPr>
+          <p:cNvPr id="16" name="Espace réservé du contenu 5" descr="Dossier contour">
+            <a:extLst>
+              <a:ext uri="{FF2B5EF4-FFF2-40B4-BE49-F238E27FC236}">
+                <a16:creationId xmlns:a16="http://schemas.microsoft.com/office/drawing/2014/main" id="{EBD5BF08-64D5-4986-86D4-B1CFEBEC1904}"/>
+              </a:ext>
+            </a:extLst>
+          </p:cNvPr>
+          <p:cNvPicPr>
+            <a:picLocks noChangeAspect="1"/>
+          </p:cNvPicPr>
+          <p:nvPr/>
+        </p:nvPicPr>
+        <p:blipFill>
+          <a:blip r:embed="rId8">
+            <a:extLst>
+              <a:ext uri="{28A0092B-C50C-407E-A947-70E740481C1C}">
+                <a14:useLocalDpi xmlns:a14="http://schemas.microsoft.com/office/drawing/2010/main" val="0"/>
+              </a:ext>
+              <a:ext uri="{96DAC541-7B7A-43D3-8B79-37D633B846F1}">
+                <asvg:svgBlip xmlns:asvg="http://schemas.microsoft.com/office/drawing/2016/SVG/main" r:embed="rId9"/>
+              </a:ext>
+            </a:extLst>
+          </a:blip>
+          <a:stretch>
+            <a:fillRect/>
+          </a:stretch>
+        </p:blipFill>
+        <p:spPr>
+          <a:xfrm>
+            <a:off x="2642658" y="3029479"/>
+            <a:ext cx="799042" cy="799042"/>
+          </a:xfrm>
+          <a:prstGeom prst="rect">
+            <a:avLst/>
+          </a:prstGeom>
+        </p:spPr>
+      </p:pic>
+      <p:pic>
+        <p:nvPicPr>
+          <p:cNvPr id="17" name="Espace réservé du contenu 5" descr="Dossier contour">
+            <a:extLst>
+              <a:ext uri="{FF2B5EF4-FFF2-40B4-BE49-F238E27FC236}">
+                <a16:creationId xmlns:a16="http://schemas.microsoft.com/office/drawing/2014/main" id="{82BD164B-0003-4466-AA8A-049B9BD509A4}"/>
+              </a:ext>
+            </a:extLst>
+          </p:cNvPr>
+          <p:cNvPicPr>
+            <a:picLocks noChangeAspect="1"/>
+          </p:cNvPicPr>
+          <p:nvPr/>
+        </p:nvPicPr>
+        <p:blipFill>
+          <a:blip r:embed="rId8">
+            <a:extLst>
+              <a:ext uri="{28A0092B-C50C-407E-A947-70E740481C1C}">
+                <a14:useLocalDpi xmlns:a14="http://schemas.microsoft.com/office/drawing/2010/main" val="0"/>
+              </a:ext>
+              <a:ext uri="{96DAC541-7B7A-43D3-8B79-37D633B846F1}">
+                <asvg:svgBlip xmlns:asvg="http://schemas.microsoft.com/office/drawing/2016/SVG/main" r:embed="rId9"/>
+              </a:ext>
+            </a:extLst>
+          </a:blip>
+          <a:stretch>
+            <a:fillRect/>
+          </a:stretch>
+        </p:blipFill>
+        <p:spPr>
+          <a:xfrm>
+            <a:off x="3916891" y="3029479"/>
+            <a:ext cx="799042" cy="799042"/>
+          </a:xfrm>
+          <a:prstGeom prst="rect">
+            <a:avLst/>
+          </a:prstGeom>
+        </p:spPr>
+      </p:pic>
+      <p:pic>
+        <p:nvPicPr>
+          <p:cNvPr id="18" name="Graphique 17" descr="Document avec un remplissage uni">
+            <a:extLst>
+              <a:ext uri="{FF2B5EF4-FFF2-40B4-BE49-F238E27FC236}">
+                <a16:creationId xmlns:a16="http://schemas.microsoft.com/office/drawing/2014/main" id="{93B8F915-AEDE-42BE-B490-3C84BF7F0557}"/>
+              </a:ext>
+            </a:extLst>
+          </p:cNvPr>
+          <p:cNvPicPr>
+            <a:picLocks noChangeAspect="1"/>
+          </p:cNvPicPr>
+          <p:nvPr/>
+        </p:nvPicPr>
+        <p:blipFill>
+          <a:blip r:embed="rId4">
+            <a:extLst>
+              <a:ext uri="{28A0092B-C50C-407E-A947-70E740481C1C}">
+                <a14:useLocalDpi xmlns:a14="http://schemas.microsoft.com/office/drawing/2010/main" val="0"/>
+              </a:ext>
+              <a:ext uri="{96DAC541-7B7A-43D3-8B79-37D633B846F1}">
+                <asvg:svgBlip xmlns:asvg="http://schemas.microsoft.com/office/drawing/2016/SVG/main" r:embed="rId5"/>
+              </a:ext>
+            </a:extLst>
+          </a:blip>
+          <a:stretch>
+            <a:fillRect/>
+          </a:stretch>
+        </p:blipFill>
+        <p:spPr>
+          <a:xfrm>
+            <a:off x="1952625" y="4283736"/>
+            <a:ext cx="545042" cy="545042"/>
+          </a:xfrm>
+          <a:prstGeom prst="rect">
+            <a:avLst/>
+          </a:prstGeom>
+        </p:spPr>
+      </p:pic>
+      <p:pic>
+        <p:nvPicPr>
+          <p:cNvPr id="19" name="Graphique 18" descr="Document avec un remplissage uni">
+            <a:extLst>
+              <a:ext uri="{FF2B5EF4-FFF2-40B4-BE49-F238E27FC236}">
+                <a16:creationId xmlns:a16="http://schemas.microsoft.com/office/drawing/2014/main" id="{451BBFC0-C57D-4474-BBCC-F8BC0FA9C630}"/>
+              </a:ext>
+            </a:extLst>
+          </p:cNvPr>
+          <p:cNvPicPr>
+            <a:picLocks noChangeAspect="1"/>
+          </p:cNvPicPr>
+          <p:nvPr/>
+        </p:nvPicPr>
+        <p:blipFill>
+          <a:blip r:embed="rId4">
+            <a:extLst>
+              <a:ext uri="{28A0092B-C50C-407E-A947-70E740481C1C}">
+                <a14:useLocalDpi xmlns:a14="http://schemas.microsoft.com/office/drawing/2010/main" val="0"/>
+              </a:ext>
+              <a:ext uri="{96DAC541-7B7A-43D3-8B79-37D633B846F1}">
+                <asvg:svgBlip xmlns:asvg="http://schemas.microsoft.com/office/drawing/2016/SVG/main" r:embed="rId5"/>
+              </a:ext>
+            </a:extLst>
+          </a:blip>
+          <a:stretch>
+            <a:fillRect/>
+          </a:stretch>
+        </p:blipFill>
+        <p:spPr>
+          <a:xfrm>
+            <a:off x="2536825" y="4283736"/>
+            <a:ext cx="545042" cy="545042"/>
+          </a:xfrm>
+          <a:prstGeom prst="rect">
+            <a:avLst/>
+          </a:prstGeom>
+        </p:spPr>
+      </p:pic>
+      <p:pic>
+        <p:nvPicPr>
+          <p:cNvPr id="20" name="Graphique 19" descr="Document avec un remplissage uni">
+            <a:extLst>
+              <a:ext uri="{FF2B5EF4-FFF2-40B4-BE49-F238E27FC236}">
+                <a16:creationId xmlns:a16="http://schemas.microsoft.com/office/drawing/2014/main" id="{F7183A7F-0444-4A24-8F10-5BB253FDEEC9}"/>
+              </a:ext>
+            </a:extLst>
+          </p:cNvPr>
+          <p:cNvPicPr>
+            <a:picLocks noChangeAspect="1"/>
+          </p:cNvPicPr>
+          <p:nvPr/>
+        </p:nvPicPr>
+        <p:blipFill>
+          <a:blip r:embed="rId4">
+            <a:extLst>
+              <a:ext uri="{28A0092B-C50C-407E-A947-70E740481C1C}">
+                <a14:useLocalDpi xmlns:a14="http://schemas.microsoft.com/office/drawing/2010/main" val="0"/>
+              </a:ext>
+              <a:ext uri="{96DAC541-7B7A-43D3-8B79-37D633B846F1}">
+                <asvg:svgBlip xmlns:asvg="http://schemas.microsoft.com/office/drawing/2016/SVG/main" r:embed="rId5"/>
+              </a:ext>
+            </a:extLst>
+          </a:blip>
+          <a:stretch>
+            <a:fillRect/>
+          </a:stretch>
+        </p:blipFill>
+        <p:spPr>
+          <a:xfrm>
+            <a:off x="3121025" y="4283736"/>
+            <a:ext cx="545042" cy="545042"/>
+          </a:xfrm>
+          <a:prstGeom prst="rect">
+            <a:avLst/>
+          </a:prstGeom>
+        </p:spPr>
+      </p:pic>
+      <p:pic>
+        <p:nvPicPr>
+          <p:cNvPr id="21" name="Graphique 20" descr="Document avec un remplissage uni">
+            <a:extLst>
+              <a:ext uri="{FF2B5EF4-FFF2-40B4-BE49-F238E27FC236}">
+                <a16:creationId xmlns:a16="http://schemas.microsoft.com/office/drawing/2014/main" id="{71CFB8BF-85DD-48C3-8A76-DEA6A32176C2}"/>
+              </a:ext>
+            </a:extLst>
+          </p:cNvPr>
+          <p:cNvPicPr>
+            <a:picLocks noChangeAspect="1"/>
+          </p:cNvPicPr>
+          <p:nvPr/>
+        </p:nvPicPr>
+        <p:blipFill>
+          <a:blip r:embed="rId4">
+            <a:extLst>
+              <a:ext uri="{28A0092B-C50C-407E-A947-70E740481C1C}">
+                <a14:useLocalDpi xmlns:a14="http://schemas.microsoft.com/office/drawing/2010/main" val="0"/>
+              </a:ext>
+              <a:ext uri="{96DAC541-7B7A-43D3-8B79-37D633B846F1}">
+                <asvg:svgBlip xmlns:asvg="http://schemas.microsoft.com/office/drawing/2016/SVG/main" r:embed="rId5"/>
+              </a:ext>
+            </a:extLst>
+          </a:blip>
+          <a:stretch>
+            <a:fillRect/>
+          </a:stretch>
+        </p:blipFill>
+        <p:spPr>
+          <a:xfrm>
+            <a:off x="3705225" y="4283736"/>
+            <a:ext cx="545042" cy="545042"/>
+          </a:xfrm>
+          <a:prstGeom prst="rect">
+            <a:avLst/>
+          </a:prstGeom>
+        </p:spPr>
+      </p:pic>
+      <p:pic>
+        <p:nvPicPr>
+          <p:cNvPr id="22" name="Graphique 21" descr="Document avec un remplissage uni">
+            <a:extLst>
+              <a:ext uri="{FF2B5EF4-FFF2-40B4-BE49-F238E27FC236}">
+                <a16:creationId xmlns:a16="http://schemas.microsoft.com/office/drawing/2014/main" id="{D152CF53-2FE1-441A-9E5E-EEEEE5F7F452}"/>
+              </a:ext>
+            </a:extLst>
+          </p:cNvPr>
+          <p:cNvPicPr>
+            <a:picLocks noChangeAspect="1"/>
+          </p:cNvPicPr>
+          <p:nvPr/>
+        </p:nvPicPr>
+        <p:blipFill>
+          <a:blip r:embed="rId4">
+            <a:extLst>
+              <a:ext uri="{28A0092B-C50C-407E-A947-70E740481C1C}">
+                <a14:useLocalDpi xmlns:a14="http://schemas.microsoft.com/office/drawing/2010/main" val="0"/>
+              </a:ext>
+              <a:ext uri="{96DAC541-7B7A-43D3-8B79-37D633B846F1}">
+                <asvg:svgBlip xmlns:asvg="http://schemas.microsoft.com/office/drawing/2016/SVG/main" r:embed="rId5"/>
+              </a:ext>
+            </a:extLst>
+          </a:blip>
+          <a:stretch>
+            <a:fillRect/>
+          </a:stretch>
+        </p:blipFill>
+        <p:spPr>
+          <a:xfrm>
+            <a:off x="4289425" y="4283736"/>
+            <a:ext cx="545042" cy="545042"/>
+          </a:xfrm>
+          <a:prstGeom prst="rect">
+            <a:avLst/>
+          </a:prstGeom>
+        </p:spPr>
+      </p:pic>
+      <p:sp>
+        <p:nvSpPr>
+          <p:cNvPr id="23" name="Espace réservé du contenu 5">
+            <a:extLst>
+              <a:ext uri="{FF2B5EF4-FFF2-40B4-BE49-F238E27FC236}">
+                <a16:creationId xmlns:a16="http://schemas.microsoft.com/office/drawing/2014/main" id="{BA1A0207-43E8-4BF6-882D-7554CDA7D68C}"/>
+              </a:ext>
+            </a:extLst>
+          </p:cNvPr>
+          <p:cNvSpPr>
+            <a:spLocks noGrp="1"/>
+          </p:cNvSpPr>
+          <p:nvPr>
+            <p:ph idx="1"/>
+          </p:nvPr>
+        </p:nvSpPr>
+        <p:spPr>
+          <a:xfrm>
+            <a:off x="1359958" y="3656277"/>
+            <a:ext cx="821266" cy="424656"/>
+          </a:xfrm>
+        </p:spPr>
+        <p:txBody>
+          <a:bodyPr>
+            <a:normAutofit/>
+          </a:bodyPr>
+          <a:lstStyle/>
+          <a:p>
+            <a:pPr marL="0" indent="0">
+              <a:buNone/>
+            </a:pPr>
+            <a:r>
+              <a:rPr lang="en-US" sz="2000" dirty="0">
+                <a:solidFill>
+                  <a:schemeClr val="accent6"/>
+                </a:solidFill>
+                <a:latin typeface="JuliaMono" panose="020B0609060300020004" pitchFamily="49" charset="0"/>
+                <a:ea typeface="JuliaMono" panose="020B0609060300020004" pitchFamily="49" charset="0"/>
+                <a:cs typeface="JuliaMono" panose="020B0609060300020004" pitchFamily="49" charset="0"/>
+              </a:rPr>
+              <a:t>.git</a:t>
+            </a:r>
+          </a:p>
+        </p:txBody>
+      </p:sp>
+      <p:sp>
+        <p:nvSpPr>
+          <p:cNvPr id="24" name="Espace réservé du contenu 5">
+            <a:extLst>
+              <a:ext uri="{FF2B5EF4-FFF2-40B4-BE49-F238E27FC236}">
+                <a16:creationId xmlns:a16="http://schemas.microsoft.com/office/drawing/2014/main" id="{6BC80DB9-AE31-4895-B9F3-EDF14843F5E5}"/>
+              </a:ext>
+            </a:extLst>
+          </p:cNvPr>
+          <p:cNvSpPr txBox="1">
+            <a:spLocks/>
+          </p:cNvSpPr>
+          <p:nvPr/>
+        </p:nvSpPr>
+        <p:spPr>
+          <a:xfrm>
+            <a:off x="2645833" y="3673210"/>
+            <a:ext cx="821266" cy="424656"/>
+          </a:xfrm>
+          <a:prstGeom prst="rect">
+            <a:avLst/>
+          </a:prstGeom>
+        </p:spPr>
+        <p:txBody>
+          <a:bodyPr vert="horz" lIns="91440" tIns="45720" rIns="91440" bIns="45720" rtlCol="0">
+            <a:normAutofit/>
+          </a:bodyPr>
+          <a:lstStyle>
+            <a:lvl1pPr marL="228600" indent="-228600" algn="l" defTabSz="914400" rtl="0" eaLnBrk="1" latinLnBrk="0" hangingPunct="1">
+              <a:lnSpc>
+                <a:spcPct val="90000"/>
+              </a:lnSpc>
+              <a:spcBef>
+                <a:spcPts val="1000"/>
+              </a:spcBef>
+              <a:buFont typeface="Arial" panose="020B0604020202020204" pitchFamily="34" charset="0"/>
+              <a:buChar char="•"/>
+              <a:defRPr sz="2800" kern="1200">
+                <a:solidFill>
+                  <a:schemeClr val="tx1"/>
+                </a:solidFill>
+                <a:latin typeface="Palatino Linotype" panose="02040502050505030304" pitchFamily="18" charset="0"/>
+                <a:ea typeface="+mn-ea"/>
+                <a:cs typeface="+mn-cs"/>
+              </a:defRPr>
+            </a:lvl1pPr>
+            <a:lvl2pPr marL="685800" indent="-228600" algn="l" defTabSz="914400" rtl="0" eaLnBrk="1" latinLnBrk="0" hangingPunct="1">
+              <a:lnSpc>
+                <a:spcPct val="90000"/>
+              </a:lnSpc>
+              <a:spcBef>
+                <a:spcPts val="500"/>
+              </a:spcBef>
+              <a:buFont typeface="Arial" panose="020B0604020202020204" pitchFamily="34" charset="0"/>
+              <a:buChar char="•"/>
+              <a:defRPr sz="2400" kern="1200">
+                <a:solidFill>
+                  <a:schemeClr val="tx1"/>
+                </a:solidFill>
+                <a:latin typeface="Palatino Linotype" panose="02040502050505030304" pitchFamily="18" charset="0"/>
+                <a:ea typeface="+mn-ea"/>
+                <a:cs typeface="+mn-cs"/>
+              </a:defRPr>
+            </a:lvl2pPr>
+            <a:lvl3pPr marL="1143000" indent="-228600" algn="l" defTabSz="914400" rtl="0" eaLnBrk="1" latinLnBrk="0" hangingPunct="1">
+              <a:lnSpc>
+                <a:spcPct val="90000"/>
+              </a:lnSpc>
+              <a:spcBef>
+                <a:spcPts val="500"/>
+              </a:spcBef>
+              <a:buFont typeface="Arial" panose="020B0604020202020204" pitchFamily="34" charset="0"/>
+              <a:buChar char="•"/>
+              <a:defRPr sz="2000" kern="1200">
+                <a:solidFill>
+                  <a:schemeClr val="tx1"/>
+                </a:solidFill>
+                <a:latin typeface="Palatino Linotype" panose="02040502050505030304" pitchFamily="18" charset="0"/>
+                <a:ea typeface="+mn-ea"/>
+                <a:cs typeface="+mn-cs"/>
+              </a:defRPr>
+            </a:lvl3pPr>
+            <a:lvl4pPr marL="1600200" indent="-228600" algn="l" defTabSz="914400" rtl="0" eaLnBrk="1" latinLnBrk="0" hangingPunct="1">
+              <a:lnSpc>
+                <a:spcPct val="90000"/>
+              </a:lnSpc>
+              <a:spcBef>
+                <a:spcPts val="500"/>
+              </a:spcBef>
+              <a:buFont typeface="Arial" panose="020B0604020202020204" pitchFamily="34" charset="0"/>
+              <a:buChar char="•"/>
+              <a:defRPr sz="1800" kern="1200">
+                <a:solidFill>
+                  <a:schemeClr val="tx1"/>
+                </a:solidFill>
+                <a:latin typeface="Palatino Linotype" panose="02040502050505030304" pitchFamily="18" charset="0"/>
+                <a:ea typeface="+mn-ea"/>
+                <a:cs typeface="+mn-cs"/>
+              </a:defRPr>
+            </a:lvl4pPr>
+            <a:lvl5pPr marL="2057400" indent="-228600" algn="l" defTabSz="914400" rtl="0" eaLnBrk="1" latinLnBrk="0" hangingPunct="1">
+              <a:lnSpc>
+                <a:spcPct val="90000"/>
+              </a:lnSpc>
+              <a:spcBef>
+                <a:spcPts val="500"/>
+              </a:spcBef>
+              <a:buFont typeface="Arial" panose="020B0604020202020204" pitchFamily="34" charset="0"/>
+              <a:buChar char="•"/>
+              <a:defRPr sz="1800" kern="1200">
+                <a:solidFill>
+                  <a:schemeClr val="tx1"/>
+                </a:solidFill>
+                <a:latin typeface="Palatino Linotype" panose="02040502050505030304" pitchFamily="18" charset="0"/>
+                <a:ea typeface="+mn-ea"/>
+                <a:cs typeface="+mn-cs"/>
+              </a:defRPr>
+            </a:lvl5pPr>
+            <a:lvl6pPr marL="2514600" indent="-228600" algn="l" defTabSz="914400" rtl="0" eaLnBrk="1" latinLnBrk="0" hangingPunct="1">
+              <a:lnSpc>
+                <a:spcPct val="90000"/>
+              </a:lnSpc>
+              <a:spcBef>
+                <a:spcPts val="500"/>
+              </a:spcBef>
+              <a:buFont typeface="Arial" panose="020B0604020202020204" pitchFamily="34" charset="0"/>
+              <a:buChar char="•"/>
+              <a:defRPr sz="1800" kern="1200">
+                <a:solidFill>
+                  <a:schemeClr val="tx1"/>
+                </a:solidFill>
+                <a:latin typeface="+mn-lt"/>
+                <a:ea typeface="+mn-ea"/>
+                <a:cs typeface="+mn-cs"/>
+              </a:defRPr>
+            </a:lvl6pPr>
+            <a:lvl7pPr marL="2971800" indent="-228600" algn="l" defTabSz="914400" rtl="0" eaLnBrk="1" latinLnBrk="0" hangingPunct="1">
+              <a:lnSpc>
+                <a:spcPct val="90000"/>
+              </a:lnSpc>
+              <a:spcBef>
+                <a:spcPts val="500"/>
+              </a:spcBef>
+              <a:buFont typeface="Arial" panose="020B0604020202020204" pitchFamily="34" charset="0"/>
+              <a:buChar char="•"/>
+              <a:defRPr sz="1800" kern="1200">
+                <a:solidFill>
+                  <a:schemeClr val="tx1"/>
+                </a:solidFill>
+                <a:latin typeface="+mn-lt"/>
+                <a:ea typeface="+mn-ea"/>
+                <a:cs typeface="+mn-cs"/>
+              </a:defRPr>
+            </a:lvl7pPr>
+            <a:lvl8pPr marL="3429000" indent="-228600" algn="l" defTabSz="914400" rtl="0" eaLnBrk="1" latinLnBrk="0" hangingPunct="1">
+              <a:lnSpc>
+                <a:spcPct val="90000"/>
+              </a:lnSpc>
+              <a:spcBef>
+                <a:spcPts val="500"/>
+              </a:spcBef>
+              <a:buFont typeface="Arial" panose="020B0604020202020204" pitchFamily="34" charset="0"/>
+              <a:buChar char="•"/>
+              <a:defRPr sz="1800" kern="1200">
+                <a:solidFill>
+                  <a:schemeClr val="tx1"/>
+                </a:solidFill>
+                <a:latin typeface="+mn-lt"/>
+                <a:ea typeface="+mn-ea"/>
+                <a:cs typeface="+mn-cs"/>
+              </a:defRPr>
+            </a:lvl8pPr>
+            <a:lvl9pPr marL="3886200" indent="-228600" algn="l" defTabSz="914400" rtl="0" eaLnBrk="1" latinLnBrk="0" hangingPunct="1">
+              <a:lnSpc>
+                <a:spcPct val="90000"/>
+              </a:lnSpc>
+              <a:spcBef>
+                <a:spcPts val="500"/>
+              </a:spcBef>
+              <a:buFont typeface="Arial" panose="020B0604020202020204" pitchFamily="34" charset="0"/>
+              <a:buChar char="•"/>
+              <a:defRPr sz="1800" kern="1200">
+                <a:solidFill>
+                  <a:schemeClr val="tx1"/>
+                </a:solidFill>
+                <a:latin typeface="+mn-lt"/>
+                <a:ea typeface="+mn-ea"/>
+                <a:cs typeface="+mn-cs"/>
+              </a:defRPr>
+            </a:lvl9pPr>
+          </a:lstStyle>
+          <a:p>
+            <a:pPr marL="0" indent="0">
+              <a:buFont typeface="Arial" panose="020B0604020202020204" pitchFamily="34" charset="0"/>
+              <a:buNone/>
+            </a:pPr>
+            <a:r>
+              <a:rPr lang="en-US" sz="2000" dirty="0">
+                <a:latin typeface="JuliaMono" panose="020B0609060300020004" pitchFamily="49" charset="0"/>
+                <a:ea typeface="JuliaMono" panose="020B0609060300020004" pitchFamily="49" charset="0"/>
+                <a:cs typeface="JuliaMono" panose="020B0609060300020004" pitchFamily="49" charset="0"/>
+              </a:rPr>
+              <a:t>data</a:t>
+            </a:r>
+          </a:p>
+        </p:txBody>
+      </p:sp>
+      <p:sp>
+        <p:nvSpPr>
+          <p:cNvPr id="25" name="Espace réservé du contenu 5">
+            <a:extLst>
+              <a:ext uri="{FF2B5EF4-FFF2-40B4-BE49-F238E27FC236}">
+                <a16:creationId xmlns:a16="http://schemas.microsoft.com/office/drawing/2014/main" id="{C33D3E20-53BA-4DFE-8F2C-83147C3D6C7B}"/>
+              </a:ext>
+            </a:extLst>
+          </p:cNvPr>
+          <p:cNvSpPr txBox="1">
+            <a:spLocks/>
+          </p:cNvSpPr>
+          <p:nvPr/>
+        </p:nvSpPr>
+        <p:spPr>
+          <a:xfrm>
+            <a:off x="3903134" y="3656277"/>
+            <a:ext cx="1021821" cy="424656"/>
+          </a:xfrm>
+          <a:prstGeom prst="rect">
+            <a:avLst/>
+          </a:prstGeom>
+        </p:spPr>
+        <p:txBody>
+          <a:bodyPr vert="horz" lIns="91440" tIns="45720" rIns="91440" bIns="45720" rtlCol="0">
+            <a:normAutofit/>
+          </a:bodyPr>
+          <a:lstStyle>
+            <a:lvl1pPr marL="228600" indent="-228600" algn="l" defTabSz="914400" rtl="0" eaLnBrk="1" latinLnBrk="0" hangingPunct="1">
+              <a:lnSpc>
+                <a:spcPct val="90000"/>
+              </a:lnSpc>
+              <a:spcBef>
+                <a:spcPts val="1000"/>
+              </a:spcBef>
+              <a:buFont typeface="Arial" panose="020B0604020202020204" pitchFamily="34" charset="0"/>
+              <a:buChar char="•"/>
+              <a:defRPr sz="2800" kern="1200">
+                <a:solidFill>
+                  <a:schemeClr val="tx1"/>
+                </a:solidFill>
+                <a:latin typeface="Palatino Linotype" panose="02040502050505030304" pitchFamily="18" charset="0"/>
+                <a:ea typeface="+mn-ea"/>
+                <a:cs typeface="+mn-cs"/>
+              </a:defRPr>
+            </a:lvl1pPr>
+            <a:lvl2pPr marL="685800" indent="-228600" algn="l" defTabSz="914400" rtl="0" eaLnBrk="1" latinLnBrk="0" hangingPunct="1">
+              <a:lnSpc>
+                <a:spcPct val="90000"/>
+              </a:lnSpc>
+              <a:spcBef>
+                <a:spcPts val="500"/>
+              </a:spcBef>
+              <a:buFont typeface="Arial" panose="020B0604020202020204" pitchFamily="34" charset="0"/>
+              <a:buChar char="•"/>
+              <a:defRPr sz="2400" kern="1200">
+                <a:solidFill>
+                  <a:schemeClr val="tx1"/>
+                </a:solidFill>
+                <a:latin typeface="Palatino Linotype" panose="02040502050505030304" pitchFamily="18" charset="0"/>
+                <a:ea typeface="+mn-ea"/>
+                <a:cs typeface="+mn-cs"/>
+              </a:defRPr>
+            </a:lvl2pPr>
+            <a:lvl3pPr marL="1143000" indent="-228600" algn="l" defTabSz="914400" rtl="0" eaLnBrk="1" latinLnBrk="0" hangingPunct="1">
+              <a:lnSpc>
+                <a:spcPct val="90000"/>
+              </a:lnSpc>
+              <a:spcBef>
+                <a:spcPts val="500"/>
+              </a:spcBef>
+              <a:buFont typeface="Arial" panose="020B0604020202020204" pitchFamily="34" charset="0"/>
+              <a:buChar char="•"/>
+              <a:defRPr sz="2000" kern="1200">
+                <a:solidFill>
+                  <a:schemeClr val="tx1"/>
+                </a:solidFill>
+                <a:latin typeface="Palatino Linotype" panose="02040502050505030304" pitchFamily="18" charset="0"/>
+                <a:ea typeface="+mn-ea"/>
+                <a:cs typeface="+mn-cs"/>
+              </a:defRPr>
+            </a:lvl3pPr>
+            <a:lvl4pPr marL="1600200" indent="-228600" algn="l" defTabSz="914400" rtl="0" eaLnBrk="1" latinLnBrk="0" hangingPunct="1">
+              <a:lnSpc>
+                <a:spcPct val="90000"/>
+              </a:lnSpc>
+              <a:spcBef>
+                <a:spcPts val="500"/>
+              </a:spcBef>
+              <a:buFont typeface="Arial" panose="020B0604020202020204" pitchFamily="34" charset="0"/>
+              <a:buChar char="•"/>
+              <a:defRPr sz="1800" kern="1200">
+                <a:solidFill>
+                  <a:schemeClr val="tx1"/>
+                </a:solidFill>
+                <a:latin typeface="Palatino Linotype" panose="02040502050505030304" pitchFamily="18" charset="0"/>
+                <a:ea typeface="+mn-ea"/>
+                <a:cs typeface="+mn-cs"/>
+              </a:defRPr>
+            </a:lvl4pPr>
+            <a:lvl5pPr marL="2057400" indent="-228600" algn="l" defTabSz="914400" rtl="0" eaLnBrk="1" latinLnBrk="0" hangingPunct="1">
+              <a:lnSpc>
+                <a:spcPct val="90000"/>
+              </a:lnSpc>
+              <a:spcBef>
+                <a:spcPts val="500"/>
+              </a:spcBef>
+              <a:buFont typeface="Arial" panose="020B0604020202020204" pitchFamily="34" charset="0"/>
+              <a:buChar char="•"/>
+              <a:defRPr sz="1800" kern="1200">
+                <a:solidFill>
+                  <a:schemeClr val="tx1"/>
+                </a:solidFill>
+                <a:latin typeface="Palatino Linotype" panose="02040502050505030304" pitchFamily="18" charset="0"/>
+                <a:ea typeface="+mn-ea"/>
+                <a:cs typeface="+mn-cs"/>
+              </a:defRPr>
+            </a:lvl5pPr>
+            <a:lvl6pPr marL="2514600" indent="-228600" algn="l" defTabSz="914400" rtl="0" eaLnBrk="1" latinLnBrk="0" hangingPunct="1">
+              <a:lnSpc>
+                <a:spcPct val="90000"/>
+              </a:lnSpc>
+              <a:spcBef>
+                <a:spcPts val="500"/>
+              </a:spcBef>
+              <a:buFont typeface="Arial" panose="020B0604020202020204" pitchFamily="34" charset="0"/>
+              <a:buChar char="•"/>
+              <a:defRPr sz="1800" kern="1200">
+                <a:solidFill>
+                  <a:schemeClr val="tx1"/>
+                </a:solidFill>
+                <a:latin typeface="+mn-lt"/>
+                <a:ea typeface="+mn-ea"/>
+                <a:cs typeface="+mn-cs"/>
+              </a:defRPr>
+            </a:lvl6pPr>
+            <a:lvl7pPr marL="2971800" indent="-228600" algn="l" defTabSz="914400" rtl="0" eaLnBrk="1" latinLnBrk="0" hangingPunct="1">
+              <a:lnSpc>
+                <a:spcPct val="90000"/>
+              </a:lnSpc>
+              <a:spcBef>
+                <a:spcPts val="500"/>
+              </a:spcBef>
+              <a:buFont typeface="Arial" panose="020B0604020202020204" pitchFamily="34" charset="0"/>
+              <a:buChar char="•"/>
+              <a:defRPr sz="1800" kern="1200">
+                <a:solidFill>
+                  <a:schemeClr val="tx1"/>
+                </a:solidFill>
+                <a:latin typeface="+mn-lt"/>
+                <a:ea typeface="+mn-ea"/>
+                <a:cs typeface="+mn-cs"/>
+              </a:defRPr>
+            </a:lvl7pPr>
+            <a:lvl8pPr marL="3429000" indent="-228600" algn="l" defTabSz="914400" rtl="0" eaLnBrk="1" latinLnBrk="0" hangingPunct="1">
+              <a:lnSpc>
+                <a:spcPct val="90000"/>
+              </a:lnSpc>
+              <a:spcBef>
+                <a:spcPts val="500"/>
+              </a:spcBef>
+              <a:buFont typeface="Arial" panose="020B0604020202020204" pitchFamily="34" charset="0"/>
+              <a:buChar char="•"/>
+              <a:defRPr sz="1800" kern="1200">
+                <a:solidFill>
+                  <a:schemeClr val="tx1"/>
+                </a:solidFill>
+                <a:latin typeface="+mn-lt"/>
+                <a:ea typeface="+mn-ea"/>
+                <a:cs typeface="+mn-cs"/>
+              </a:defRPr>
+            </a:lvl8pPr>
+            <a:lvl9pPr marL="3886200" indent="-228600" algn="l" defTabSz="914400" rtl="0" eaLnBrk="1" latinLnBrk="0" hangingPunct="1">
+              <a:lnSpc>
+                <a:spcPct val="90000"/>
+              </a:lnSpc>
+              <a:spcBef>
+                <a:spcPts val="500"/>
+              </a:spcBef>
+              <a:buFont typeface="Arial" panose="020B0604020202020204" pitchFamily="34" charset="0"/>
+              <a:buChar char="•"/>
+              <a:defRPr sz="1800" kern="1200">
+                <a:solidFill>
+                  <a:schemeClr val="tx1"/>
+                </a:solidFill>
+                <a:latin typeface="+mn-lt"/>
+                <a:ea typeface="+mn-ea"/>
+                <a:cs typeface="+mn-cs"/>
+              </a:defRPr>
+            </a:lvl9pPr>
+          </a:lstStyle>
+          <a:p>
+            <a:pPr marL="0" indent="0">
+              <a:buFont typeface="Arial" panose="020B0604020202020204" pitchFamily="34" charset="0"/>
+              <a:buNone/>
+            </a:pPr>
+            <a:r>
+              <a:rPr lang="en-US" sz="2000" dirty="0">
+                <a:latin typeface="JuliaMono" panose="020B0609060300020004" pitchFamily="49" charset="0"/>
+                <a:ea typeface="JuliaMono" panose="020B0609060300020004" pitchFamily="49" charset="0"/>
+                <a:cs typeface="JuliaMono" panose="020B0609060300020004" pitchFamily="49" charset="0"/>
+              </a:rPr>
+              <a:t>plots</a:t>
+            </a:r>
+          </a:p>
+        </p:txBody>
+      </p:sp>
+      <p:sp>
+        <p:nvSpPr>
+          <p:cNvPr id="28" name="Espace réservé du contenu 11">
+            <a:extLst>
+              <a:ext uri="{FF2B5EF4-FFF2-40B4-BE49-F238E27FC236}">
+                <a16:creationId xmlns:a16="http://schemas.microsoft.com/office/drawing/2014/main" id="{8896C8C0-2724-40D9-9CC4-117FC24D7D09}"/>
+              </a:ext>
+            </a:extLst>
+          </p:cNvPr>
+          <p:cNvSpPr txBox="1">
+            <a:spLocks/>
+          </p:cNvSpPr>
+          <p:nvPr/>
+        </p:nvSpPr>
+        <p:spPr>
+          <a:xfrm>
+            <a:off x="5575300" y="5030549"/>
+            <a:ext cx="6375400" cy="1462326"/>
+          </a:xfrm>
+          <a:prstGeom prst="roundRect">
+            <a:avLst/>
+          </a:prstGeom>
+          <a:solidFill>
+            <a:schemeClr val="accent4">
+              <a:lumMod val="20000"/>
+              <a:lumOff val="80000"/>
+            </a:schemeClr>
+          </a:solidFill>
+          <a:ln w="38100">
+            <a:solidFill>
+              <a:schemeClr val="accent4">
+                <a:lumMod val="50000"/>
+              </a:schemeClr>
+            </a:solidFill>
+          </a:ln>
+        </p:spPr>
+        <p:txBody>
+          <a:bodyPr vert="horz" lIns="91440" tIns="45720" rIns="91440" bIns="45720" rtlCol="0">
+            <a:normAutofit fontScale="92500"/>
+          </a:bodyPr>
+          <a:lstStyle>
+            <a:lvl1pPr marL="228600" indent="-228600" algn="l" defTabSz="914400" rtl="0" eaLnBrk="1" latinLnBrk="0" hangingPunct="1">
+              <a:lnSpc>
+                <a:spcPct val="90000"/>
+              </a:lnSpc>
+              <a:spcBef>
+                <a:spcPts val="1000"/>
+              </a:spcBef>
+              <a:buFont typeface="Arial" panose="020B0604020202020204" pitchFamily="34" charset="0"/>
+              <a:buChar char="•"/>
+              <a:defRPr sz="2800" kern="1200">
+                <a:solidFill>
+                  <a:schemeClr val="tx1"/>
+                </a:solidFill>
+                <a:latin typeface="Palatino Linotype" panose="02040502050505030304" pitchFamily="18" charset="0"/>
+                <a:ea typeface="+mn-ea"/>
+                <a:cs typeface="+mn-cs"/>
+              </a:defRPr>
+            </a:lvl1pPr>
+            <a:lvl2pPr marL="685800" indent="-228600" algn="l" defTabSz="914400" rtl="0" eaLnBrk="1" latinLnBrk="0" hangingPunct="1">
+              <a:lnSpc>
+                <a:spcPct val="90000"/>
+              </a:lnSpc>
+              <a:spcBef>
+                <a:spcPts val="500"/>
+              </a:spcBef>
+              <a:buFont typeface="Arial" panose="020B0604020202020204" pitchFamily="34" charset="0"/>
+              <a:buChar char="•"/>
+              <a:defRPr sz="2400" kern="1200">
+                <a:solidFill>
+                  <a:schemeClr val="tx1"/>
+                </a:solidFill>
+                <a:latin typeface="Palatino Linotype" panose="02040502050505030304" pitchFamily="18" charset="0"/>
+                <a:ea typeface="+mn-ea"/>
+                <a:cs typeface="+mn-cs"/>
+              </a:defRPr>
+            </a:lvl2pPr>
+            <a:lvl3pPr marL="1143000" indent="-228600" algn="l" defTabSz="914400" rtl="0" eaLnBrk="1" latinLnBrk="0" hangingPunct="1">
+              <a:lnSpc>
+                <a:spcPct val="90000"/>
+              </a:lnSpc>
+              <a:spcBef>
+                <a:spcPts val="500"/>
+              </a:spcBef>
+              <a:buFont typeface="Arial" panose="020B0604020202020204" pitchFamily="34" charset="0"/>
+              <a:buChar char="•"/>
+              <a:defRPr sz="2000" kern="1200">
+                <a:solidFill>
+                  <a:schemeClr val="tx1"/>
+                </a:solidFill>
+                <a:latin typeface="Palatino Linotype" panose="02040502050505030304" pitchFamily="18" charset="0"/>
+                <a:ea typeface="+mn-ea"/>
+                <a:cs typeface="+mn-cs"/>
+              </a:defRPr>
+            </a:lvl3pPr>
+            <a:lvl4pPr marL="1600200" indent="-228600" algn="l" defTabSz="914400" rtl="0" eaLnBrk="1" latinLnBrk="0" hangingPunct="1">
+              <a:lnSpc>
+                <a:spcPct val="90000"/>
+              </a:lnSpc>
+              <a:spcBef>
+                <a:spcPts val="500"/>
+              </a:spcBef>
+              <a:buFont typeface="Arial" panose="020B0604020202020204" pitchFamily="34" charset="0"/>
+              <a:buChar char="•"/>
+              <a:defRPr sz="1800" kern="1200">
+                <a:solidFill>
+                  <a:schemeClr val="tx1"/>
+                </a:solidFill>
+                <a:latin typeface="Palatino Linotype" panose="02040502050505030304" pitchFamily="18" charset="0"/>
+                <a:ea typeface="+mn-ea"/>
+                <a:cs typeface="+mn-cs"/>
+              </a:defRPr>
+            </a:lvl4pPr>
+            <a:lvl5pPr marL="2057400" indent="-228600" algn="l" defTabSz="914400" rtl="0" eaLnBrk="1" latinLnBrk="0" hangingPunct="1">
+              <a:lnSpc>
+                <a:spcPct val="90000"/>
+              </a:lnSpc>
+              <a:spcBef>
+                <a:spcPts val="500"/>
+              </a:spcBef>
+              <a:buFont typeface="Arial" panose="020B0604020202020204" pitchFamily="34" charset="0"/>
+              <a:buChar char="•"/>
+              <a:defRPr sz="1800" kern="1200">
+                <a:solidFill>
+                  <a:schemeClr val="tx1"/>
+                </a:solidFill>
+                <a:latin typeface="Palatino Linotype" panose="02040502050505030304" pitchFamily="18" charset="0"/>
+                <a:ea typeface="+mn-ea"/>
+                <a:cs typeface="+mn-cs"/>
+              </a:defRPr>
+            </a:lvl5pPr>
+            <a:lvl6pPr marL="2514600" indent="-228600" algn="l" defTabSz="914400" rtl="0" eaLnBrk="1" latinLnBrk="0" hangingPunct="1">
+              <a:lnSpc>
+                <a:spcPct val="90000"/>
+              </a:lnSpc>
+              <a:spcBef>
+                <a:spcPts val="500"/>
+              </a:spcBef>
+              <a:buFont typeface="Arial" panose="020B0604020202020204" pitchFamily="34" charset="0"/>
+              <a:buChar char="•"/>
+              <a:defRPr sz="1800" kern="1200">
+                <a:solidFill>
+                  <a:schemeClr val="tx1"/>
+                </a:solidFill>
+                <a:latin typeface="+mn-lt"/>
+                <a:ea typeface="+mn-ea"/>
+                <a:cs typeface="+mn-cs"/>
+              </a:defRPr>
+            </a:lvl6pPr>
+            <a:lvl7pPr marL="2971800" indent="-228600" algn="l" defTabSz="914400" rtl="0" eaLnBrk="1" latinLnBrk="0" hangingPunct="1">
+              <a:lnSpc>
+                <a:spcPct val="90000"/>
+              </a:lnSpc>
+              <a:spcBef>
+                <a:spcPts val="500"/>
+              </a:spcBef>
+              <a:buFont typeface="Arial" panose="020B0604020202020204" pitchFamily="34" charset="0"/>
+              <a:buChar char="•"/>
+              <a:defRPr sz="1800" kern="1200">
+                <a:solidFill>
+                  <a:schemeClr val="tx1"/>
+                </a:solidFill>
+                <a:latin typeface="+mn-lt"/>
+                <a:ea typeface="+mn-ea"/>
+                <a:cs typeface="+mn-cs"/>
+              </a:defRPr>
+            </a:lvl7pPr>
+            <a:lvl8pPr marL="3429000" indent="-228600" algn="l" defTabSz="914400" rtl="0" eaLnBrk="1" latinLnBrk="0" hangingPunct="1">
+              <a:lnSpc>
+                <a:spcPct val="90000"/>
+              </a:lnSpc>
+              <a:spcBef>
+                <a:spcPts val="500"/>
+              </a:spcBef>
+              <a:buFont typeface="Arial" panose="020B0604020202020204" pitchFamily="34" charset="0"/>
+              <a:buChar char="•"/>
+              <a:defRPr sz="1800" kern="1200">
+                <a:solidFill>
+                  <a:schemeClr val="tx1"/>
+                </a:solidFill>
+                <a:latin typeface="+mn-lt"/>
+                <a:ea typeface="+mn-ea"/>
+                <a:cs typeface="+mn-cs"/>
+              </a:defRPr>
+            </a:lvl8pPr>
+            <a:lvl9pPr marL="3886200" indent="-228600" algn="l" defTabSz="914400" rtl="0" eaLnBrk="1" latinLnBrk="0" hangingPunct="1">
+              <a:lnSpc>
+                <a:spcPct val="90000"/>
+              </a:lnSpc>
+              <a:spcBef>
+                <a:spcPts val="500"/>
+              </a:spcBef>
+              <a:buFont typeface="Arial" panose="020B0604020202020204" pitchFamily="34" charset="0"/>
+              <a:buChar char="•"/>
+              <a:defRPr sz="1800" kern="1200">
+                <a:solidFill>
+                  <a:schemeClr val="tx1"/>
+                </a:solidFill>
+                <a:latin typeface="+mn-lt"/>
+                <a:ea typeface="+mn-ea"/>
+                <a:cs typeface="+mn-cs"/>
+              </a:defRPr>
+            </a:lvl9pPr>
+          </a:lstStyle>
+          <a:p>
+            <a:pPr marL="0" indent="0">
+              <a:buFont typeface="Arial" panose="020B0604020202020204" pitchFamily="34" charset="0"/>
+              <a:buNone/>
+            </a:pPr>
+            <a:r>
+              <a:rPr lang="en-US" b="1" dirty="0"/>
+              <a:t>Exercise 1</a:t>
+            </a:r>
+          </a:p>
+          <a:p>
+            <a:pPr marL="0" indent="0">
+              <a:buFont typeface="Arial" panose="020B0604020202020204" pitchFamily="34" charset="0"/>
+              <a:buNone/>
+            </a:pPr>
+            <a:r>
+              <a:rPr lang="en-US" dirty="0"/>
+              <a:t>Clone the repo of the workshop</a:t>
+            </a:r>
+          </a:p>
+          <a:p>
+            <a:pPr marL="0" indent="0">
+              <a:buNone/>
+            </a:pPr>
+            <a:r>
+              <a:rPr lang="en-US" sz="1900" dirty="0">
+                <a:solidFill>
+                  <a:schemeClr val="accent1">
+                    <a:lumMod val="50000"/>
+                  </a:schemeClr>
+                </a:solidFill>
+                <a:latin typeface="JuliaMono" panose="020B0609060300020004" pitchFamily="49" charset="0"/>
+                <a:ea typeface="JuliaMono" panose="020B0609060300020004" pitchFamily="49" charset="0"/>
+                <a:cs typeface="JuliaMono" panose="020B0609060300020004" pitchFamily="49" charset="0"/>
+              </a:rPr>
+              <a:t>https://github.com/Kolaru/GitEssentials.git</a:t>
+            </a:r>
+          </a:p>
+          <a:p>
+            <a:pPr marL="0" indent="0">
+              <a:buFont typeface="Arial" panose="020B0604020202020204" pitchFamily="34" charset="0"/>
+              <a:buNone/>
+            </a:pPr>
+            <a:endParaRPr lang="en-US" dirty="0"/>
+          </a:p>
+        </p:txBody>
+      </p:sp>
+    </p:spTree>
+    <p:extLst>
+      <p:ext uri="{BB962C8B-B14F-4D97-AF65-F5344CB8AC3E}">
+        <p14:creationId xmlns:p14="http://schemas.microsoft.com/office/powerpoint/2010/main" val="2861862177"/>
+      </p:ext>
+    </p:extLst>
+  </p:cSld>
+  <p:clrMapOvr>
+    <a:masterClrMapping/>
+  </p:clrMapOvr>
+  <p:timing>
+    <p:tnLst>
+      <p:par>
+        <p:cTn id="1" dur="indefinite" restart="never" nodeType="tmRoot">
+          <p:childTnLst>
+            <p:seq concurrent="1" nextAc="seek">
+              <p:cTn id="2" dur="indefinite" nodeType="mainSeq">
+                <p:childTnLst>
+                  <p:par>
+                    <p:cTn id="3" fill="hold">
+                      <p:stCondLst>
+                        <p:cond delay="indefinite"/>
+                      </p:stCondLst>
+                      <p:childTnLst>
+                        <p:par>
+                          <p:cTn id="4" fill="hold">
+                            <p:stCondLst>
+                              <p:cond delay="0"/>
+                            </p:stCondLst>
+                            <p:childTnLst>
+                              <p:par>
+                                <p:cTn id="5" presetID="1" presetClass="entr" presetSubtype="0" fill="hold" grpId="0" nodeType="clickEffect">
+                                  <p:stCondLst>
+                                    <p:cond delay="0"/>
+                                  </p:stCondLst>
+                                  <p:childTnLst>
+                                    <p:set>
+                                      <p:cBhvr>
+                                        <p:cTn id="6" dur="1" fill="hold">
+                                          <p:stCondLst>
+                                            <p:cond delay="0"/>
+                                          </p:stCondLst>
+                                        </p:cTn>
+                                        <p:tgtEl>
+                                          <p:spTgt spid="28"/>
+                                        </p:tgtEl>
+                                        <p:attrNameLst>
+                                          <p:attrName>style.visibility</p:attrName>
+                                        </p:attrNameLst>
+                                      </p:cBhvr>
+                                      <p:to>
+                                        <p:strVal val="visible"/>
+                                      </p:to>
+                                    </p:set>
+                                  </p:childTnLst>
+                                </p:cTn>
+                              </p:par>
+                            </p:childTnLst>
+                          </p:cTn>
+                        </p:par>
+                      </p:childTnLst>
+                    </p:cTn>
+                  </p:par>
+                </p:childTnLst>
+              </p:cTn>
+              <p:prevCondLst>
+                <p:cond evt="onPrev" delay="0">
+                  <p:tgtEl>
+                    <p:sldTgt/>
+                  </p:tgtEl>
+                </p:cond>
+              </p:prevCondLst>
+              <p:nextCondLst>
+                <p:cond evt="onNext" delay="0">
+                  <p:tgtEl>
+                    <p:sldTgt/>
+                  </p:tgtEl>
+                </p:cond>
+              </p:nextCondLst>
+            </p:seq>
+          </p:childTnLst>
+        </p:cTn>
+      </p:par>
+    </p:tnLst>
+    <p:bldLst>
+      <p:bldP spid="28" grpId="0" animBg="1"/>
+    </p:bldLst>
+  </p:timing>
+</p:sld>
+</file>
+
+<file path=ppt/slides/slide11.xml><?xml version="1.0" encoding="utf-8"?>
 <p:sld xmlns:a="http://schemas.openxmlformats.org/drawingml/2006/main" xmlns:r="http://schemas.openxmlformats.org/officeDocument/2006/relationships" xmlns:p="http://schemas.openxmlformats.org/presentationml/2006/main">
   <p:cSld>
     <p:spTree>
@@ -6317,7 +7681,7 @@
             </a:pPr>
             <a:r>
               <a:rPr lang="en-US" sz="2400" dirty="0"/>
-              <a:t>The full hash is quite long, but you can always use the first few digits</a:t>
+              <a:t>The full hash is quite long, but you can use only the first few chars</a:t>
             </a:r>
           </a:p>
         </p:txBody>
@@ -6459,7 +7823,7 @@
 </p:sld>
 </file>
 
-<file path=ppt/slides/slide11.xml><?xml version="1.0" encoding="utf-8"?>
+<file path=ppt/slides/slide12.xml><?xml version="1.0" encoding="utf-8"?>
 <p:sld xmlns:a="http://schemas.openxmlformats.org/drawingml/2006/main" xmlns:r="http://schemas.openxmlformats.org/officeDocument/2006/relationships" xmlns:p="http://schemas.openxmlformats.org/presentationml/2006/main">
   <p:cSld>
     <p:spTree>
@@ -9889,7 +11253,7 @@
 </p:sld>
 </file>
 
-<file path=ppt/slides/slide12.xml><?xml version="1.0" encoding="utf-8"?>
+<file path=ppt/slides/slide13.xml><?xml version="1.0" encoding="utf-8"?>
 <p:sld xmlns:a="http://schemas.openxmlformats.org/drawingml/2006/main" xmlns:r="http://schemas.openxmlformats.org/officeDocument/2006/relationships" xmlns:p="http://schemas.openxmlformats.org/presentationml/2006/main">
   <p:cSld>
     <p:spTree>
@@ -11006,7 +12370,7 @@
 </p:sld>
 </file>
 
-<file path=ppt/slides/slide13.xml><?xml version="1.0" encoding="utf-8"?>
+<file path=ppt/slides/slide14.xml><?xml version="1.0" encoding="utf-8"?>
 <p:sld xmlns:a="http://schemas.openxmlformats.org/drawingml/2006/main" xmlns:r="http://schemas.openxmlformats.org/officeDocument/2006/relationships" xmlns:p="http://schemas.openxmlformats.org/presentationml/2006/main">
   <p:cSld>
     <p:spTree>
@@ -13567,7 +14931,7 @@
 </p:sld>
 </file>
 
-<file path=ppt/slides/slide14.xml><?xml version="1.0" encoding="utf-8"?>
+<file path=ppt/slides/slide15.xml><?xml version="1.0" encoding="utf-8"?>
 <p:sld xmlns:a="http://schemas.openxmlformats.org/drawingml/2006/main" xmlns:r="http://schemas.openxmlformats.org/officeDocument/2006/relationships" xmlns:p="http://schemas.openxmlformats.org/presentationml/2006/main">
   <p:cSld>
     <p:spTree>
@@ -15665,7 +17029,7 @@
 </p:sld>
 </file>
 
-<file path=ppt/slides/slide15.xml><?xml version="1.0" encoding="utf-8"?>
+<file path=ppt/slides/slide16.xml><?xml version="1.0" encoding="utf-8"?>
 <p:sld xmlns:a="http://schemas.openxmlformats.org/drawingml/2006/main" xmlns:r="http://schemas.openxmlformats.org/officeDocument/2006/relationships" xmlns:p="http://schemas.openxmlformats.org/presentationml/2006/main">
   <p:cSld>
     <p:spTree>
@@ -15748,7 +17112,7 @@
 </p:sld>
 </file>
 
-<file path=ppt/slides/slide16.xml><?xml version="1.0" encoding="utf-8"?>
+<file path=ppt/slides/slide17.xml><?xml version="1.0" encoding="utf-8"?>
 <p:sld xmlns:a="http://schemas.openxmlformats.org/drawingml/2006/main" xmlns:r="http://schemas.openxmlformats.org/officeDocument/2006/relationships" xmlns:p="http://schemas.openxmlformats.org/presentationml/2006/main">
   <p:cSld>
     <p:spTree>
@@ -17782,7 +19146,7 @@
 </p:sld>
 </file>
 
-<file path=ppt/slides/slide17.xml><?xml version="1.0" encoding="utf-8"?>
+<file path=ppt/slides/slide18.xml><?xml version="1.0" encoding="utf-8"?>
 <p:sld xmlns:a="http://schemas.openxmlformats.org/drawingml/2006/main" xmlns:r="http://schemas.openxmlformats.org/officeDocument/2006/relationships" xmlns:p="http://schemas.openxmlformats.org/presentationml/2006/main">
   <p:cSld>
     <p:spTree>
@@ -21874,7 +23238,7 @@
 </p:sld>
 </file>
 
-<file path=ppt/slides/slide18.xml><?xml version="1.0" encoding="utf-8"?>
+<file path=ppt/slides/slide19.xml><?xml version="1.0" encoding="utf-8"?>
 <p:sld xmlns:a="http://schemas.openxmlformats.org/drawingml/2006/main" xmlns:r="http://schemas.openxmlformats.org/officeDocument/2006/relationships" xmlns:p="http://schemas.openxmlformats.org/presentationml/2006/main">
   <p:cSld>
     <p:spTree>
@@ -24606,7 +25970,90 @@
 </p:sld>
 </file>
 
-<file path=ppt/slides/slide19.xml><?xml version="1.0" encoding="utf-8"?>
+<file path=ppt/slides/slide2.xml><?xml version="1.0" encoding="utf-8"?>
+<p:sld xmlns:a="http://schemas.openxmlformats.org/drawingml/2006/main" xmlns:r="http://schemas.openxmlformats.org/officeDocument/2006/relationships" xmlns:p="http://schemas.openxmlformats.org/presentationml/2006/main">
+  <p:cSld>
+    <p:spTree>
+      <p:nvGrpSpPr>
+        <p:cNvPr id="1" name=""/>
+        <p:cNvGrpSpPr/>
+        <p:nvPr/>
+      </p:nvGrpSpPr>
+      <p:grpSpPr>
+        <a:xfrm>
+          <a:off x="0" y="0"/>
+          <a:ext cx="0" cy="0"/>
+          <a:chOff x="0" y="0"/>
+          <a:chExt cx="0" cy="0"/>
+        </a:xfrm>
+      </p:grpSpPr>
+      <p:sp>
+        <p:nvSpPr>
+          <p:cNvPr id="4" name="Titre 3">
+            <a:extLst>
+              <a:ext uri="{FF2B5EF4-FFF2-40B4-BE49-F238E27FC236}">
+                <a16:creationId xmlns:a16="http://schemas.microsoft.com/office/drawing/2014/main" id="{11F7F0C6-C75E-4837-A6BD-B0F992572313}"/>
+              </a:ext>
+            </a:extLst>
+          </p:cNvPr>
+          <p:cNvSpPr>
+            <a:spLocks noGrp="1"/>
+          </p:cNvSpPr>
+          <p:nvPr>
+            <p:ph type="title"/>
+          </p:nvPr>
+        </p:nvSpPr>
+        <p:spPr/>
+        <p:txBody>
+          <a:bodyPr/>
+          <a:lstStyle/>
+          <a:p>
+            <a:r>
+              <a:rPr lang="en-US" dirty="0"/>
+              <a:t>Introduction</a:t>
+            </a:r>
+          </a:p>
+        </p:txBody>
+      </p:sp>
+      <p:sp>
+        <p:nvSpPr>
+          <p:cNvPr id="5" name="Espace réservé du texte 4">
+            <a:extLst>
+              <a:ext uri="{FF2B5EF4-FFF2-40B4-BE49-F238E27FC236}">
+                <a16:creationId xmlns:a16="http://schemas.microsoft.com/office/drawing/2014/main" id="{DAAF1300-B78E-48F6-AA1D-8C13A611B523}"/>
+              </a:ext>
+            </a:extLst>
+          </p:cNvPr>
+          <p:cNvSpPr>
+            <a:spLocks noGrp="1"/>
+          </p:cNvSpPr>
+          <p:nvPr>
+            <p:ph type="body" idx="1"/>
+          </p:nvPr>
+        </p:nvSpPr>
+        <p:spPr/>
+        <p:txBody>
+          <a:bodyPr/>
+          <a:lstStyle/>
+          <a:p>
+            <a:endParaRPr lang="en-US"/>
+          </a:p>
+        </p:txBody>
+      </p:sp>
+    </p:spTree>
+    <p:extLst>
+      <p:ext uri="{BB962C8B-B14F-4D97-AF65-F5344CB8AC3E}">
+        <p14:creationId xmlns:p14="http://schemas.microsoft.com/office/powerpoint/2010/main" val="3021674952"/>
+      </p:ext>
+    </p:extLst>
+  </p:cSld>
+  <p:clrMapOvr>
+    <a:masterClrMapping/>
+  </p:clrMapOvr>
+</p:sld>
+</file>
+
+<file path=ppt/slides/slide20.xml><?xml version="1.0" encoding="utf-8"?>
 <p:sld xmlns:a="http://schemas.openxmlformats.org/drawingml/2006/main" xmlns:r="http://schemas.openxmlformats.org/officeDocument/2006/relationships" xmlns:p="http://schemas.openxmlformats.org/presentationml/2006/main">
   <p:cSld>
     <p:spTree>
@@ -27543,90 +28990,7 @@
 </p:sld>
 </file>
 
-<file path=ppt/slides/slide2.xml><?xml version="1.0" encoding="utf-8"?>
-<p:sld xmlns:a="http://schemas.openxmlformats.org/drawingml/2006/main" xmlns:r="http://schemas.openxmlformats.org/officeDocument/2006/relationships" xmlns:p="http://schemas.openxmlformats.org/presentationml/2006/main">
-  <p:cSld>
-    <p:spTree>
-      <p:nvGrpSpPr>
-        <p:cNvPr id="1" name=""/>
-        <p:cNvGrpSpPr/>
-        <p:nvPr/>
-      </p:nvGrpSpPr>
-      <p:grpSpPr>
-        <a:xfrm>
-          <a:off x="0" y="0"/>
-          <a:ext cx="0" cy="0"/>
-          <a:chOff x="0" y="0"/>
-          <a:chExt cx="0" cy="0"/>
-        </a:xfrm>
-      </p:grpSpPr>
-      <p:sp>
-        <p:nvSpPr>
-          <p:cNvPr id="4" name="Titre 3">
-            <a:extLst>
-              <a:ext uri="{FF2B5EF4-FFF2-40B4-BE49-F238E27FC236}">
-                <a16:creationId xmlns:a16="http://schemas.microsoft.com/office/drawing/2014/main" id="{11F7F0C6-C75E-4837-A6BD-B0F992572313}"/>
-              </a:ext>
-            </a:extLst>
-          </p:cNvPr>
-          <p:cNvSpPr>
-            <a:spLocks noGrp="1"/>
-          </p:cNvSpPr>
-          <p:nvPr>
-            <p:ph type="title"/>
-          </p:nvPr>
-        </p:nvSpPr>
-        <p:spPr/>
-        <p:txBody>
-          <a:bodyPr/>
-          <a:lstStyle/>
-          <a:p>
-            <a:r>
-              <a:rPr lang="en-US" dirty="0"/>
-              <a:t>Introduction</a:t>
-            </a:r>
-          </a:p>
-        </p:txBody>
-      </p:sp>
-      <p:sp>
-        <p:nvSpPr>
-          <p:cNvPr id="5" name="Espace réservé du texte 4">
-            <a:extLst>
-              <a:ext uri="{FF2B5EF4-FFF2-40B4-BE49-F238E27FC236}">
-                <a16:creationId xmlns:a16="http://schemas.microsoft.com/office/drawing/2014/main" id="{DAAF1300-B78E-48F6-AA1D-8C13A611B523}"/>
-              </a:ext>
-            </a:extLst>
-          </p:cNvPr>
-          <p:cNvSpPr>
-            <a:spLocks noGrp="1"/>
-          </p:cNvSpPr>
-          <p:nvPr>
-            <p:ph type="body" idx="1"/>
-          </p:nvPr>
-        </p:nvSpPr>
-        <p:spPr/>
-        <p:txBody>
-          <a:bodyPr/>
-          <a:lstStyle/>
-          <a:p>
-            <a:endParaRPr lang="en-US"/>
-          </a:p>
-        </p:txBody>
-      </p:sp>
-    </p:spTree>
-    <p:extLst>
-      <p:ext uri="{BB962C8B-B14F-4D97-AF65-F5344CB8AC3E}">
-        <p14:creationId xmlns:p14="http://schemas.microsoft.com/office/powerpoint/2010/main" val="3021674952"/>
-      </p:ext>
-    </p:extLst>
-  </p:cSld>
-  <p:clrMapOvr>
-    <a:masterClrMapping/>
-  </p:clrMapOvr>
-</p:sld>
-</file>
-
-<file path=ppt/slides/slide20.xml><?xml version="1.0" encoding="utf-8"?>
+<file path=ppt/slides/slide21.xml><?xml version="1.0" encoding="utf-8"?>
 <p:sld xmlns:a="http://schemas.openxmlformats.org/drawingml/2006/main" xmlns:r="http://schemas.openxmlformats.org/officeDocument/2006/relationships" xmlns:p="http://schemas.openxmlformats.org/presentationml/2006/main">
   <p:cSld>
     <p:spTree>
@@ -31426,7 +32790,7 @@
 </p:sld>
 </file>
 
-<file path=ppt/slides/slide21.xml><?xml version="1.0" encoding="utf-8"?>
+<file path=ppt/slides/slide22.xml><?xml version="1.0" encoding="utf-8"?>
 <p:sld xmlns:a="http://schemas.openxmlformats.org/drawingml/2006/main" xmlns:r="http://schemas.openxmlformats.org/officeDocument/2006/relationships" xmlns:p="http://schemas.openxmlformats.org/presentationml/2006/main">
   <p:cSld>
     <p:spTree>
@@ -34297,7 +35661,7 @@
 </p:sld>
 </file>
 
-<file path=ppt/slides/slide22.xml><?xml version="1.0" encoding="utf-8"?>
+<file path=ppt/slides/slide23.xml><?xml version="1.0" encoding="utf-8"?>
 <p:sld xmlns:a="http://schemas.openxmlformats.org/drawingml/2006/main" xmlns:r="http://schemas.openxmlformats.org/officeDocument/2006/relationships" xmlns:p="http://schemas.openxmlformats.org/presentationml/2006/main">
   <p:cSld>
     <p:spTree>
@@ -34999,7 +36363,7 @@
 </p:sld>
 </file>
 
-<file path=ppt/slides/slide23.xml><?xml version="1.0" encoding="utf-8"?>
+<file path=ppt/slides/slide24.xml><?xml version="1.0" encoding="utf-8"?>
 <p:sld xmlns:a="http://schemas.openxmlformats.org/drawingml/2006/main" xmlns:r="http://schemas.openxmlformats.org/officeDocument/2006/relationships" xmlns:p="http://schemas.openxmlformats.org/presentationml/2006/main">
   <p:cSld>
     <p:spTree>
@@ -36073,7 +37437,7 @@
 </p:sld>
 </file>
 
-<file path=ppt/slides/slide24.xml><?xml version="1.0" encoding="utf-8"?>
+<file path=ppt/slides/slide25.xml><?xml version="1.0" encoding="utf-8"?>
 <p:sld xmlns:a="http://schemas.openxmlformats.org/drawingml/2006/main" xmlns:r="http://schemas.openxmlformats.org/officeDocument/2006/relationships" xmlns:p="http://schemas.openxmlformats.org/presentationml/2006/main">
   <p:cSld>
     <p:spTree>
@@ -36156,7 +37520,7 @@
 </p:sld>
 </file>
 
-<file path=ppt/slides/slide25.xml><?xml version="1.0" encoding="utf-8"?>
+<file path=ppt/slides/slide26.xml><?xml version="1.0" encoding="utf-8"?>
 <p:sld xmlns:a="http://schemas.openxmlformats.org/drawingml/2006/main" xmlns:r="http://schemas.openxmlformats.org/officeDocument/2006/relationships" xmlns:p="http://schemas.openxmlformats.org/presentationml/2006/main">
   <p:cSld>
     <p:spTree>
@@ -36654,7 +38018,7 @@
 </p:sld>
 </file>
 
-<file path=ppt/slides/slide26.xml><?xml version="1.0" encoding="utf-8"?>
+<file path=ppt/slides/slide27.xml><?xml version="1.0" encoding="utf-8"?>
 <p:sld xmlns:a="http://schemas.openxmlformats.org/drawingml/2006/main" xmlns:r="http://schemas.openxmlformats.org/officeDocument/2006/relationships" xmlns:p="http://schemas.openxmlformats.org/presentationml/2006/main">
   <p:cSld>
     <p:spTree>
@@ -36976,55 +38340,11 @@
                   <a:srgbClr val="7030A0"/>
                 </a:solidFill>
               </a:rPr>
-              <a:t>Cool repo</a:t>
+              <a:t>Public repo</a:t>
             </a:r>
           </a:p>
         </p:txBody>
       </p:sp>
-      <p:cxnSp>
-        <p:nvCxnSpPr>
-          <p:cNvPr id="34" name="Connecteur droit avec flèche 33">
-            <a:extLst>
-              <a:ext uri="{FF2B5EF4-FFF2-40B4-BE49-F238E27FC236}">
-                <a16:creationId xmlns:a16="http://schemas.microsoft.com/office/drawing/2014/main" id="{51963789-0783-4C7C-AE85-B1650603FDB0}"/>
-              </a:ext>
-            </a:extLst>
-          </p:cNvPr>
-          <p:cNvCxnSpPr>
-            <a:cxnSpLocks/>
-          </p:cNvCxnSpPr>
-          <p:nvPr/>
-        </p:nvCxnSpPr>
-        <p:spPr>
-          <a:xfrm flipH="1">
-            <a:off x="4537155" y="2810490"/>
-            <a:ext cx="3117689" cy="0"/>
-          </a:xfrm>
-          <a:prstGeom prst="straightConnector1">
-            <a:avLst/>
-          </a:prstGeom>
-          <a:ln w="57150">
-            <a:solidFill>
-              <a:srgbClr val="7030A0"/>
-            </a:solidFill>
-            <a:tailEnd type="triangle"/>
-          </a:ln>
-        </p:spPr>
-        <p:style>
-          <a:lnRef idx="1">
-            <a:schemeClr val="accent1"/>
-          </a:lnRef>
-          <a:fillRef idx="0">
-            <a:schemeClr val="accent1"/>
-          </a:fillRef>
-          <a:effectRef idx="0">
-            <a:schemeClr val="accent1"/>
-          </a:effectRef>
-          <a:fontRef idx="minor">
-            <a:schemeClr val="tx1"/>
-          </a:fontRef>
-        </p:style>
-      </p:cxnSp>
       <p:grpSp>
         <p:nvGrpSpPr>
           <p:cNvPr id="49" name="Groupe 48">
@@ -37322,10 +38642,10 @@
       </p:grpSp>
       <p:grpSp>
         <p:nvGrpSpPr>
-          <p:cNvPr id="50" name="Groupe 49">
+          <p:cNvPr id="9" name="Groupe 8">
             <a:extLst>
               <a:ext uri="{FF2B5EF4-FFF2-40B4-BE49-F238E27FC236}">
-                <a16:creationId xmlns:a16="http://schemas.microsoft.com/office/drawing/2014/main" id="{4153C203-1A26-4676-9F72-7E9A66C6E44E}"/>
+                <a16:creationId xmlns:a16="http://schemas.microsoft.com/office/drawing/2014/main" id="{70DE9D07-02EA-2C0C-6D4C-464C4D750CC1}"/>
               </a:ext>
             </a:extLst>
           </p:cNvPr>
@@ -37334,10 +38654,10 @@
         </p:nvGrpSpPr>
         <p:grpSpPr>
           <a:xfrm>
-            <a:off x="4537155" y="2067664"/>
-            <a:ext cx="6263609" cy="3279036"/>
-            <a:chOff x="4537155" y="2067664"/>
-            <a:chExt cx="6263609" cy="3279036"/>
+            <a:off x="8161802" y="3127990"/>
+            <a:ext cx="2442188" cy="2218710"/>
+            <a:chOff x="8161802" y="3127990"/>
+            <a:chExt cx="2442188" cy="2218710"/>
           </a:xfrm>
         </p:grpSpPr>
         <p:cxnSp>
@@ -37356,8 +38676,8 @@
           </p:nvCxnSpPr>
           <p:spPr>
             <a:xfrm flipV="1">
-              <a:off x="8161802" y="3634085"/>
-              <a:ext cx="0" cy="1712615"/>
+              <a:off x="8161802" y="3127990"/>
+              <a:ext cx="0" cy="2218710"/>
             </a:xfrm>
             <a:prstGeom prst="straightConnector1">
               <a:avLst/>
@@ -37384,45 +38704,6 @@
             </a:fontRef>
           </p:style>
         </p:cxnSp>
-        <p:pic>
-          <p:nvPicPr>
-            <p:cNvPr id="19" name="Graphique 18" descr="Ordinateur avec un remplissage uni">
-              <a:extLst>
-                <a:ext uri="{FF2B5EF4-FFF2-40B4-BE49-F238E27FC236}">
-                  <a16:creationId xmlns:a16="http://schemas.microsoft.com/office/drawing/2014/main" id="{B5802F7C-CECB-4C14-8632-7726CB99C23A}"/>
-                </a:ext>
-              </a:extLst>
-            </p:cNvPr>
-            <p:cNvPicPr>
-              <a:picLocks noChangeAspect="1"/>
-            </p:cNvPicPr>
-            <p:nvPr/>
-          </p:nvPicPr>
-          <p:blipFill>
-            <a:blip r:embed="rId6">
-              <a:extLst>
-                <a:ext uri="{28A0092B-C50C-407E-A947-70E740481C1C}">
-                  <a14:useLocalDpi xmlns:a14="http://schemas.microsoft.com/office/drawing/2010/main" val="0"/>
-                </a:ext>
-                <a:ext uri="{96DAC541-7B7A-43D3-8B79-37D633B846F1}">
-                  <asvg:svgBlip xmlns:asvg="http://schemas.microsoft.com/office/drawing/2016/SVG/main" r:embed="rId7"/>
-                </a:ext>
-              </a:extLst>
-            </a:blip>
-            <a:stretch>
-              <a:fillRect/>
-            </a:stretch>
-          </p:blipFill>
-          <p:spPr>
-            <a:xfrm>
-              <a:off x="7869702" y="2213590"/>
-              <a:ext cx="914400" cy="914400"/>
-            </a:xfrm>
-            <a:prstGeom prst="rect">
-              <a:avLst/>
-            </a:prstGeom>
-          </p:spPr>
-        </p:pic>
         <p:cxnSp>
           <p:nvCxnSpPr>
             <p:cNvPr id="25" name="Connecteur droit avec flèche 24">
@@ -37439,8 +38720,8 @@
           </p:nvCxnSpPr>
           <p:spPr>
             <a:xfrm>
-              <a:off x="8415802" y="3634085"/>
-              <a:ext cx="0" cy="1712615"/>
+              <a:off x="8415802" y="3127990"/>
+              <a:ext cx="0" cy="2218710"/>
             </a:xfrm>
             <a:prstGeom prst="straightConnector1">
               <a:avLst/>
@@ -37448,258 +38729,6 @@
             <a:ln w="57150">
               <a:solidFill>
                 <a:schemeClr val="accent1"/>
-              </a:solidFill>
-              <a:tailEnd type="triangle"/>
-            </a:ln>
-          </p:spPr>
-          <p:style>
-            <a:lnRef idx="1">
-              <a:schemeClr val="accent1"/>
-            </a:lnRef>
-            <a:fillRef idx="0">
-              <a:schemeClr val="accent1"/>
-            </a:fillRef>
-            <a:effectRef idx="0">
-              <a:schemeClr val="accent1"/>
-            </a:effectRef>
-            <a:fontRef idx="minor">
-              <a:schemeClr val="tx1"/>
-            </a:fontRef>
-          </p:style>
-        </p:cxnSp>
-        <p:sp>
-          <p:nvSpPr>
-            <p:cNvPr id="29" name="Espace réservé du contenu 3">
-              <a:extLst>
-                <a:ext uri="{FF2B5EF4-FFF2-40B4-BE49-F238E27FC236}">
-                  <a16:creationId xmlns:a16="http://schemas.microsoft.com/office/drawing/2014/main" id="{CF40036B-969F-4EB4-AD47-91C6F4FA5F6B}"/>
-                </a:ext>
-              </a:extLst>
-            </p:cNvPr>
-            <p:cNvSpPr txBox="1">
-              <a:spLocks/>
-            </p:cNvSpPr>
-            <p:nvPr/>
-          </p:nvSpPr>
-          <p:spPr>
-            <a:xfrm>
-              <a:off x="6410046" y="3102570"/>
-              <a:ext cx="3503511" cy="506095"/>
-            </a:xfrm>
-            <a:prstGeom prst="rect">
-              <a:avLst/>
-            </a:prstGeom>
-          </p:spPr>
-          <p:txBody>
-            <a:bodyPr lIns="0" tIns="0" rIns="0" bIns="0"/>
-            <a:lstStyle>
-              <a:lvl1pPr marL="228600" indent="-228600" algn="l" defTabSz="914400" rtl="0" eaLnBrk="1" latinLnBrk="0" hangingPunct="1">
-                <a:lnSpc>
-                  <a:spcPct val="90000"/>
-                </a:lnSpc>
-                <a:spcBef>
-                  <a:spcPts val="1000"/>
-                </a:spcBef>
-                <a:buFont typeface="Arial" panose="020B0604020202020204" pitchFamily="34" charset="0"/>
-                <a:buChar char="•"/>
-                <a:defRPr sz="2800" kern="1200">
-                  <a:solidFill>
-                    <a:schemeClr val="tx1"/>
-                  </a:solidFill>
-                  <a:latin typeface="Palatino Linotype" panose="02040502050505030304" pitchFamily="18" charset="0"/>
-                  <a:ea typeface="+mn-ea"/>
-                  <a:cs typeface="+mn-cs"/>
-                </a:defRPr>
-              </a:lvl1pPr>
-              <a:lvl2pPr marL="685800" indent="-228600" algn="l" defTabSz="914400" rtl="0" eaLnBrk="1" latinLnBrk="0" hangingPunct="1">
-                <a:lnSpc>
-                  <a:spcPct val="90000"/>
-                </a:lnSpc>
-                <a:spcBef>
-                  <a:spcPts val="500"/>
-                </a:spcBef>
-                <a:buFont typeface="Arial" panose="020B0604020202020204" pitchFamily="34" charset="0"/>
-                <a:buChar char="•"/>
-                <a:defRPr sz="2400" kern="1200">
-                  <a:solidFill>
-                    <a:schemeClr val="tx1"/>
-                  </a:solidFill>
-                  <a:latin typeface="Palatino Linotype" panose="02040502050505030304" pitchFamily="18" charset="0"/>
-                  <a:ea typeface="+mn-ea"/>
-                  <a:cs typeface="+mn-cs"/>
-                </a:defRPr>
-              </a:lvl2pPr>
-              <a:lvl3pPr marL="1143000" indent="-228600" algn="l" defTabSz="914400" rtl="0" eaLnBrk="1" latinLnBrk="0" hangingPunct="1">
-                <a:lnSpc>
-                  <a:spcPct val="90000"/>
-                </a:lnSpc>
-                <a:spcBef>
-                  <a:spcPts val="500"/>
-                </a:spcBef>
-                <a:buFont typeface="Arial" panose="020B0604020202020204" pitchFamily="34" charset="0"/>
-                <a:buChar char="•"/>
-                <a:defRPr sz="2000" kern="1200">
-                  <a:solidFill>
-                    <a:schemeClr val="tx1"/>
-                  </a:solidFill>
-                  <a:latin typeface="Palatino Linotype" panose="02040502050505030304" pitchFamily="18" charset="0"/>
-                  <a:ea typeface="+mn-ea"/>
-                  <a:cs typeface="+mn-cs"/>
-                </a:defRPr>
-              </a:lvl3pPr>
-              <a:lvl4pPr marL="1600200" indent="-228600" algn="l" defTabSz="914400" rtl="0" eaLnBrk="1" latinLnBrk="0" hangingPunct="1">
-                <a:lnSpc>
-                  <a:spcPct val="90000"/>
-                </a:lnSpc>
-                <a:spcBef>
-                  <a:spcPts val="500"/>
-                </a:spcBef>
-                <a:buFont typeface="Arial" panose="020B0604020202020204" pitchFamily="34" charset="0"/>
-                <a:buChar char="•"/>
-                <a:defRPr sz="1800" kern="1200">
-                  <a:solidFill>
-                    <a:schemeClr val="tx1"/>
-                  </a:solidFill>
-                  <a:latin typeface="Palatino Linotype" panose="02040502050505030304" pitchFamily="18" charset="0"/>
-                  <a:ea typeface="+mn-ea"/>
-                  <a:cs typeface="+mn-cs"/>
-                </a:defRPr>
-              </a:lvl4pPr>
-              <a:lvl5pPr marL="2057400" indent="-228600" algn="l" defTabSz="914400" rtl="0" eaLnBrk="1" latinLnBrk="0" hangingPunct="1">
-                <a:lnSpc>
-                  <a:spcPct val="90000"/>
-                </a:lnSpc>
-                <a:spcBef>
-                  <a:spcPts val="500"/>
-                </a:spcBef>
-                <a:buFont typeface="Arial" panose="020B0604020202020204" pitchFamily="34" charset="0"/>
-                <a:buChar char="•"/>
-                <a:defRPr sz="1800" kern="1200">
-                  <a:solidFill>
-                    <a:schemeClr val="tx1"/>
-                  </a:solidFill>
-                  <a:latin typeface="Palatino Linotype" panose="02040502050505030304" pitchFamily="18" charset="0"/>
-                  <a:ea typeface="+mn-ea"/>
-                  <a:cs typeface="+mn-cs"/>
-                </a:defRPr>
-              </a:lvl5pPr>
-              <a:lvl6pPr marL="2514600" indent="-228600" algn="l" defTabSz="914400" rtl="0" eaLnBrk="1" latinLnBrk="0" hangingPunct="1">
-                <a:lnSpc>
-                  <a:spcPct val="90000"/>
-                </a:lnSpc>
-                <a:spcBef>
-                  <a:spcPts val="500"/>
-                </a:spcBef>
-                <a:buFont typeface="Arial" panose="020B0604020202020204" pitchFamily="34" charset="0"/>
-                <a:buChar char="•"/>
-                <a:defRPr sz="1800" kern="1200">
-                  <a:solidFill>
-                    <a:schemeClr val="tx1"/>
-                  </a:solidFill>
-                  <a:latin typeface="+mn-lt"/>
-                  <a:ea typeface="+mn-ea"/>
-                  <a:cs typeface="+mn-cs"/>
-                </a:defRPr>
-              </a:lvl6pPr>
-              <a:lvl7pPr marL="2971800" indent="-228600" algn="l" defTabSz="914400" rtl="0" eaLnBrk="1" latinLnBrk="0" hangingPunct="1">
-                <a:lnSpc>
-                  <a:spcPct val="90000"/>
-                </a:lnSpc>
-                <a:spcBef>
-                  <a:spcPts val="500"/>
-                </a:spcBef>
-                <a:buFont typeface="Arial" panose="020B0604020202020204" pitchFamily="34" charset="0"/>
-                <a:buChar char="•"/>
-                <a:defRPr sz="1800" kern="1200">
-                  <a:solidFill>
-                    <a:schemeClr val="tx1"/>
-                  </a:solidFill>
-                  <a:latin typeface="+mn-lt"/>
-                  <a:ea typeface="+mn-ea"/>
-                  <a:cs typeface="+mn-cs"/>
-                </a:defRPr>
-              </a:lvl7pPr>
-              <a:lvl8pPr marL="3429000" indent="-228600" algn="l" defTabSz="914400" rtl="0" eaLnBrk="1" latinLnBrk="0" hangingPunct="1">
-                <a:lnSpc>
-                  <a:spcPct val="90000"/>
-                </a:lnSpc>
-                <a:spcBef>
-                  <a:spcPts val="500"/>
-                </a:spcBef>
-                <a:buFont typeface="Arial" panose="020B0604020202020204" pitchFamily="34" charset="0"/>
-                <a:buChar char="•"/>
-                <a:defRPr sz="1800" kern="1200">
-                  <a:solidFill>
-                    <a:schemeClr val="tx1"/>
-                  </a:solidFill>
-                  <a:latin typeface="+mn-lt"/>
-                  <a:ea typeface="+mn-ea"/>
-                  <a:cs typeface="+mn-cs"/>
-                </a:defRPr>
-              </a:lvl8pPr>
-              <a:lvl9pPr marL="3886200" indent="-228600" algn="l" defTabSz="914400" rtl="0" eaLnBrk="1" latinLnBrk="0" hangingPunct="1">
-                <a:lnSpc>
-                  <a:spcPct val="90000"/>
-                </a:lnSpc>
-                <a:spcBef>
-                  <a:spcPts val="500"/>
-                </a:spcBef>
-                <a:buFont typeface="Arial" panose="020B0604020202020204" pitchFamily="34" charset="0"/>
-                <a:buChar char="•"/>
-                <a:defRPr sz="1800" kern="1200">
-                  <a:solidFill>
-                    <a:schemeClr val="tx1"/>
-                  </a:solidFill>
-                  <a:latin typeface="+mn-lt"/>
-                  <a:ea typeface="+mn-ea"/>
-                  <a:cs typeface="+mn-cs"/>
-                </a:defRPr>
-              </a:lvl9pPr>
-            </a:lstStyle>
-            <a:p>
-              <a:pPr marL="0" indent="0" algn="ctr">
-                <a:buNone/>
-              </a:pPr>
-              <a:r>
-                <a:rPr lang="en-US" dirty="0">
-                  <a:solidFill>
-                    <a:schemeClr val="accent6">
-                      <a:lumMod val="50000"/>
-                    </a:schemeClr>
-                  </a:solidFill>
-                </a:rPr>
-                <a:t>Remote copy - fork</a:t>
-              </a:r>
-            </a:p>
-          </p:txBody>
-        </p:sp>
-        <p:cxnSp>
-          <p:nvCxnSpPr>
-            <p:cNvPr id="30" name="Connecteur droit avec flèche 29">
-              <a:extLst>
-                <a:ext uri="{FF2B5EF4-FFF2-40B4-BE49-F238E27FC236}">
-                  <a16:creationId xmlns:a16="http://schemas.microsoft.com/office/drawing/2014/main" id="{A77F416B-B44F-4880-BBCB-D6B1913B2520}"/>
-                </a:ext>
-              </a:extLst>
-            </p:cNvPr>
-            <p:cNvCxnSpPr>
-              <a:cxnSpLocks/>
-            </p:cNvCxnSpPr>
-            <p:nvPr/>
-          </p:nvCxnSpPr>
-          <p:spPr>
-            <a:xfrm>
-              <a:off x="4537155" y="2569190"/>
-              <a:ext cx="3117689" cy="0"/>
-            </a:xfrm>
-            <a:prstGeom prst="straightConnector1">
-              <a:avLst/>
-            </a:prstGeom>
-            <a:ln w="57150">
-              <a:solidFill>
-                <a:schemeClr val="accent6">
-                  <a:lumMod val="75000"/>
-                </a:schemeClr>
               </a:solidFill>
               <a:tailEnd type="triangle"/>
             </a:ln>
@@ -37735,7 +38764,7 @@
           </p:nvSpPr>
           <p:spPr>
             <a:xfrm>
-              <a:off x="8741460" y="4018353"/>
+              <a:off x="8544686" y="4225866"/>
               <a:ext cx="2059304" cy="944077"/>
             </a:xfrm>
             <a:prstGeom prst="rect">
@@ -37948,6 +38977,376 @@
             </a:p>
           </p:txBody>
         </p:sp>
+      </p:grpSp>
+      <p:grpSp>
+        <p:nvGrpSpPr>
+          <p:cNvPr id="8" name="Groupe 7">
+            <a:extLst>
+              <a:ext uri="{FF2B5EF4-FFF2-40B4-BE49-F238E27FC236}">
+                <a16:creationId xmlns:a16="http://schemas.microsoft.com/office/drawing/2014/main" id="{CD17930C-80BB-2E7B-0BCE-0935F777D4BC}"/>
+              </a:ext>
+            </a:extLst>
+          </p:cNvPr>
+          <p:cNvGrpSpPr/>
+          <p:nvPr/>
+        </p:nvGrpSpPr>
+        <p:grpSpPr>
+          <a:xfrm>
+            <a:off x="4537155" y="2124794"/>
+            <a:ext cx="7587909" cy="1503555"/>
+            <a:chOff x="4537155" y="2124794"/>
+            <a:chExt cx="7587909" cy="1503555"/>
+          </a:xfrm>
+        </p:grpSpPr>
+        <p:pic>
+          <p:nvPicPr>
+            <p:cNvPr id="19" name="Graphique 18" descr="Ordinateur avec un remplissage uni">
+              <a:extLst>
+                <a:ext uri="{FF2B5EF4-FFF2-40B4-BE49-F238E27FC236}">
+                  <a16:creationId xmlns:a16="http://schemas.microsoft.com/office/drawing/2014/main" id="{B5802F7C-CECB-4C14-8632-7726CB99C23A}"/>
+                </a:ext>
+              </a:extLst>
+            </p:cNvPr>
+            <p:cNvPicPr>
+              <a:picLocks noChangeAspect="1"/>
+            </p:cNvPicPr>
+            <p:nvPr/>
+          </p:nvPicPr>
+          <p:blipFill>
+            <a:blip r:embed="rId6">
+              <a:extLst>
+                <a:ext uri="{28A0092B-C50C-407E-A947-70E740481C1C}">
+                  <a14:useLocalDpi xmlns:a14="http://schemas.microsoft.com/office/drawing/2010/main" val="0"/>
+                </a:ext>
+                <a:ext uri="{96DAC541-7B7A-43D3-8B79-37D633B846F1}">
+                  <asvg:svgBlip xmlns:asvg="http://schemas.microsoft.com/office/drawing/2016/SVG/main" r:embed="rId7"/>
+                </a:ext>
+              </a:extLst>
+            </a:blip>
+            <a:stretch>
+              <a:fillRect/>
+            </a:stretch>
+          </p:blipFill>
+          <p:spPr>
+            <a:xfrm>
+              <a:off x="7869702" y="2213590"/>
+              <a:ext cx="914400" cy="914400"/>
+            </a:xfrm>
+            <a:prstGeom prst="rect">
+              <a:avLst/>
+            </a:prstGeom>
+          </p:spPr>
+        </p:pic>
+        <p:sp>
+          <p:nvSpPr>
+            <p:cNvPr id="29" name="Espace réservé du contenu 3">
+              <a:extLst>
+                <a:ext uri="{FF2B5EF4-FFF2-40B4-BE49-F238E27FC236}">
+                  <a16:creationId xmlns:a16="http://schemas.microsoft.com/office/drawing/2014/main" id="{CF40036B-969F-4EB4-AD47-91C6F4FA5F6B}"/>
+                </a:ext>
+              </a:extLst>
+            </p:cNvPr>
+            <p:cNvSpPr txBox="1">
+              <a:spLocks/>
+            </p:cNvSpPr>
+            <p:nvPr/>
+          </p:nvSpPr>
+          <p:spPr>
+            <a:xfrm>
+              <a:off x="9062019" y="2302787"/>
+              <a:ext cx="3063045" cy="1325562"/>
+            </a:xfrm>
+            <a:prstGeom prst="rect">
+              <a:avLst/>
+            </a:prstGeom>
+          </p:spPr>
+          <p:txBody>
+            <a:bodyPr lIns="0" tIns="0" rIns="0" bIns="0"/>
+            <a:lstStyle>
+              <a:lvl1pPr marL="228600" indent="-228600" algn="l" defTabSz="914400" rtl="0" eaLnBrk="1" latinLnBrk="0" hangingPunct="1">
+                <a:lnSpc>
+                  <a:spcPct val="90000"/>
+                </a:lnSpc>
+                <a:spcBef>
+                  <a:spcPts val="1000"/>
+                </a:spcBef>
+                <a:buFont typeface="Arial" panose="020B0604020202020204" pitchFamily="34" charset="0"/>
+                <a:buChar char="•"/>
+                <a:defRPr sz="2800" kern="1200">
+                  <a:solidFill>
+                    <a:schemeClr val="tx1"/>
+                  </a:solidFill>
+                  <a:latin typeface="Palatino Linotype" panose="02040502050505030304" pitchFamily="18" charset="0"/>
+                  <a:ea typeface="+mn-ea"/>
+                  <a:cs typeface="+mn-cs"/>
+                </a:defRPr>
+              </a:lvl1pPr>
+              <a:lvl2pPr marL="685800" indent="-228600" algn="l" defTabSz="914400" rtl="0" eaLnBrk="1" latinLnBrk="0" hangingPunct="1">
+                <a:lnSpc>
+                  <a:spcPct val="90000"/>
+                </a:lnSpc>
+                <a:spcBef>
+                  <a:spcPts val="500"/>
+                </a:spcBef>
+                <a:buFont typeface="Arial" panose="020B0604020202020204" pitchFamily="34" charset="0"/>
+                <a:buChar char="•"/>
+                <a:defRPr sz="2400" kern="1200">
+                  <a:solidFill>
+                    <a:schemeClr val="tx1"/>
+                  </a:solidFill>
+                  <a:latin typeface="Palatino Linotype" panose="02040502050505030304" pitchFamily="18" charset="0"/>
+                  <a:ea typeface="+mn-ea"/>
+                  <a:cs typeface="+mn-cs"/>
+                </a:defRPr>
+              </a:lvl2pPr>
+              <a:lvl3pPr marL="1143000" indent="-228600" algn="l" defTabSz="914400" rtl="0" eaLnBrk="1" latinLnBrk="0" hangingPunct="1">
+                <a:lnSpc>
+                  <a:spcPct val="90000"/>
+                </a:lnSpc>
+                <a:spcBef>
+                  <a:spcPts val="500"/>
+                </a:spcBef>
+                <a:buFont typeface="Arial" panose="020B0604020202020204" pitchFamily="34" charset="0"/>
+                <a:buChar char="•"/>
+                <a:defRPr sz="2000" kern="1200">
+                  <a:solidFill>
+                    <a:schemeClr val="tx1"/>
+                  </a:solidFill>
+                  <a:latin typeface="Palatino Linotype" panose="02040502050505030304" pitchFamily="18" charset="0"/>
+                  <a:ea typeface="+mn-ea"/>
+                  <a:cs typeface="+mn-cs"/>
+                </a:defRPr>
+              </a:lvl3pPr>
+              <a:lvl4pPr marL="1600200" indent="-228600" algn="l" defTabSz="914400" rtl="0" eaLnBrk="1" latinLnBrk="0" hangingPunct="1">
+                <a:lnSpc>
+                  <a:spcPct val="90000"/>
+                </a:lnSpc>
+                <a:spcBef>
+                  <a:spcPts val="500"/>
+                </a:spcBef>
+                <a:buFont typeface="Arial" panose="020B0604020202020204" pitchFamily="34" charset="0"/>
+                <a:buChar char="•"/>
+                <a:defRPr sz="1800" kern="1200">
+                  <a:solidFill>
+                    <a:schemeClr val="tx1"/>
+                  </a:solidFill>
+                  <a:latin typeface="Palatino Linotype" panose="02040502050505030304" pitchFamily="18" charset="0"/>
+                  <a:ea typeface="+mn-ea"/>
+                  <a:cs typeface="+mn-cs"/>
+                </a:defRPr>
+              </a:lvl4pPr>
+              <a:lvl5pPr marL="2057400" indent="-228600" algn="l" defTabSz="914400" rtl="0" eaLnBrk="1" latinLnBrk="0" hangingPunct="1">
+                <a:lnSpc>
+                  <a:spcPct val="90000"/>
+                </a:lnSpc>
+                <a:spcBef>
+                  <a:spcPts val="500"/>
+                </a:spcBef>
+                <a:buFont typeface="Arial" panose="020B0604020202020204" pitchFamily="34" charset="0"/>
+                <a:buChar char="•"/>
+                <a:defRPr sz="1800" kern="1200">
+                  <a:solidFill>
+                    <a:schemeClr val="tx1"/>
+                  </a:solidFill>
+                  <a:latin typeface="Palatino Linotype" panose="02040502050505030304" pitchFamily="18" charset="0"/>
+                  <a:ea typeface="+mn-ea"/>
+                  <a:cs typeface="+mn-cs"/>
+                </a:defRPr>
+              </a:lvl5pPr>
+              <a:lvl6pPr marL="2514600" indent="-228600" algn="l" defTabSz="914400" rtl="0" eaLnBrk="1" latinLnBrk="0" hangingPunct="1">
+                <a:lnSpc>
+                  <a:spcPct val="90000"/>
+                </a:lnSpc>
+                <a:spcBef>
+                  <a:spcPts val="500"/>
+                </a:spcBef>
+                <a:buFont typeface="Arial" panose="020B0604020202020204" pitchFamily="34" charset="0"/>
+                <a:buChar char="•"/>
+                <a:defRPr sz="1800" kern="1200">
+                  <a:solidFill>
+                    <a:schemeClr val="tx1"/>
+                  </a:solidFill>
+                  <a:latin typeface="+mn-lt"/>
+                  <a:ea typeface="+mn-ea"/>
+                  <a:cs typeface="+mn-cs"/>
+                </a:defRPr>
+              </a:lvl6pPr>
+              <a:lvl7pPr marL="2971800" indent="-228600" algn="l" defTabSz="914400" rtl="0" eaLnBrk="1" latinLnBrk="0" hangingPunct="1">
+                <a:lnSpc>
+                  <a:spcPct val="90000"/>
+                </a:lnSpc>
+                <a:spcBef>
+                  <a:spcPts val="500"/>
+                </a:spcBef>
+                <a:buFont typeface="Arial" panose="020B0604020202020204" pitchFamily="34" charset="0"/>
+                <a:buChar char="•"/>
+                <a:defRPr sz="1800" kern="1200">
+                  <a:solidFill>
+                    <a:schemeClr val="tx1"/>
+                  </a:solidFill>
+                  <a:latin typeface="+mn-lt"/>
+                  <a:ea typeface="+mn-ea"/>
+                  <a:cs typeface="+mn-cs"/>
+                </a:defRPr>
+              </a:lvl7pPr>
+              <a:lvl8pPr marL="3429000" indent="-228600" algn="l" defTabSz="914400" rtl="0" eaLnBrk="1" latinLnBrk="0" hangingPunct="1">
+                <a:lnSpc>
+                  <a:spcPct val="90000"/>
+                </a:lnSpc>
+                <a:spcBef>
+                  <a:spcPts val="500"/>
+                </a:spcBef>
+                <a:buFont typeface="Arial" panose="020B0604020202020204" pitchFamily="34" charset="0"/>
+                <a:buChar char="•"/>
+                <a:defRPr sz="1800" kern="1200">
+                  <a:solidFill>
+                    <a:schemeClr val="tx1"/>
+                  </a:solidFill>
+                  <a:latin typeface="+mn-lt"/>
+                  <a:ea typeface="+mn-ea"/>
+                  <a:cs typeface="+mn-cs"/>
+                </a:defRPr>
+              </a:lvl8pPr>
+              <a:lvl9pPr marL="3886200" indent="-228600" algn="l" defTabSz="914400" rtl="0" eaLnBrk="1" latinLnBrk="0" hangingPunct="1">
+                <a:lnSpc>
+                  <a:spcPct val="90000"/>
+                </a:lnSpc>
+                <a:spcBef>
+                  <a:spcPts val="500"/>
+                </a:spcBef>
+                <a:buFont typeface="Arial" panose="020B0604020202020204" pitchFamily="34" charset="0"/>
+                <a:buChar char="•"/>
+                <a:defRPr sz="1800" kern="1200">
+                  <a:solidFill>
+                    <a:schemeClr val="tx1"/>
+                  </a:solidFill>
+                  <a:latin typeface="+mn-lt"/>
+                  <a:ea typeface="+mn-ea"/>
+                  <a:cs typeface="+mn-cs"/>
+                </a:defRPr>
+              </a:lvl9pPr>
+            </a:lstStyle>
+            <a:p>
+              <a:pPr marL="0" indent="0">
+                <a:lnSpc>
+                  <a:spcPct val="100000"/>
+                </a:lnSpc>
+                <a:spcBef>
+                  <a:spcPts val="0"/>
+                </a:spcBef>
+                <a:buNone/>
+              </a:pPr>
+              <a:r>
+                <a:rPr lang="en-US" dirty="0">
+                  <a:solidFill>
+                    <a:schemeClr val="accent6">
+                      <a:lumMod val="50000"/>
+                    </a:schemeClr>
+                  </a:solidFill>
+                </a:rPr>
+                <a:t>Fork</a:t>
+              </a:r>
+            </a:p>
+            <a:p>
+              <a:pPr marL="0" indent="0">
+                <a:lnSpc>
+                  <a:spcPct val="100000"/>
+                </a:lnSpc>
+                <a:spcBef>
+                  <a:spcPts val="0"/>
+                </a:spcBef>
+                <a:buNone/>
+              </a:pPr>
+              <a:r>
+                <a:rPr lang="en-US" dirty="0">
+                  <a:solidFill>
+                    <a:schemeClr val="accent6">
+                      <a:lumMod val="50000"/>
+                    </a:schemeClr>
+                  </a:solidFill>
+                </a:rPr>
+                <a:t>P</a:t>
+              </a:r>
+              <a:r>
+                <a:rPr lang="en-US" sz="2400" dirty="0">
+                  <a:solidFill>
+                    <a:schemeClr val="accent6">
+                      <a:lumMod val="50000"/>
+                    </a:schemeClr>
+                  </a:solidFill>
+                </a:rPr>
+                <a:t>ublic copy owned</a:t>
+              </a:r>
+            </a:p>
+            <a:p>
+              <a:pPr marL="0" indent="0">
+                <a:lnSpc>
+                  <a:spcPct val="100000"/>
+                </a:lnSpc>
+                <a:spcBef>
+                  <a:spcPts val="0"/>
+                </a:spcBef>
+                <a:buNone/>
+              </a:pPr>
+              <a:r>
+                <a:rPr lang="en-US" sz="2400" dirty="0">
+                  <a:solidFill>
+                    <a:schemeClr val="accent6">
+                      <a:lumMod val="50000"/>
+                    </a:schemeClr>
+                  </a:solidFill>
+                </a:rPr>
+                <a:t>by you</a:t>
+              </a:r>
+            </a:p>
+          </p:txBody>
+        </p:sp>
+        <p:cxnSp>
+          <p:nvCxnSpPr>
+            <p:cNvPr id="30" name="Connecteur droit avec flèche 29">
+              <a:extLst>
+                <a:ext uri="{FF2B5EF4-FFF2-40B4-BE49-F238E27FC236}">
+                  <a16:creationId xmlns:a16="http://schemas.microsoft.com/office/drawing/2014/main" id="{A77F416B-B44F-4880-BBCB-D6B1913B2520}"/>
+                </a:ext>
+              </a:extLst>
+            </p:cNvPr>
+            <p:cNvCxnSpPr>
+              <a:cxnSpLocks/>
+            </p:cNvCxnSpPr>
+            <p:nvPr/>
+          </p:nvCxnSpPr>
+          <p:spPr>
+            <a:xfrm>
+              <a:off x="4537155" y="2569190"/>
+              <a:ext cx="3117689" cy="0"/>
+            </a:xfrm>
+            <a:prstGeom prst="straightConnector1">
+              <a:avLst/>
+            </a:prstGeom>
+            <a:ln w="57150">
+              <a:solidFill>
+                <a:schemeClr val="accent6">
+                  <a:lumMod val="75000"/>
+                </a:schemeClr>
+              </a:solidFill>
+              <a:tailEnd type="triangle"/>
+            </a:ln>
+          </p:spPr>
+          <p:style>
+            <a:lnRef idx="1">
+              <a:schemeClr val="accent1"/>
+            </a:lnRef>
+            <a:fillRef idx="0">
+              <a:schemeClr val="accent1"/>
+            </a:fillRef>
+            <a:effectRef idx="0">
+              <a:schemeClr val="accent1"/>
+            </a:effectRef>
+            <a:fontRef idx="minor">
+              <a:schemeClr val="tx1"/>
+            </a:fontRef>
+          </p:style>
+        </p:cxnSp>
         <p:sp>
           <p:nvSpPr>
             <p:cNvPr id="41" name="Espace réservé du contenu 3">
@@ -37964,7 +39363,7 @@
           </p:nvSpPr>
           <p:spPr>
             <a:xfrm>
-              <a:off x="5343239" y="2067664"/>
+              <a:off x="5326069" y="2124794"/>
               <a:ext cx="1700944" cy="526947"/>
             </a:xfrm>
             <a:prstGeom prst="rect">
@@ -38146,7 +39545,7 @@
               <a:r>
                 <a:rPr lang="en-US" sz="2400" dirty="0">
                   <a:solidFill>
-                    <a:schemeClr val="accent1">
+                    <a:schemeClr val="accent6">
                       <a:lumMod val="50000"/>
                     </a:schemeClr>
                   </a:solidFill>
@@ -38154,18 +39553,236 @@
                   <a:ea typeface="JuliaMono" panose="020B0609060300020004" pitchFamily="49" charset="0"/>
                   <a:cs typeface="JuliaMono" panose="020B0609060300020004" pitchFamily="49" charset="0"/>
                 </a:rPr>
-                <a:t>git pull</a:t>
+                <a:t>git clone</a:t>
               </a:r>
             </a:p>
           </p:txBody>
         </p:sp>
       </p:grpSp>
+      <p:sp>
+        <p:nvSpPr>
+          <p:cNvPr id="22" name="Espace réservé du contenu 2">
+            <a:extLst>
+              <a:ext uri="{FF2B5EF4-FFF2-40B4-BE49-F238E27FC236}">
+                <a16:creationId xmlns:a16="http://schemas.microsoft.com/office/drawing/2014/main" id="{1FD70F79-D14A-40A2-8BA4-8569DA8FB79D}"/>
+              </a:ext>
+            </a:extLst>
+          </p:cNvPr>
+          <p:cNvSpPr txBox="1">
+            <a:spLocks/>
+          </p:cNvSpPr>
+          <p:nvPr/>
+        </p:nvSpPr>
+        <p:spPr>
+          <a:xfrm>
+            <a:off x="168804" y="4042390"/>
+            <a:ext cx="3910355" cy="2542878"/>
+          </a:xfrm>
+          <a:prstGeom prst="rect">
+            <a:avLst/>
+          </a:prstGeom>
+        </p:spPr>
+        <p:txBody>
+          <a:bodyPr/>
+          <a:lstStyle>
+            <a:lvl1pPr marL="228600" indent="-228600" algn="l" defTabSz="914400" rtl="0" eaLnBrk="1" latinLnBrk="0" hangingPunct="1">
+              <a:lnSpc>
+                <a:spcPct val="90000"/>
+              </a:lnSpc>
+              <a:spcBef>
+                <a:spcPts val="1000"/>
+              </a:spcBef>
+              <a:buFont typeface="Arial" panose="020B0604020202020204" pitchFamily="34" charset="0"/>
+              <a:buChar char="•"/>
+              <a:defRPr sz="2800" kern="1200">
+                <a:solidFill>
+                  <a:schemeClr val="tx1"/>
+                </a:solidFill>
+                <a:latin typeface="Palatino Linotype" panose="02040502050505030304" pitchFamily="18" charset="0"/>
+                <a:ea typeface="+mn-ea"/>
+                <a:cs typeface="+mn-cs"/>
+              </a:defRPr>
+            </a:lvl1pPr>
+            <a:lvl2pPr marL="685800" indent="-228600" algn="l" defTabSz="914400" rtl="0" eaLnBrk="1" latinLnBrk="0" hangingPunct="1">
+              <a:lnSpc>
+                <a:spcPct val="90000"/>
+              </a:lnSpc>
+              <a:spcBef>
+                <a:spcPts val="500"/>
+              </a:spcBef>
+              <a:buFont typeface="Arial" panose="020B0604020202020204" pitchFamily="34" charset="0"/>
+              <a:buChar char="•"/>
+              <a:defRPr sz="2400" kern="1200">
+                <a:solidFill>
+                  <a:schemeClr val="tx1"/>
+                </a:solidFill>
+                <a:latin typeface="Palatino Linotype" panose="02040502050505030304" pitchFamily="18" charset="0"/>
+                <a:ea typeface="+mn-ea"/>
+                <a:cs typeface="+mn-cs"/>
+              </a:defRPr>
+            </a:lvl2pPr>
+            <a:lvl3pPr marL="1143000" indent="-228600" algn="l" defTabSz="914400" rtl="0" eaLnBrk="1" latinLnBrk="0" hangingPunct="1">
+              <a:lnSpc>
+                <a:spcPct val="90000"/>
+              </a:lnSpc>
+              <a:spcBef>
+                <a:spcPts val="500"/>
+              </a:spcBef>
+              <a:buFont typeface="Arial" panose="020B0604020202020204" pitchFamily="34" charset="0"/>
+              <a:buChar char="•"/>
+              <a:defRPr sz="2000" kern="1200">
+                <a:solidFill>
+                  <a:schemeClr val="tx1"/>
+                </a:solidFill>
+                <a:latin typeface="Palatino Linotype" panose="02040502050505030304" pitchFamily="18" charset="0"/>
+                <a:ea typeface="+mn-ea"/>
+                <a:cs typeface="+mn-cs"/>
+              </a:defRPr>
+            </a:lvl3pPr>
+            <a:lvl4pPr marL="1600200" indent="-228600" algn="l" defTabSz="914400" rtl="0" eaLnBrk="1" latinLnBrk="0" hangingPunct="1">
+              <a:lnSpc>
+                <a:spcPct val="90000"/>
+              </a:lnSpc>
+              <a:spcBef>
+                <a:spcPts val="500"/>
+              </a:spcBef>
+              <a:buFont typeface="Arial" panose="020B0604020202020204" pitchFamily="34" charset="0"/>
+              <a:buChar char="•"/>
+              <a:defRPr sz="1800" kern="1200">
+                <a:solidFill>
+                  <a:schemeClr val="tx1"/>
+                </a:solidFill>
+                <a:latin typeface="Palatino Linotype" panose="02040502050505030304" pitchFamily="18" charset="0"/>
+                <a:ea typeface="+mn-ea"/>
+                <a:cs typeface="+mn-cs"/>
+              </a:defRPr>
+            </a:lvl4pPr>
+            <a:lvl5pPr marL="2057400" indent="-228600" algn="l" defTabSz="914400" rtl="0" eaLnBrk="1" latinLnBrk="0" hangingPunct="1">
+              <a:lnSpc>
+                <a:spcPct val="90000"/>
+              </a:lnSpc>
+              <a:spcBef>
+                <a:spcPts val="500"/>
+              </a:spcBef>
+              <a:buFont typeface="Arial" panose="020B0604020202020204" pitchFamily="34" charset="0"/>
+              <a:buChar char="•"/>
+              <a:defRPr sz="1800" kern="1200">
+                <a:solidFill>
+                  <a:schemeClr val="tx1"/>
+                </a:solidFill>
+                <a:latin typeface="Palatino Linotype" panose="02040502050505030304" pitchFamily="18" charset="0"/>
+                <a:ea typeface="+mn-ea"/>
+                <a:cs typeface="+mn-cs"/>
+              </a:defRPr>
+            </a:lvl5pPr>
+            <a:lvl6pPr marL="2514600" indent="-228600" algn="l" defTabSz="914400" rtl="0" eaLnBrk="1" latinLnBrk="0" hangingPunct="1">
+              <a:lnSpc>
+                <a:spcPct val="90000"/>
+              </a:lnSpc>
+              <a:spcBef>
+                <a:spcPts val="500"/>
+              </a:spcBef>
+              <a:buFont typeface="Arial" panose="020B0604020202020204" pitchFamily="34" charset="0"/>
+              <a:buChar char="•"/>
+              <a:defRPr sz="1800" kern="1200">
+                <a:solidFill>
+                  <a:schemeClr val="tx1"/>
+                </a:solidFill>
+                <a:latin typeface="+mn-lt"/>
+                <a:ea typeface="+mn-ea"/>
+                <a:cs typeface="+mn-cs"/>
+              </a:defRPr>
+            </a:lvl6pPr>
+            <a:lvl7pPr marL="2971800" indent="-228600" algn="l" defTabSz="914400" rtl="0" eaLnBrk="1" latinLnBrk="0" hangingPunct="1">
+              <a:lnSpc>
+                <a:spcPct val="90000"/>
+              </a:lnSpc>
+              <a:spcBef>
+                <a:spcPts val="500"/>
+              </a:spcBef>
+              <a:buFont typeface="Arial" panose="020B0604020202020204" pitchFamily="34" charset="0"/>
+              <a:buChar char="•"/>
+              <a:defRPr sz="1800" kern="1200">
+                <a:solidFill>
+                  <a:schemeClr val="tx1"/>
+                </a:solidFill>
+                <a:latin typeface="+mn-lt"/>
+                <a:ea typeface="+mn-ea"/>
+                <a:cs typeface="+mn-cs"/>
+              </a:defRPr>
+            </a:lvl7pPr>
+            <a:lvl8pPr marL="3429000" indent="-228600" algn="l" defTabSz="914400" rtl="0" eaLnBrk="1" latinLnBrk="0" hangingPunct="1">
+              <a:lnSpc>
+                <a:spcPct val="90000"/>
+              </a:lnSpc>
+              <a:spcBef>
+                <a:spcPts val="500"/>
+              </a:spcBef>
+              <a:buFont typeface="Arial" panose="020B0604020202020204" pitchFamily="34" charset="0"/>
+              <a:buChar char="•"/>
+              <a:defRPr sz="1800" kern="1200">
+                <a:solidFill>
+                  <a:schemeClr val="tx1"/>
+                </a:solidFill>
+                <a:latin typeface="+mn-lt"/>
+                <a:ea typeface="+mn-ea"/>
+                <a:cs typeface="+mn-cs"/>
+              </a:defRPr>
+            </a:lvl8pPr>
+            <a:lvl9pPr marL="3886200" indent="-228600" algn="l" defTabSz="914400" rtl="0" eaLnBrk="1" latinLnBrk="0" hangingPunct="1">
+              <a:lnSpc>
+                <a:spcPct val="90000"/>
+              </a:lnSpc>
+              <a:spcBef>
+                <a:spcPts val="500"/>
+              </a:spcBef>
+              <a:buFont typeface="Arial" panose="020B0604020202020204" pitchFamily="34" charset="0"/>
+              <a:buChar char="•"/>
+              <a:defRPr sz="1800" kern="1200">
+                <a:solidFill>
+                  <a:schemeClr val="tx1"/>
+                </a:solidFill>
+                <a:latin typeface="+mn-lt"/>
+                <a:ea typeface="+mn-ea"/>
+                <a:cs typeface="+mn-cs"/>
+              </a:defRPr>
+            </a:lvl9pPr>
+          </a:lstStyle>
+          <a:p>
+            <a:pPr marL="514350" indent="-514350">
+              <a:buAutoNum type="arabicPeriod"/>
+            </a:pPr>
+            <a:r>
+              <a:rPr lang="en-US" dirty="0"/>
+              <a:t>Modify locally</a:t>
+            </a:r>
+          </a:p>
+          <a:p>
+            <a:pPr marL="514350" indent="-514350">
+              <a:buAutoNum type="arabicPeriod"/>
+            </a:pPr>
+            <a:r>
+              <a:rPr lang="en-US" dirty="0"/>
+              <a:t>Push to your fork</a:t>
+            </a:r>
+          </a:p>
+          <a:p>
+            <a:pPr marL="514350" indent="-514350">
+              <a:buAutoNum type="arabicPeriod"/>
+            </a:pPr>
+            <a:r>
+              <a:rPr lang="en-US" dirty="0"/>
+              <a:t>Fill in a pull request from your fork to the original repo</a:t>
+            </a:r>
+          </a:p>
+        </p:txBody>
+      </p:sp>
       <p:grpSp>
         <p:nvGrpSpPr>
-          <p:cNvPr id="51" name="Groupe 50">
+          <p:cNvPr id="2" name="Groupe 1">
             <a:extLst>
               <a:ext uri="{FF2B5EF4-FFF2-40B4-BE49-F238E27FC236}">
-                <a16:creationId xmlns:a16="http://schemas.microsoft.com/office/drawing/2014/main" id="{CB053C62-9CC8-4356-B27F-6EA997F6730F}"/>
+                <a16:creationId xmlns:a16="http://schemas.microsoft.com/office/drawing/2014/main" id="{F4EC45CA-BA9E-6EE7-623D-039A070098B2}"/>
               </a:ext>
             </a:extLst>
           </p:cNvPr>
@@ -38174,18 +39791,65 @@
         </p:nvGrpSpPr>
         <p:grpSpPr>
           <a:xfrm>
-            <a:off x="4395056" y="3565168"/>
-            <a:ext cx="3597310" cy="1988207"/>
-            <a:chOff x="4395056" y="3565168"/>
-            <a:chExt cx="3597310" cy="1988207"/>
+            <a:off x="4070178" y="3564914"/>
+            <a:ext cx="4320272" cy="1988207"/>
+            <a:chOff x="4130713" y="3565168"/>
+            <a:chExt cx="4320272" cy="1988207"/>
           </a:xfrm>
         </p:grpSpPr>
+        <p:cxnSp>
+          <p:nvCxnSpPr>
+            <p:cNvPr id="5" name="Connecteur droit avec flèche 4">
+              <a:extLst>
+                <a:ext uri="{FF2B5EF4-FFF2-40B4-BE49-F238E27FC236}">
+                  <a16:creationId xmlns:a16="http://schemas.microsoft.com/office/drawing/2014/main" id="{FA2C3F46-CD17-A51D-1DB1-C07D46693176}"/>
+                </a:ext>
+              </a:extLst>
+            </p:cNvPr>
+            <p:cNvCxnSpPr>
+              <a:cxnSpLocks/>
+            </p:cNvCxnSpPr>
+            <p:nvPr/>
+          </p:nvCxnSpPr>
+          <p:spPr>
+            <a:xfrm flipH="1" flipV="1">
+              <a:off x="4395056" y="3565168"/>
+              <a:ext cx="3597310" cy="1988207"/>
+            </a:xfrm>
+            <a:prstGeom prst="straightConnector1">
+              <a:avLst/>
+            </a:prstGeom>
+            <a:ln w="57150">
+              <a:solidFill>
+                <a:schemeClr val="accent2">
+                  <a:lumMod val="40000"/>
+                  <a:lumOff val="60000"/>
+                </a:schemeClr>
+              </a:solidFill>
+              <a:tailEnd type="triangle"/>
+            </a:ln>
+          </p:spPr>
+          <p:style>
+            <a:lnRef idx="1">
+              <a:schemeClr val="accent1"/>
+            </a:lnRef>
+            <a:fillRef idx="0">
+              <a:schemeClr val="accent1"/>
+            </a:fillRef>
+            <a:effectRef idx="0">
+              <a:schemeClr val="accent1"/>
+            </a:effectRef>
+            <a:fontRef idx="minor">
+              <a:schemeClr val="tx1"/>
+            </a:fontRef>
+          </p:style>
+        </p:cxnSp>
         <p:sp>
           <p:nvSpPr>
-            <p:cNvPr id="43" name="Espace réservé du contenu 3">
+            <p:cNvPr id="3" name="Espace réservé du contenu 3">
               <a:extLst>
                 <a:ext uri="{FF2B5EF4-FFF2-40B4-BE49-F238E27FC236}">
-                  <a16:creationId xmlns:a16="http://schemas.microsoft.com/office/drawing/2014/main" id="{DEDA2192-4639-43D1-8651-5B06F4A3EDB4}"/>
+                  <a16:creationId xmlns:a16="http://schemas.microsoft.com/office/drawing/2014/main" id="{10AB57C6-31F9-705F-33C4-A4013F647E9F}"/>
                 </a:ext>
               </a:extLst>
             </p:cNvPr>
@@ -38196,8 +39860,8 @@
           </p:nvSpPr>
           <p:spPr>
             <a:xfrm rot="1696481">
-              <a:off x="5237836" y="4109483"/>
-              <a:ext cx="2203069" cy="506095"/>
+              <a:off x="4130713" y="4438805"/>
+              <a:ext cx="4320272" cy="506095"/>
             </a:xfrm>
             <a:prstGeom prst="rect">
               <a:avLst/>
@@ -38374,24 +40038,54 @@
                 <a:buNone/>
               </a:pPr>
               <a:r>
-                <a:rPr lang="en-US" dirty="0">
+                <a:rPr lang="en-US" sz="2400" dirty="0">
                   <a:solidFill>
-                    <a:schemeClr val="accent1">
-                      <a:lumMod val="50000"/>
-                    </a:schemeClr>
+                    <a:srgbClr val="C00000"/>
+                  </a:solidFill>
+                  <a:latin typeface="JuliaMono" panose="020B0609060300020004" pitchFamily="49" charset="0"/>
+                  <a:ea typeface="JuliaMono" panose="020B0609060300020004" pitchFamily="49" charset="0"/>
+                  <a:cs typeface="JuliaMono" panose="020B0609060300020004" pitchFamily="49" charset="0"/>
+                </a:rPr>
+                <a:t>git push </a:t>
+              </a:r>
+              <a:r>
+                <a:rPr lang="en-US" sz="2400" dirty="0">
+                  <a:solidFill>
+                    <a:srgbClr val="C00000"/>
                   </a:solidFill>
                 </a:rPr>
-                <a:t>Pull request</a:t>
+                <a:t>– not allowed</a:t>
               </a:r>
             </a:p>
           </p:txBody>
         </p:sp>
+      </p:grpSp>
+      <p:grpSp>
+        <p:nvGrpSpPr>
+          <p:cNvPr id="16" name="Groupe 15">
+            <a:extLst>
+              <a:ext uri="{FF2B5EF4-FFF2-40B4-BE49-F238E27FC236}">
+                <a16:creationId xmlns:a16="http://schemas.microsoft.com/office/drawing/2014/main" id="{4F6FB8B2-E554-766C-03EE-2FF723A70D3F}"/>
+              </a:ext>
+            </a:extLst>
+          </p:cNvPr>
+          <p:cNvGrpSpPr/>
+          <p:nvPr/>
+        </p:nvGrpSpPr>
+        <p:grpSpPr>
+          <a:xfrm>
+            <a:off x="4537155" y="2810490"/>
+            <a:ext cx="3117689" cy="582294"/>
+            <a:chOff x="4537155" y="2810490"/>
+            <a:chExt cx="3117689" cy="582294"/>
+          </a:xfrm>
+        </p:grpSpPr>
         <p:cxnSp>
           <p:nvCxnSpPr>
-            <p:cNvPr id="44" name="Connecteur droit avec flèche 43">
+            <p:cNvPr id="14" name="Connecteur droit avec flèche 13">
               <a:extLst>
                 <a:ext uri="{FF2B5EF4-FFF2-40B4-BE49-F238E27FC236}">
-                  <a16:creationId xmlns:a16="http://schemas.microsoft.com/office/drawing/2014/main" id="{687F64FC-8F9F-47E9-A1B1-87CA6DC1056B}"/>
+                  <a16:creationId xmlns:a16="http://schemas.microsoft.com/office/drawing/2014/main" id="{AE71BCF1-77BC-37EE-1A72-4F52B23D24B3}"/>
                 </a:ext>
               </a:extLst>
             </p:cNvPr>
@@ -38401,16 +40095,16 @@
             <p:nvPr/>
           </p:nvCxnSpPr>
           <p:spPr>
-            <a:xfrm flipH="1" flipV="1">
-              <a:off x="4395056" y="3565168"/>
-              <a:ext cx="3597310" cy="1988207"/>
+            <a:xfrm flipH="1">
+              <a:off x="4537155" y="2810490"/>
+              <a:ext cx="3117689" cy="0"/>
             </a:xfrm>
             <a:prstGeom prst="straightConnector1">
               <a:avLst/>
             </a:prstGeom>
             <a:ln w="57150">
               <a:solidFill>
-                <a:schemeClr val="accent1"/>
+                <a:srgbClr val="7030A0"/>
               </a:solidFill>
               <a:tailEnd type="triangle"/>
             </a:ln>
@@ -38430,225 +40124,214 @@
             </a:fontRef>
           </p:style>
         </p:cxnSp>
+        <p:sp>
+          <p:nvSpPr>
+            <p:cNvPr id="15" name="Espace réservé du contenu 3">
+              <a:extLst>
+                <a:ext uri="{FF2B5EF4-FFF2-40B4-BE49-F238E27FC236}">
+                  <a16:creationId xmlns:a16="http://schemas.microsoft.com/office/drawing/2014/main" id="{236B4E3B-0F4D-70B0-C547-581E5918B559}"/>
+                </a:ext>
+              </a:extLst>
+            </p:cNvPr>
+            <p:cNvSpPr txBox="1">
+              <a:spLocks/>
+            </p:cNvSpPr>
+            <p:nvPr/>
+          </p:nvSpPr>
+          <p:spPr>
+            <a:xfrm>
+              <a:off x="5058143" y="2886689"/>
+              <a:ext cx="2236795" cy="506095"/>
+            </a:xfrm>
+            <a:prstGeom prst="rect">
+              <a:avLst/>
+            </a:prstGeom>
+          </p:spPr>
+          <p:txBody>
+            <a:bodyPr lIns="0" tIns="0" rIns="0" bIns="0"/>
+            <a:lstStyle>
+              <a:lvl1pPr marL="228600" indent="-228600" algn="l" defTabSz="914400" rtl="0" eaLnBrk="1" latinLnBrk="0" hangingPunct="1">
+                <a:lnSpc>
+                  <a:spcPct val="90000"/>
+                </a:lnSpc>
+                <a:spcBef>
+                  <a:spcPts val="1000"/>
+                </a:spcBef>
+                <a:buFont typeface="Arial" panose="020B0604020202020204" pitchFamily="34" charset="0"/>
+                <a:buChar char="•"/>
+                <a:defRPr sz="2800" kern="1200">
+                  <a:solidFill>
+                    <a:schemeClr val="tx1"/>
+                  </a:solidFill>
+                  <a:latin typeface="Palatino Linotype" panose="02040502050505030304" pitchFamily="18" charset="0"/>
+                  <a:ea typeface="+mn-ea"/>
+                  <a:cs typeface="+mn-cs"/>
+                </a:defRPr>
+              </a:lvl1pPr>
+              <a:lvl2pPr marL="685800" indent="-228600" algn="l" defTabSz="914400" rtl="0" eaLnBrk="1" latinLnBrk="0" hangingPunct="1">
+                <a:lnSpc>
+                  <a:spcPct val="90000"/>
+                </a:lnSpc>
+                <a:spcBef>
+                  <a:spcPts val="500"/>
+                </a:spcBef>
+                <a:buFont typeface="Arial" panose="020B0604020202020204" pitchFamily="34" charset="0"/>
+                <a:buChar char="•"/>
+                <a:defRPr sz="2400" kern="1200">
+                  <a:solidFill>
+                    <a:schemeClr val="tx1"/>
+                  </a:solidFill>
+                  <a:latin typeface="Palatino Linotype" panose="02040502050505030304" pitchFamily="18" charset="0"/>
+                  <a:ea typeface="+mn-ea"/>
+                  <a:cs typeface="+mn-cs"/>
+                </a:defRPr>
+              </a:lvl2pPr>
+              <a:lvl3pPr marL="1143000" indent="-228600" algn="l" defTabSz="914400" rtl="0" eaLnBrk="1" latinLnBrk="0" hangingPunct="1">
+                <a:lnSpc>
+                  <a:spcPct val="90000"/>
+                </a:lnSpc>
+                <a:spcBef>
+                  <a:spcPts val="500"/>
+                </a:spcBef>
+                <a:buFont typeface="Arial" panose="020B0604020202020204" pitchFamily="34" charset="0"/>
+                <a:buChar char="•"/>
+                <a:defRPr sz="2000" kern="1200">
+                  <a:solidFill>
+                    <a:schemeClr val="tx1"/>
+                  </a:solidFill>
+                  <a:latin typeface="Palatino Linotype" panose="02040502050505030304" pitchFamily="18" charset="0"/>
+                  <a:ea typeface="+mn-ea"/>
+                  <a:cs typeface="+mn-cs"/>
+                </a:defRPr>
+              </a:lvl3pPr>
+              <a:lvl4pPr marL="1600200" indent="-228600" algn="l" defTabSz="914400" rtl="0" eaLnBrk="1" latinLnBrk="0" hangingPunct="1">
+                <a:lnSpc>
+                  <a:spcPct val="90000"/>
+                </a:lnSpc>
+                <a:spcBef>
+                  <a:spcPts val="500"/>
+                </a:spcBef>
+                <a:buFont typeface="Arial" panose="020B0604020202020204" pitchFamily="34" charset="0"/>
+                <a:buChar char="•"/>
+                <a:defRPr sz="1800" kern="1200">
+                  <a:solidFill>
+                    <a:schemeClr val="tx1"/>
+                  </a:solidFill>
+                  <a:latin typeface="Palatino Linotype" panose="02040502050505030304" pitchFamily="18" charset="0"/>
+                  <a:ea typeface="+mn-ea"/>
+                  <a:cs typeface="+mn-cs"/>
+                </a:defRPr>
+              </a:lvl4pPr>
+              <a:lvl5pPr marL="2057400" indent="-228600" algn="l" defTabSz="914400" rtl="0" eaLnBrk="1" latinLnBrk="0" hangingPunct="1">
+                <a:lnSpc>
+                  <a:spcPct val="90000"/>
+                </a:lnSpc>
+                <a:spcBef>
+                  <a:spcPts val="500"/>
+                </a:spcBef>
+                <a:buFont typeface="Arial" panose="020B0604020202020204" pitchFamily="34" charset="0"/>
+                <a:buChar char="•"/>
+                <a:defRPr sz="1800" kern="1200">
+                  <a:solidFill>
+                    <a:schemeClr val="tx1"/>
+                  </a:solidFill>
+                  <a:latin typeface="Palatino Linotype" panose="02040502050505030304" pitchFamily="18" charset="0"/>
+                  <a:ea typeface="+mn-ea"/>
+                  <a:cs typeface="+mn-cs"/>
+                </a:defRPr>
+              </a:lvl5pPr>
+              <a:lvl6pPr marL="2514600" indent="-228600" algn="l" defTabSz="914400" rtl="0" eaLnBrk="1" latinLnBrk="0" hangingPunct="1">
+                <a:lnSpc>
+                  <a:spcPct val="90000"/>
+                </a:lnSpc>
+                <a:spcBef>
+                  <a:spcPts val="500"/>
+                </a:spcBef>
+                <a:buFont typeface="Arial" panose="020B0604020202020204" pitchFamily="34" charset="0"/>
+                <a:buChar char="•"/>
+                <a:defRPr sz="1800" kern="1200">
+                  <a:solidFill>
+                    <a:schemeClr val="tx1"/>
+                  </a:solidFill>
+                  <a:latin typeface="+mn-lt"/>
+                  <a:ea typeface="+mn-ea"/>
+                  <a:cs typeface="+mn-cs"/>
+                </a:defRPr>
+              </a:lvl6pPr>
+              <a:lvl7pPr marL="2971800" indent="-228600" algn="l" defTabSz="914400" rtl="0" eaLnBrk="1" latinLnBrk="0" hangingPunct="1">
+                <a:lnSpc>
+                  <a:spcPct val="90000"/>
+                </a:lnSpc>
+                <a:spcBef>
+                  <a:spcPts val="500"/>
+                </a:spcBef>
+                <a:buFont typeface="Arial" panose="020B0604020202020204" pitchFamily="34" charset="0"/>
+                <a:buChar char="•"/>
+                <a:defRPr sz="1800" kern="1200">
+                  <a:solidFill>
+                    <a:schemeClr val="tx1"/>
+                  </a:solidFill>
+                  <a:latin typeface="+mn-lt"/>
+                  <a:ea typeface="+mn-ea"/>
+                  <a:cs typeface="+mn-cs"/>
+                </a:defRPr>
+              </a:lvl7pPr>
+              <a:lvl8pPr marL="3429000" indent="-228600" algn="l" defTabSz="914400" rtl="0" eaLnBrk="1" latinLnBrk="0" hangingPunct="1">
+                <a:lnSpc>
+                  <a:spcPct val="90000"/>
+                </a:lnSpc>
+                <a:spcBef>
+                  <a:spcPts val="500"/>
+                </a:spcBef>
+                <a:buFont typeface="Arial" panose="020B0604020202020204" pitchFamily="34" charset="0"/>
+                <a:buChar char="•"/>
+                <a:defRPr sz="1800" kern="1200">
+                  <a:solidFill>
+                    <a:schemeClr val="tx1"/>
+                  </a:solidFill>
+                  <a:latin typeface="+mn-lt"/>
+                  <a:ea typeface="+mn-ea"/>
+                  <a:cs typeface="+mn-cs"/>
+                </a:defRPr>
+              </a:lvl8pPr>
+              <a:lvl9pPr marL="3886200" indent="-228600" algn="l" defTabSz="914400" rtl="0" eaLnBrk="1" latinLnBrk="0" hangingPunct="1">
+                <a:lnSpc>
+                  <a:spcPct val="90000"/>
+                </a:lnSpc>
+                <a:spcBef>
+                  <a:spcPts val="500"/>
+                </a:spcBef>
+                <a:buFont typeface="Arial" panose="020B0604020202020204" pitchFamily="34" charset="0"/>
+                <a:buChar char="•"/>
+                <a:defRPr sz="1800" kern="1200">
+                  <a:solidFill>
+                    <a:schemeClr val="tx1"/>
+                  </a:solidFill>
+                  <a:latin typeface="+mn-lt"/>
+                  <a:ea typeface="+mn-ea"/>
+                  <a:cs typeface="+mn-cs"/>
+                </a:defRPr>
+              </a:lvl9pPr>
+            </a:lstStyle>
+            <a:p>
+              <a:pPr marL="0" indent="0" algn="ctr">
+                <a:buNone/>
+              </a:pPr>
+              <a:r>
+                <a:rPr lang="en-US" sz="2400" dirty="0">
+                  <a:solidFill>
+                    <a:srgbClr val="7030A0"/>
+                  </a:solidFill>
+                  <a:latin typeface="JuliaMono" panose="020B0609060300020004" pitchFamily="49" charset="0"/>
+                  <a:ea typeface="JuliaMono" panose="020B0609060300020004" pitchFamily="49" charset="0"/>
+                  <a:cs typeface="JuliaMono" panose="020B0609060300020004" pitchFamily="49" charset="0"/>
+                </a:rPr>
+                <a:t>git pull</a:t>
+              </a:r>
+            </a:p>
+          </p:txBody>
+        </p:sp>
       </p:grpSp>
-      <p:sp>
-        <p:nvSpPr>
-          <p:cNvPr id="22" name="Espace réservé du contenu 2">
-            <a:extLst>
-              <a:ext uri="{FF2B5EF4-FFF2-40B4-BE49-F238E27FC236}">
-                <a16:creationId xmlns:a16="http://schemas.microsoft.com/office/drawing/2014/main" id="{1FD70F79-D14A-40A2-8BA4-8569DA8FB79D}"/>
-              </a:ext>
-            </a:extLst>
-          </p:cNvPr>
-          <p:cNvSpPr txBox="1">
-            <a:spLocks/>
-          </p:cNvSpPr>
-          <p:nvPr/>
-        </p:nvSpPr>
-        <p:spPr>
-          <a:xfrm>
-            <a:off x="206882" y="3949997"/>
-            <a:ext cx="3584698" cy="2542878"/>
-          </a:xfrm>
-          <a:prstGeom prst="rect">
-            <a:avLst/>
-          </a:prstGeom>
-        </p:spPr>
-        <p:txBody>
-          <a:bodyPr/>
-          <a:lstStyle>
-            <a:lvl1pPr marL="228600" indent="-228600" algn="l" defTabSz="914400" rtl="0" eaLnBrk="1" latinLnBrk="0" hangingPunct="1">
-              <a:lnSpc>
-                <a:spcPct val="90000"/>
-              </a:lnSpc>
-              <a:spcBef>
-                <a:spcPts val="1000"/>
-              </a:spcBef>
-              <a:buFont typeface="Arial" panose="020B0604020202020204" pitchFamily="34" charset="0"/>
-              <a:buChar char="•"/>
-              <a:defRPr sz="2800" kern="1200">
-                <a:solidFill>
-                  <a:schemeClr val="tx1"/>
-                </a:solidFill>
-                <a:latin typeface="Palatino Linotype" panose="02040502050505030304" pitchFamily="18" charset="0"/>
-                <a:ea typeface="+mn-ea"/>
-                <a:cs typeface="+mn-cs"/>
-              </a:defRPr>
-            </a:lvl1pPr>
-            <a:lvl2pPr marL="685800" indent="-228600" algn="l" defTabSz="914400" rtl="0" eaLnBrk="1" latinLnBrk="0" hangingPunct="1">
-              <a:lnSpc>
-                <a:spcPct val="90000"/>
-              </a:lnSpc>
-              <a:spcBef>
-                <a:spcPts val="500"/>
-              </a:spcBef>
-              <a:buFont typeface="Arial" panose="020B0604020202020204" pitchFamily="34" charset="0"/>
-              <a:buChar char="•"/>
-              <a:defRPr sz="2400" kern="1200">
-                <a:solidFill>
-                  <a:schemeClr val="tx1"/>
-                </a:solidFill>
-                <a:latin typeface="Palatino Linotype" panose="02040502050505030304" pitchFamily="18" charset="0"/>
-                <a:ea typeface="+mn-ea"/>
-                <a:cs typeface="+mn-cs"/>
-              </a:defRPr>
-            </a:lvl2pPr>
-            <a:lvl3pPr marL="1143000" indent="-228600" algn="l" defTabSz="914400" rtl="0" eaLnBrk="1" latinLnBrk="0" hangingPunct="1">
-              <a:lnSpc>
-                <a:spcPct val="90000"/>
-              </a:lnSpc>
-              <a:spcBef>
-                <a:spcPts val="500"/>
-              </a:spcBef>
-              <a:buFont typeface="Arial" panose="020B0604020202020204" pitchFamily="34" charset="0"/>
-              <a:buChar char="•"/>
-              <a:defRPr sz="2000" kern="1200">
-                <a:solidFill>
-                  <a:schemeClr val="tx1"/>
-                </a:solidFill>
-                <a:latin typeface="Palatino Linotype" panose="02040502050505030304" pitchFamily="18" charset="0"/>
-                <a:ea typeface="+mn-ea"/>
-                <a:cs typeface="+mn-cs"/>
-              </a:defRPr>
-            </a:lvl3pPr>
-            <a:lvl4pPr marL="1600200" indent="-228600" algn="l" defTabSz="914400" rtl="0" eaLnBrk="1" latinLnBrk="0" hangingPunct="1">
-              <a:lnSpc>
-                <a:spcPct val="90000"/>
-              </a:lnSpc>
-              <a:spcBef>
-                <a:spcPts val="500"/>
-              </a:spcBef>
-              <a:buFont typeface="Arial" panose="020B0604020202020204" pitchFamily="34" charset="0"/>
-              <a:buChar char="•"/>
-              <a:defRPr sz="1800" kern="1200">
-                <a:solidFill>
-                  <a:schemeClr val="tx1"/>
-                </a:solidFill>
-                <a:latin typeface="Palatino Linotype" panose="02040502050505030304" pitchFamily="18" charset="0"/>
-                <a:ea typeface="+mn-ea"/>
-                <a:cs typeface="+mn-cs"/>
-              </a:defRPr>
-            </a:lvl4pPr>
-            <a:lvl5pPr marL="2057400" indent="-228600" algn="l" defTabSz="914400" rtl="0" eaLnBrk="1" latinLnBrk="0" hangingPunct="1">
-              <a:lnSpc>
-                <a:spcPct val="90000"/>
-              </a:lnSpc>
-              <a:spcBef>
-                <a:spcPts val="500"/>
-              </a:spcBef>
-              <a:buFont typeface="Arial" panose="020B0604020202020204" pitchFamily="34" charset="0"/>
-              <a:buChar char="•"/>
-              <a:defRPr sz="1800" kern="1200">
-                <a:solidFill>
-                  <a:schemeClr val="tx1"/>
-                </a:solidFill>
-                <a:latin typeface="Palatino Linotype" panose="02040502050505030304" pitchFamily="18" charset="0"/>
-                <a:ea typeface="+mn-ea"/>
-                <a:cs typeface="+mn-cs"/>
-              </a:defRPr>
-            </a:lvl5pPr>
-            <a:lvl6pPr marL="2514600" indent="-228600" algn="l" defTabSz="914400" rtl="0" eaLnBrk="1" latinLnBrk="0" hangingPunct="1">
-              <a:lnSpc>
-                <a:spcPct val="90000"/>
-              </a:lnSpc>
-              <a:spcBef>
-                <a:spcPts val="500"/>
-              </a:spcBef>
-              <a:buFont typeface="Arial" panose="020B0604020202020204" pitchFamily="34" charset="0"/>
-              <a:buChar char="•"/>
-              <a:defRPr sz="1800" kern="1200">
-                <a:solidFill>
-                  <a:schemeClr val="tx1"/>
-                </a:solidFill>
-                <a:latin typeface="+mn-lt"/>
-                <a:ea typeface="+mn-ea"/>
-                <a:cs typeface="+mn-cs"/>
-              </a:defRPr>
-            </a:lvl6pPr>
-            <a:lvl7pPr marL="2971800" indent="-228600" algn="l" defTabSz="914400" rtl="0" eaLnBrk="1" latinLnBrk="0" hangingPunct="1">
-              <a:lnSpc>
-                <a:spcPct val="90000"/>
-              </a:lnSpc>
-              <a:spcBef>
-                <a:spcPts val="500"/>
-              </a:spcBef>
-              <a:buFont typeface="Arial" panose="020B0604020202020204" pitchFamily="34" charset="0"/>
-              <a:buChar char="•"/>
-              <a:defRPr sz="1800" kern="1200">
-                <a:solidFill>
-                  <a:schemeClr val="tx1"/>
-                </a:solidFill>
-                <a:latin typeface="+mn-lt"/>
-                <a:ea typeface="+mn-ea"/>
-                <a:cs typeface="+mn-cs"/>
-              </a:defRPr>
-            </a:lvl7pPr>
-            <a:lvl8pPr marL="3429000" indent="-228600" algn="l" defTabSz="914400" rtl="0" eaLnBrk="1" latinLnBrk="0" hangingPunct="1">
-              <a:lnSpc>
-                <a:spcPct val="90000"/>
-              </a:lnSpc>
-              <a:spcBef>
-                <a:spcPts val="500"/>
-              </a:spcBef>
-              <a:buFont typeface="Arial" panose="020B0604020202020204" pitchFamily="34" charset="0"/>
-              <a:buChar char="•"/>
-              <a:defRPr sz="1800" kern="1200">
-                <a:solidFill>
-                  <a:schemeClr val="tx1"/>
-                </a:solidFill>
-                <a:latin typeface="+mn-lt"/>
-                <a:ea typeface="+mn-ea"/>
-                <a:cs typeface="+mn-cs"/>
-              </a:defRPr>
-            </a:lvl8pPr>
-            <a:lvl9pPr marL="3886200" indent="-228600" algn="l" defTabSz="914400" rtl="0" eaLnBrk="1" latinLnBrk="0" hangingPunct="1">
-              <a:lnSpc>
-                <a:spcPct val="90000"/>
-              </a:lnSpc>
-              <a:spcBef>
-                <a:spcPts val="500"/>
-              </a:spcBef>
-              <a:buFont typeface="Arial" panose="020B0604020202020204" pitchFamily="34" charset="0"/>
-              <a:buChar char="•"/>
-              <a:defRPr sz="1800" kern="1200">
-                <a:solidFill>
-                  <a:schemeClr val="tx1"/>
-                </a:solidFill>
-                <a:latin typeface="+mn-lt"/>
-                <a:ea typeface="+mn-ea"/>
-                <a:cs typeface="+mn-cs"/>
-              </a:defRPr>
-            </a:lvl9pPr>
-          </a:lstStyle>
-          <a:p>
-            <a:pPr marL="514350" indent="-514350">
-              <a:buAutoNum type="arabicPeriod"/>
-            </a:pPr>
-            <a:r>
-              <a:rPr lang="en-US" dirty="0"/>
-              <a:t>Modify locally</a:t>
-            </a:r>
-          </a:p>
-          <a:p>
-            <a:pPr marL="514350" indent="-514350">
-              <a:buAutoNum type="arabicPeriod"/>
-            </a:pPr>
-            <a:r>
-              <a:rPr lang="en-US" dirty="0"/>
-              <a:t>Push to your fork</a:t>
-            </a:r>
-          </a:p>
-          <a:p>
-            <a:pPr marL="514350" indent="-514350">
-              <a:buAutoNum type="arabicPeriod"/>
-            </a:pPr>
-            <a:r>
-              <a:rPr lang="en-US" dirty="0"/>
-              <a:t>Ask the cool repo to pull the change from your fork</a:t>
-            </a:r>
-          </a:p>
-        </p:txBody>
-      </p:sp>
     </p:spTree>
     <p:extLst>
       <p:ext uri="{BB962C8B-B14F-4D97-AF65-F5344CB8AC3E}">
@@ -38746,7 +40429,7 @@
                                           </p:stCondLst>
                                         </p:cTn>
                                         <p:tgtEl>
-                                          <p:spTgt spid="50"/>
+                                          <p:spTgt spid="2"/>
                                         </p:tgtEl>
                                         <p:attrNameLst>
                                           <p:attrName>style.visibility</p:attrName>
@@ -38760,7 +40443,7 @@
                                       <p:cBhvr>
                                         <p:cTn id="12" dur="500"/>
                                         <p:tgtEl>
-                                          <p:spTgt spid="50"/>
+                                          <p:spTgt spid="2"/>
                                         </p:tgtEl>
                                       </p:cBhvr>
                                     </p:animEffect>
@@ -38799,7 +40482,7 @@
                                           </p:stCondLst>
                                         </p:cTn>
                                         <p:tgtEl>
-                                          <p:spTgt spid="34"/>
+                                          <p:spTgt spid="8"/>
                                         </p:tgtEl>
                                         <p:attrNameLst>
                                           <p:attrName>style.visibility</p:attrName>
@@ -38813,7 +40496,7 @@
                                       <p:cBhvr>
                                         <p:cTn id="17" dur="500"/>
                                         <p:tgtEl>
-                                          <p:spTgt spid="34"/>
+                                          <p:spTgt spid="8"/>
                                         </p:tgtEl>
                                       </p:cBhvr>
                                     </p:animEffect>
@@ -38852,7 +40535,7 @@
                                           </p:stCondLst>
                                         </p:cTn>
                                         <p:tgtEl>
-                                          <p:spTgt spid="51"/>
+                                          <p:spTgt spid="9"/>
                                         </p:tgtEl>
                                         <p:attrNameLst>
                                           <p:attrName>style.visibility</p:attrName>
@@ -38866,7 +40549,7 @@
                                       <p:cBhvr>
                                         <p:cTn id="22" dur="500"/>
                                         <p:tgtEl>
-                                          <p:spTgt spid="51"/>
+                                          <p:spTgt spid="9"/>
                                         </p:tgtEl>
                                       </p:cBhvr>
                                     </p:animEffect>
@@ -38892,7 +40575,7 @@
                             </p:stCondLst>
                             <p:childTnLst>
                               <p:par>
-                                <p:cTn id="25" presetID="10" presetClass="entr" presetSubtype="0" fill="hold" grpId="0" nodeType="clickEffect">
+                                <p:cTn id="25" presetID="10" presetClass="entr" presetSubtype="0" fill="hold" nodeType="clickEffect">
                                   <p:stCondLst>
                                     <p:cond delay="0"/>
                                   </p:stCondLst>
@@ -38900,6 +40583,59 @@
                                     <p:set>
                                       <p:cBhvr>
                                         <p:cTn id="26" dur="1" fill="hold">
+                                          <p:stCondLst>
+                                            <p:cond delay="0"/>
+                                          </p:stCondLst>
+                                        </p:cTn>
+                                        <p:tgtEl>
+                                          <p:spTgt spid="16"/>
+                                        </p:tgtEl>
+                                        <p:attrNameLst>
+                                          <p:attrName>style.visibility</p:attrName>
+                                        </p:attrNameLst>
+                                      </p:cBhvr>
+                                      <p:to>
+                                        <p:strVal val="visible"/>
+                                      </p:to>
+                                    </p:set>
+                                    <p:animEffect transition="in" filter="fade">
+                                      <p:cBhvr>
+                                        <p:cTn id="27" dur="500"/>
+                                        <p:tgtEl>
+                                          <p:spTgt spid="16"/>
+                                        </p:tgtEl>
+                                      </p:cBhvr>
+                                    </p:animEffect>
+                                  </p:childTnLst>
+                                </p:cTn>
+                              </p:par>
+                            </p:childTnLst>
+                          </p:cTn>
+                        </p:par>
+                      </p:childTnLst>
+                    </p:cTn>
+                  </p:par>
+                  <p:par>
+                    <p:cTn id="28" fill="hold">
+                      <p:stCondLst>
+                        <p:cond delay="indefinite"/>
+                      </p:stCondLst>
+                      <p:childTnLst>
+                        <p:par>
+                          <p:cTn id="29" fill="hold">
+                            <p:stCondLst>
+                              <p:cond delay="0"/>
+                            </p:stCondLst>
+                            <p:childTnLst>
+                              <p:par>
+                                <p:cTn id="30" presetID="10" presetClass="entr" presetSubtype="0" fill="hold" grpId="0" nodeType="clickEffect">
+                                  <p:stCondLst>
+                                    <p:cond delay="0"/>
+                                  </p:stCondLst>
+                                  <p:childTnLst>
+                                    <p:set>
+                                      <p:cBhvr>
+                                        <p:cTn id="31" dur="1" fill="hold">
                                           <p:stCondLst>
                                             <p:cond delay="0"/>
                                           </p:stCondLst>
@@ -38917,7 +40653,7 @@
                                     </p:set>
                                     <p:animEffect transition="in" filter="fade">
                                       <p:cBhvr>
-                                        <p:cTn id="27" dur="500"/>
+                                        <p:cTn id="32" dur="500"/>
                                         <p:tgtEl>
                                           <p:spTgt spid="22"/>
                                         </p:tgtEl>
@@ -38960,7 +40696,7 @@
 </p:sld>
 </file>
 
-<file path=ppt/slides/slide27.xml><?xml version="1.0" encoding="utf-8"?>
+<file path=ppt/slides/slide28.xml><?xml version="1.0" encoding="utf-8"?>
 <p:sld xmlns:a="http://schemas.openxmlformats.org/drawingml/2006/main" xmlns:r="http://schemas.openxmlformats.org/officeDocument/2006/relationships" xmlns:p="http://schemas.openxmlformats.org/presentationml/2006/main">
   <p:cSld>
     <p:spTree>
@@ -39086,7 +40822,7 @@
 </p:sld>
 </file>
 
-<file path=ppt/slides/slide28.xml><?xml version="1.0" encoding="utf-8"?>
+<file path=ppt/slides/slide29.xml><?xml version="1.0" encoding="utf-8"?>
 <p:sld xmlns:a="http://schemas.openxmlformats.org/drawingml/2006/main" xmlns:r="http://schemas.openxmlformats.org/officeDocument/2006/relationships" xmlns:p="http://schemas.openxmlformats.org/presentationml/2006/main">
   <p:cSld>
     <p:spTree>
@@ -39193,7 +40929,7 @@
 </p:sld>
 </file>
 
-<file path=ppt/slides/slide29.xml><?xml version="1.0" encoding="utf-8"?>
+<file path=ppt/slides/slide3.xml><?xml version="1.0" encoding="utf-8"?>
 <p:sld xmlns:a="http://schemas.openxmlformats.org/drawingml/2006/main" xmlns:r="http://schemas.openxmlformats.org/officeDocument/2006/relationships" xmlns:p="http://schemas.openxmlformats.org/presentationml/2006/main">
   <p:cSld>
     <p:spTree>
@@ -39212,10 +40948,10 @@
       </p:grpSpPr>
       <p:sp>
         <p:nvSpPr>
-          <p:cNvPr id="2" name="Titre 1">
+          <p:cNvPr id="13" name="Espace réservé du contenu 12">
             <a:extLst>
               <a:ext uri="{FF2B5EF4-FFF2-40B4-BE49-F238E27FC236}">
-                <a16:creationId xmlns:a16="http://schemas.microsoft.com/office/drawing/2014/main" id="{9B8AEF75-142F-4B6C-9861-985806D8037A}"/>
+                <a16:creationId xmlns:a16="http://schemas.microsoft.com/office/drawing/2014/main" id="{58B1DB4F-32B4-4AB8-BEB9-A286BF20DA39}"/>
               </a:ext>
             </a:extLst>
           </p:cNvPr>
@@ -39223,7 +40959,7 @@
             <a:spLocks noGrp="1"/>
           </p:cNvSpPr>
           <p:nvPr>
-            <p:ph type="ctrTitle"/>
+            <p:ph idx="1"/>
           </p:nvPr>
         </p:nvSpPr>
         <p:spPr/>
@@ -39233,69 +40969,26 @@
           <a:p>
             <a:r>
               <a:rPr lang="en-US" dirty="0"/>
-              <a:t>Those were the essentials of Git</a:t>
+              <a:t>Manage a history of version</a:t>
+            </a:r>
+          </a:p>
+          <a:p>
+            <a:endParaRPr lang="en-US" dirty="0"/>
+          </a:p>
+          <a:p>
+            <a:endParaRPr lang="en-US" dirty="0"/>
+          </a:p>
+          <a:p>
+            <a:endParaRPr lang="en-US" dirty="0"/>
+          </a:p>
+          <a:p>
+            <a:r>
+              <a:rPr lang="en-US" dirty="0"/>
+              <a:t>Sync versions with a team</a:t>
             </a:r>
           </a:p>
         </p:txBody>
       </p:sp>
-      <p:sp>
-        <p:nvSpPr>
-          <p:cNvPr id="3" name="Sous-titre 2">
-            <a:extLst>
-              <a:ext uri="{FF2B5EF4-FFF2-40B4-BE49-F238E27FC236}">
-                <a16:creationId xmlns:a16="http://schemas.microsoft.com/office/drawing/2014/main" id="{0D4A4271-2D57-490E-8007-3C32F0E7454A}"/>
-              </a:ext>
-            </a:extLst>
-          </p:cNvPr>
-          <p:cNvSpPr>
-            <a:spLocks noGrp="1"/>
-          </p:cNvSpPr>
-          <p:nvPr>
-            <p:ph type="subTitle" idx="1"/>
-          </p:nvPr>
-        </p:nvSpPr>
-        <p:spPr/>
-        <p:txBody>
-          <a:bodyPr/>
-          <a:lstStyle/>
-          <a:p>
-            <a:r>
-              <a:rPr lang="en-US" dirty="0"/>
-              <a:t>Thanks for your attention</a:t>
-            </a:r>
-          </a:p>
-        </p:txBody>
-      </p:sp>
-    </p:spTree>
-    <p:extLst>
-      <p:ext uri="{BB962C8B-B14F-4D97-AF65-F5344CB8AC3E}">
-        <p14:creationId xmlns:p14="http://schemas.microsoft.com/office/powerpoint/2010/main" val="750245488"/>
-      </p:ext>
-    </p:extLst>
-  </p:cSld>
-  <p:clrMapOvr>
-    <a:masterClrMapping/>
-  </p:clrMapOvr>
-</p:sld>
-</file>
-
-<file path=ppt/slides/slide3.xml><?xml version="1.0" encoding="utf-8"?>
-<p:sld xmlns:a="http://schemas.openxmlformats.org/drawingml/2006/main" xmlns:r="http://schemas.openxmlformats.org/officeDocument/2006/relationships" xmlns:p="http://schemas.openxmlformats.org/presentationml/2006/main">
-  <p:cSld>
-    <p:spTree>
-      <p:nvGrpSpPr>
-        <p:cNvPr id="1" name=""/>
-        <p:cNvGrpSpPr/>
-        <p:nvPr/>
-      </p:nvGrpSpPr>
-      <p:grpSpPr>
-        <a:xfrm>
-          <a:off x="0" y="0"/>
-          <a:ext cx="0" cy="0"/>
-          <a:chOff x="0" y="0"/>
-          <a:chExt cx="0" cy="0"/>
-        </a:xfrm>
-      </p:grpSpPr>
       <p:sp>
         <p:nvSpPr>
           <p:cNvPr id="4" name="Titre 3">
@@ -39319,50 +41012,7 @@
           <a:p>
             <a:r>
               <a:rPr lang="en-US" dirty="0"/>
-              <a:t>git is a version control system</a:t>
-            </a:r>
-          </a:p>
-        </p:txBody>
-      </p:sp>
-      <p:sp>
-        <p:nvSpPr>
-          <p:cNvPr id="13" name="Espace réservé du contenu 12">
-            <a:extLst>
-              <a:ext uri="{FF2B5EF4-FFF2-40B4-BE49-F238E27FC236}">
-                <a16:creationId xmlns:a16="http://schemas.microsoft.com/office/drawing/2014/main" id="{58B1DB4F-32B4-4AB8-BEB9-A286BF20DA39}"/>
-              </a:ext>
-            </a:extLst>
-          </p:cNvPr>
-          <p:cNvSpPr>
-            <a:spLocks noGrp="1"/>
-          </p:cNvSpPr>
-          <p:nvPr>
-            <p:ph idx="1"/>
-          </p:nvPr>
-        </p:nvSpPr>
-        <p:spPr/>
-        <p:txBody>
-          <a:bodyPr/>
-          <a:lstStyle/>
-          <a:p>
-            <a:r>
-              <a:rPr lang="en-US" dirty="0"/>
-              <a:t>Manage an history of version</a:t>
-            </a:r>
-          </a:p>
-          <a:p>
-            <a:endParaRPr lang="en-US" dirty="0"/>
-          </a:p>
-          <a:p>
-            <a:endParaRPr lang="en-US" dirty="0"/>
-          </a:p>
-          <a:p>
-            <a:endParaRPr lang="en-US" dirty="0"/>
-          </a:p>
-          <a:p>
-            <a:r>
-              <a:rPr lang="en-US" dirty="0"/>
-              <a:t>Sync versions with a team</a:t>
+              <a:t>git is a version control system for code</a:t>
             </a:r>
           </a:p>
         </p:txBody>
@@ -40581,6 +42231,324 @@
   <p:clrMapOvr>
     <a:masterClrMapping/>
   </p:clrMapOvr>
+  <p:timing>
+    <p:tnLst>
+      <p:par>
+        <p:cTn id="1" dur="indefinite" restart="never" nodeType="tmRoot">
+          <p:childTnLst>
+            <p:seq concurrent="1" nextAc="seek">
+              <p:cTn id="2" dur="indefinite" nodeType="mainSeq">
+                <p:childTnLst>
+                  <p:par>
+                    <p:cTn id="3" fill="hold">
+                      <p:stCondLst>
+                        <p:cond delay="indefinite"/>
+                      </p:stCondLst>
+                      <p:childTnLst>
+                        <p:par>
+                          <p:cTn id="4" fill="hold">
+                            <p:stCondLst>
+                              <p:cond delay="0"/>
+                            </p:stCondLst>
+                            <p:childTnLst>
+                              <p:par>
+                                <p:cTn id="5" presetID="10" presetClass="entr" presetSubtype="0" fill="hold" grpId="0" nodeType="clickEffect">
+                                  <p:stCondLst>
+                                    <p:cond delay="0"/>
+                                  </p:stCondLst>
+                                  <p:childTnLst>
+                                    <p:set>
+                                      <p:cBhvr>
+                                        <p:cTn id="6" dur="1" fill="hold">
+                                          <p:stCondLst>
+                                            <p:cond delay="0"/>
+                                          </p:stCondLst>
+                                        </p:cTn>
+                                        <p:tgtEl>
+                                          <p:spTgt spid="13">
+                                            <p:txEl>
+                                              <p:pRg st="0" end="0"/>
+                                            </p:txEl>
+                                          </p:spTgt>
+                                        </p:tgtEl>
+                                        <p:attrNameLst>
+                                          <p:attrName>style.visibility</p:attrName>
+                                        </p:attrNameLst>
+                                      </p:cBhvr>
+                                      <p:to>
+                                        <p:strVal val="visible"/>
+                                      </p:to>
+                                    </p:set>
+                                    <p:animEffect transition="in" filter="fade">
+                                      <p:cBhvr>
+                                        <p:cTn id="7" dur="500"/>
+                                        <p:tgtEl>
+                                          <p:spTgt spid="13">
+                                            <p:txEl>
+                                              <p:pRg st="0" end="0"/>
+                                            </p:txEl>
+                                          </p:spTgt>
+                                        </p:tgtEl>
+                                      </p:cBhvr>
+                                    </p:animEffect>
+                                  </p:childTnLst>
+                                </p:cTn>
+                              </p:par>
+                              <p:par>
+                                <p:cTn id="8" presetID="10" presetClass="entr" presetSubtype="0" fill="hold" nodeType="withEffect">
+                                  <p:stCondLst>
+                                    <p:cond delay="0"/>
+                                  </p:stCondLst>
+                                  <p:childTnLst>
+                                    <p:set>
+                                      <p:cBhvr>
+                                        <p:cTn id="9" dur="1" fill="hold">
+                                          <p:stCondLst>
+                                            <p:cond delay="0"/>
+                                          </p:stCondLst>
+                                        </p:cTn>
+                                        <p:tgtEl>
+                                          <p:spTgt spid="64"/>
+                                        </p:tgtEl>
+                                        <p:attrNameLst>
+                                          <p:attrName>style.visibility</p:attrName>
+                                        </p:attrNameLst>
+                                      </p:cBhvr>
+                                      <p:to>
+                                        <p:strVal val="visible"/>
+                                      </p:to>
+                                    </p:set>
+                                    <p:animEffect transition="in" filter="fade">
+                                      <p:cBhvr>
+                                        <p:cTn id="10" dur="500"/>
+                                        <p:tgtEl>
+                                          <p:spTgt spid="64"/>
+                                        </p:tgtEl>
+                                      </p:cBhvr>
+                                    </p:animEffect>
+                                  </p:childTnLst>
+                                </p:cTn>
+                              </p:par>
+                            </p:childTnLst>
+                          </p:cTn>
+                        </p:par>
+                      </p:childTnLst>
+                    </p:cTn>
+                  </p:par>
+                  <p:par>
+                    <p:cTn id="11" fill="hold">
+                      <p:stCondLst>
+                        <p:cond delay="indefinite"/>
+                      </p:stCondLst>
+                      <p:childTnLst>
+                        <p:par>
+                          <p:cTn id="12" fill="hold">
+                            <p:stCondLst>
+                              <p:cond delay="0"/>
+                            </p:stCondLst>
+                            <p:childTnLst>
+                              <p:par>
+                                <p:cTn id="13" presetID="10" presetClass="entr" presetSubtype="0" fill="hold" grpId="0" nodeType="clickEffect">
+                                  <p:stCondLst>
+                                    <p:cond delay="0"/>
+                                  </p:stCondLst>
+                                  <p:childTnLst>
+                                    <p:set>
+                                      <p:cBhvr>
+                                        <p:cTn id="14" dur="1" fill="hold">
+                                          <p:stCondLst>
+                                            <p:cond delay="0"/>
+                                          </p:stCondLst>
+                                        </p:cTn>
+                                        <p:tgtEl>
+                                          <p:spTgt spid="13">
+                                            <p:txEl>
+                                              <p:pRg st="4" end="4"/>
+                                            </p:txEl>
+                                          </p:spTgt>
+                                        </p:tgtEl>
+                                        <p:attrNameLst>
+                                          <p:attrName>style.visibility</p:attrName>
+                                        </p:attrNameLst>
+                                      </p:cBhvr>
+                                      <p:to>
+                                        <p:strVal val="visible"/>
+                                      </p:to>
+                                    </p:set>
+                                    <p:animEffect transition="in" filter="fade">
+                                      <p:cBhvr>
+                                        <p:cTn id="15" dur="500"/>
+                                        <p:tgtEl>
+                                          <p:spTgt spid="13">
+                                            <p:txEl>
+                                              <p:pRg st="4" end="4"/>
+                                            </p:txEl>
+                                          </p:spTgt>
+                                        </p:tgtEl>
+                                      </p:cBhvr>
+                                    </p:animEffect>
+                                  </p:childTnLst>
+                                </p:cTn>
+                              </p:par>
+                              <p:par>
+                                <p:cTn id="16" presetID="10" presetClass="entr" presetSubtype="0" fill="hold" nodeType="withEffect">
+                                  <p:stCondLst>
+                                    <p:cond delay="0"/>
+                                  </p:stCondLst>
+                                  <p:childTnLst>
+                                    <p:set>
+                                      <p:cBhvr>
+                                        <p:cTn id="17" dur="1" fill="hold">
+                                          <p:stCondLst>
+                                            <p:cond delay="0"/>
+                                          </p:stCondLst>
+                                        </p:cTn>
+                                        <p:tgtEl>
+                                          <p:spTgt spid="63"/>
+                                        </p:tgtEl>
+                                        <p:attrNameLst>
+                                          <p:attrName>style.visibility</p:attrName>
+                                        </p:attrNameLst>
+                                      </p:cBhvr>
+                                      <p:to>
+                                        <p:strVal val="visible"/>
+                                      </p:to>
+                                    </p:set>
+                                    <p:animEffect transition="in" filter="fade">
+                                      <p:cBhvr>
+                                        <p:cTn id="18" dur="500"/>
+                                        <p:tgtEl>
+                                          <p:spTgt spid="63"/>
+                                        </p:tgtEl>
+                                      </p:cBhvr>
+                                    </p:animEffect>
+                                  </p:childTnLst>
+                                </p:cTn>
+                              </p:par>
+                            </p:childTnLst>
+                          </p:cTn>
+                        </p:par>
+                      </p:childTnLst>
+                    </p:cTn>
+                  </p:par>
+                </p:childTnLst>
+              </p:cTn>
+              <p:prevCondLst>
+                <p:cond evt="onPrev" delay="0">
+                  <p:tgtEl>
+                    <p:sldTgt/>
+                  </p:tgtEl>
+                </p:cond>
+              </p:prevCondLst>
+              <p:nextCondLst>
+                <p:cond evt="onNext" delay="0">
+                  <p:tgtEl>
+                    <p:sldTgt/>
+                  </p:tgtEl>
+                </p:cond>
+              </p:nextCondLst>
+            </p:seq>
+          </p:childTnLst>
+        </p:cTn>
+      </p:par>
+    </p:tnLst>
+    <p:bldLst>
+      <p:bldP spid="13" grpId="0" uiExpand="1" build="p"/>
+    </p:bldLst>
+  </p:timing>
+</p:sld>
+</file>
+
+<file path=ppt/slides/slide30.xml><?xml version="1.0" encoding="utf-8"?>
+<p:sld xmlns:a="http://schemas.openxmlformats.org/drawingml/2006/main" xmlns:r="http://schemas.openxmlformats.org/officeDocument/2006/relationships" xmlns:p="http://schemas.openxmlformats.org/presentationml/2006/main">
+  <p:cSld>
+    <p:spTree>
+      <p:nvGrpSpPr>
+        <p:cNvPr id="1" name=""/>
+        <p:cNvGrpSpPr/>
+        <p:nvPr/>
+      </p:nvGrpSpPr>
+      <p:grpSpPr>
+        <a:xfrm>
+          <a:off x="0" y="0"/>
+          <a:ext cx="0" cy="0"/>
+          <a:chOff x="0" y="0"/>
+          <a:chExt cx="0" cy="0"/>
+        </a:xfrm>
+      </p:grpSpPr>
+      <p:sp>
+        <p:nvSpPr>
+          <p:cNvPr id="2" name="Titre 1">
+            <a:extLst>
+              <a:ext uri="{FF2B5EF4-FFF2-40B4-BE49-F238E27FC236}">
+                <a16:creationId xmlns:a16="http://schemas.microsoft.com/office/drawing/2014/main" id="{9B8AEF75-142F-4B6C-9861-985806D8037A}"/>
+              </a:ext>
+            </a:extLst>
+          </p:cNvPr>
+          <p:cNvSpPr>
+            <a:spLocks noGrp="1"/>
+          </p:cNvSpPr>
+          <p:nvPr>
+            <p:ph type="ctrTitle"/>
+          </p:nvPr>
+        </p:nvSpPr>
+        <p:spPr/>
+        <p:txBody>
+          <a:bodyPr/>
+          <a:lstStyle/>
+          <a:p>
+            <a:r>
+              <a:rPr lang="en-US" dirty="0"/>
+              <a:t>Those were</a:t>
+            </a:r>
+            <a:br>
+              <a:rPr lang="en-US" dirty="0"/>
+            </a:br>
+            <a:r>
+              <a:rPr lang="en-US" dirty="0"/>
+              <a:t>the essentials of Git</a:t>
+            </a:r>
+          </a:p>
+        </p:txBody>
+      </p:sp>
+      <p:sp>
+        <p:nvSpPr>
+          <p:cNvPr id="3" name="Sous-titre 2">
+            <a:extLst>
+              <a:ext uri="{FF2B5EF4-FFF2-40B4-BE49-F238E27FC236}">
+                <a16:creationId xmlns:a16="http://schemas.microsoft.com/office/drawing/2014/main" id="{0D4A4271-2D57-490E-8007-3C32F0E7454A}"/>
+              </a:ext>
+            </a:extLst>
+          </p:cNvPr>
+          <p:cNvSpPr>
+            <a:spLocks noGrp="1"/>
+          </p:cNvSpPr>
+          <p:nvPr>
+            <p:ph type="subTitle" idx="1"/>
+          </p:nvPr>
+        </p:nvSpPr>
+        <p:spPr/>
+        <p:txBody>
+          <a:bodyPr/>
+          <a:lstStyle/>
+          <a:p>
+            <a:r>
+              <a:rPr lang="en-US" dirty="0"/>
+              <a:t>Thanks for your attention</a:t>
+            </a:r>
+          </a:p>
+        </p:txBody>
+      </p:sp>
+    </p:spTree>
+    <p:extLst>
+      <p:ext uri="{BB962C8B-B14F-4D97-AF65-F5344CB8AC3E}">
+        <p14:creationId xmlns:p14="http://schemas.microsoft.com/office/powerpoint/2010/main" val="750245488"/>
+      </p:ext>
+    </p:extLst>
+  </p:cSld>
+  <p:clrMapOvr>
+    <a:masterClrMapping/>
+  </p:clrMapOvr>
 </p:sld>
 </file>
 
@@ -40624,7 +42592,14 @@
           <a:p>
             <a:r>
               <a:rPr lang="en-US" dirty="0"/>
-              <a:t>Dropbox is a version control system too</a:t>
+              <a:t>Dropbox or Google Drive are</a:t>
+            </a:r>
+            <a:br>
+              <a:rPr lang="en-US" dirty="0"/>
+            </a:br>
+            <a:r>
+              <a:rPr lang="en-US" dirty="0"/>
+              <a:t>generalist version control systems</a:t>
             </a:r>
           </a:p>
         </p:txBody>
@@ -42307,12 +44282,6 @@
           <a:p>
             <a:r>
               <a:rPr lang="en-US" dirty="0"/>
-              <a:t>What to sync</a:t>
-            </a:r>
-          </a:p>
-          <a:p>
-            <a:r>
-              <a:rPr lang="en-US" dirty="0"/>
               <a:t>From whom to sync</a:t>
             </a:r>
           </a:p>
@@ -42377,7 +44346,7 @@
           <a:p>
             <a:r>
               <a:rPr lang="en-US" dirty="0"/>
-              <a:t>github, </a:t>
+              <a:t>Services like github or </a:t>
             </a:r>
             <a:r>
               <a:rPr lang="en-US" dirty="0" err="1"/>
@@ -42385,7 +44354,7 @@
             </a:r>
             <a:r>
               <a:rPr lang="en-US" dirty="0"/>
-              <a:t>, bitbucket (stash.desy.de) provide central sync servers</a:t>
+              <a:t> provide central sync servers</a:t>
             </a:r>
           </a:p>
         </p:txBody>
@@ -42406,9 +44375,16 @@
             <p:ph sz="half" idx="1"/>
           </p:nvPr>
         </p:nvSpPr>
-        <p:spPr/>
+        <p:spPr>
+          <a:xfrm>
+            <a:off x="838200" y="2281887"/>
+            <a:ext cx="5181600" cy="789808"/>
+          </a:xfrm>
+        </p:spPr>
         <p:txBody>
-          <a:bodyPr/>
+          <a:bodyPr>
+            <a:normAutofit/>
+          </a:bodyPr>
           <a:lstStyle/>
           <a:p>
             <a:pPr marL="0" indent="0">
@@ -42421,7 +44397,9 @@
             <a:r>
               <a:rPr lang="en-US" dirty="0">
                 <a:solidFill>
-                  <a:schemeClr val="accent1"/>
+                  <a:schemeClr val="accent1">
+                    <a:lumMod val="75000"/>
+                  </a:schemeClr>
                 </a:solidFill>
               </a:rPr>
               <a:t>git</a:t>
@@ -42445,9 +44423,16 @@
             <p:ph sz="half" idx="2"/>
           </p:nvPr>
         </p:nvSpPr>
-        <p:spPr/>
+        <p:spPr>
+          <a:xfrm>
+            <a:off x="6172200" y="2281887"/>
+            <a:ext cx="5181600" cy="789808"/>
+          </a:xfrm>
+        </p:spPr>
         <p:txBody>
-          <a:bodyPr/>
+          <a:bodyPr>
+            <a:normAutofit/>
+          </a:bodyPr>
           <a:lstStyle/>
           <a:p>
             <a:pPr marL="0" indent="0">
@@ -42460,7 +44445,9 @@
             <a:r>
               <a:rPr lang="en-US" dirty="0">
                 <a:solidFill>
-                  <a:schemeClr val="accent6"/>
+                  <a:schemeClr val="accent6">
+                    <a:lumMod val="75000"/>
+                  </a:schemeClr>
                 </a:solidFill>
               </a:rPr>
               <a:t>github</a:t>
@@ -42486,7 +44473,7 @@
         </p:nvGrpSpPr>
         <p:grpSpPr>
           <a:xfrm>
-            <a:off x="1724681" y="3429000"/>
+            <a:off x="1680145" y="3353789"/>
             <a:ext cx="3466218" cy="2190129"/>
             <a:chOff x="1688044" y="4334847"/>
             <a:chExt cx="3466218" cy="2190129"/>
@@ -42672,7 +44659,9 @@
             </a:prstGeom>
             <a:ln w="57150">
               <a:solidFill>
-                <a:schemeClr val="accent1"/>
+                <a:schemeClr val="accent1">
+                  <a:lumMod val="75000"/>
+                </a:schemeClr>
               </a:solidFill>
               <a:tailEnd type="triangle"/>
             </a:ln>
@@ -42716,7 +44705,9 @@
             </a:prstGeom>
             <a:ln w="57150">
               <a:solidFill>
-                <a:schemeClr val="accent1"/>
+                <a:schemeClr val="accent1">
+                  <a:lumMod val="75000"/>
+                </a:schemeClr>
               </a:solidFill>
               <a:tailEnd type="triangle"/>
             </a:ln>
@@ -42760,7 +44751,9 @@
             </a:prstGeom>
             <a:ln w="57150">
               <a:solidFill>
-                <a:schemeClr val="accent1"/>
+                <a:schemeClr val="accent1">
+                  <a:lumMod val="75000"/>
+                </a:schemeClr>
               </a:solidFill>
               <a:tailEnd type="triangle"/>
             </a:ln>
@@ -42804,7 +44797,9 @@
             </a:prstGeom>
             <a:ln w="57150">
               <a:solidFill>
-                <a:schemeClr val="accent1"/>
+                <a:schemeClr val="accent1">
+                  <a:lumMod val="75000"/>
+                </a:schemeClr>
               </a:solidFill>
               <a:tailEnd type="triangle"/>
             </a:ln>
@@ -42848,7 +44843,9 @@
             </a:prstGeom>
             <a:ln w="57150">
               <a:solidFill>
-                <a:schemeClr val="accent1"/>
+                <a:schemeClr val="accent1">
+                  <a:lumMod val="75000"/>
+                </a:schemeClr>
               </a:solidFill>
               <a:tailEnd type="triangle"/>
             </a:ln>
@@ -42892,7 +44889,9 @@
             </a:prstGeom>
             <a:ln w="57150">
               <a:solidFill>
-                <a:schemeClr val="accent1"/>
+                <a:schemeClr val="accent1">
+                  <a:lumMod val="75000"/>
+                </a:schemeClr>
               </a:solidFill>
               <a:tailEnd type="triangle"/>
             </a:ln>
@@ -42936,7 +44935,9 @@
             </a:prstGeom>
             <a:ln w="57150">
               <a:solidFill>
-                <a:schemeClr val="accent1"/>
+                <a:schemeClr val="accent1">
+                  <a:lumMod val="75000"/>
+                </a:schemeClr>
               </a:solidFill>
               <a:tailEnd type="triangle"/>
             </a:ln>
@@ -42980,7 +44981,9 @@
             </a:prstGeom>
             <a:ln w="57150">
               <a:solidFill>
-                <a:schemeClr val="accent1"/>
+                <a:schemeClr val="accent1">
+                  <a:lumMod val="75000"/>
+                </a:schemeClr>
               </a:solidFill>
               <a:tailEnd type="triangle"/>
             </a:ln>
@@ -43024,7 +45027,9 @@
             </a:prstGeom>
             <a:ln w="57150">
               <a:solidFill>
-                <a:schemeClr val="accent1"/>
+                <a:schemeClr val="accent1">
+                  <a:lumMod val="75000"/>
+                </a:schemeClr>
               </a:solidFill>
               <a:tailEnd type="triangle"/>
             </a:ln>
@@ -43068,7 +45073,9 @@
             </a:prstGeom>
             <a:ln w="57150">
               <a:solidFill>
-                <a:schemeClr val="accent1"/>
+                <a:schemeClr val="accent1">
+                  <a:lumMod val="75000"/>
+                </a:schemeClr>
               </a:solidFill>
               <a:tailEnd type="triangle"/>
             </a:ln>
@@ -43089,6 +45096,1393 @@
           </p:style>
         </p:cxnSp>
       </p:grpSp>
+      <p:grpSp>
+        <p:nvGrpSpPr>
+          <p:cNvPr id="47" name="Groupe 46">
+            <a:extLst>
+              <a:ext uri="{FF2B5EF4-FFF2-40B4-BE49-F238E27FC236}">
+                <a16:creationId xmlns:a16="http://schemas.microsoft.com/office/drawing/2014/main" id="{CB52810D-5D78-4EEB-B925-4F9FD4F2088B}"/>
+              </a:ext>
+            </a:extLst>
+          </p:cNvPr>
+          <p:cNvGrpSpPr/>
+          <p:nvPr/>
+        </p:nvGrpSpPr>
+        <p:grpSpPr>
+          <a:xfrm>
+            <a:off x="7360383" y="2874118"/>
+            <a:ext cx="3993417" cy="3034450"/>
+            <a:chOff x="7012136" y="2392658"/>
+            <a:chExt cx="3993417" cy="3034450"/>
+          </a:xfrm>
+        </p:grpSpPr>
+        <p:pic>
+          <p:nvPicPr>
+            <p:cNvPr id="22" name="Espace réservé du contenu 6" descr="Profil femelle avec un remplissage uni">
+              <a:extLst>
+                <a:ext uri="{FF2B5EF4-FFF2-40B4-BE49-F238E27FC236}">
+                  <a16:creationId xmlns:a16="http://schemas.microsoft.com/office/drawing/2014/main" id="{7CA0BB53-15B6-41E4-997D-489C033ECCA8}"/>
+                </a:ext>
+              </a:extLst>
+            </p:cNvPr>
+            <p:cNvPicPr>
+              <a:picLocks noChangeAspect="1"/>
+            </p:cNvPicPr>
+            <p:nvPr/>
+          </p:nvPicPr>
+          <p:blipFill>
+            <a:blip r:embed="rId2">
+              <a:extLst>
+                <a:ext uri="{28A0092B-C50C-407E-A947-70E740481C1C}">
+                  <a14:useLocalDpi xmlns:a14="http://schemas.microsoft.com/office/drawing/2010/main" val="0"/>
+                </a:ext>
+                <a:ext uri="{96DAC541-7B7A-43D3-8B79-37D633B846F1}">
+                  <asvg:svgBlip xmlns:asvg="http://schemas.microsoft.com/office/drawing/2016/SVG/main" r:embed="rId3"/>
+                </a:ext>
+              </a:extLst>
+            </a:blip>
+            <a:stretch>
+              <a:fillRect/>
+            </a:stretch>
+          </p:blipFill>
+          <p:spPr>
+            <a:xfrm>
+              <a:off x="7029508" y="4635964"/>
+              <a:ext cx="685886" cy="685886"/>
+            </a:xfrm>
+            <a:prstGeom prst="rect">
+              <a:avLst/>
+            </a:prstGeom>
+          </p:spPr>
+        </p:pic>
+        <p:pic>
+          <p:nvPicPr>
+            <p:cNvPr id="23" name="Graphique 22" descr="Profil mâle avec un remplissage uni">
+              <a:extLst>
+                <a:ext uri="{FF2B5EF4-FFF2-40B4-BE49-F238E27FC236}">
+                  <a16:creationId xmlns:a16="http://schemas.microsoft.com/office/drawing/2014/main" id="{76B17270-5DEE-4DC6-A503-4B7F156ACEF5}"/>
+                </a:ext>
+              </a:extLst>
+            </p:cNvPr>
+            <p:cNvPicPr>
+              <a:picLocks noChangeAspect="1"/>
+            </p:cNvPicPr>
+            <p:nvPr/>
+          </p:nvPicPr>
+          <p:blipFill>
+            <a:blip r:embed="rId4">
+              <a:extLst>
+                <a:ext uri="{28A0092B-C50C-407E-A947-70E740481C1C}">
+                  <a14:useLocalDpi xmlns:a14="http://schemas.microsoft.com/office/drawing/2010/main" val="0"/>
+                </a:ext>
+                <a:ext uri="{96DAC541-7B7A-43D3-8B79-37D633B846F1}">
+                  <asvg:svgBlip xmlns:asvg="http://schemas.microsoft.com/office/drawing/2016/SVG/main" r:embed="rId5"/>
+                </a:ext>
+              </a:extLst>
+            </a:blip>
+            <a:stretch>
+              <a:fillRect/>
+            </a:stretch>
+          </p:blipFill>
+          <p:spPr>
+            <a:xfrm>
+              <a:off x="7012136" y="2606922"/>
+              <a:ext cx="685886" cy="685886"/>
+            </a:xfrm>
+            <a:prstGeom prst="rect">
+              <a:avLst/>
+            </a:prstGeom>
+          </p:spPr>
+        </p:pic>
+        <p:pic>
+          <p:nvPicPr>
+            <p:cNvPr id="24" name="Graphique 23" descr="Profil mâle avec un remplissage uni">
+              <a:extLst>
+                <a:ext uri="{FF2B5EF4-FFF2-40B4-BE49-F238E27FC236}">
+                  <a16:creationId xmlns:a16="http://schemas.microsoft.com/office/drawing/2014/main" id="{D460C8DC-B99C-47ED-9F59-7FF53BB9F31F}"/>
+                </a:ext>
+              </a:extLst>
+            </p:cNvPr>
+            <p:cNvPicPr>
+              <a:picLocks noChangeAspect="1"/>
+            </p:cNvPicPr>
+            <p:nvPr/>
+          </p:nvPicPr>
+          <p:blipFill>
+            <a:blip r:embed="rId4">
+              <a:extLst>
+                <a:ext uri="{28A0092B-C50C-407E-A947-70E740481C1C}">
+                  <a14:useLocalDpi xmlns:a14="http://schemas.microsoft.com/office/drawing/2010/main" val="0"/>
+                </a:ext>
+                <a:ext uri="{96DAC541-7B7A-43D3-8B79-37D633B846F1}">
+                  <asvg:svgBlip xmlns:asvg="http://schemas.microsoft.com/office/drawing/2016/SVG/main" r:embed="rId5"/>
+                </a:ext>
+              </a:extLst>
+            </a:blip>
+            <a:stretch>
+              <a:fillRect/>
+            </a:stretch>
+          </p:blipFill>
+          <p:spPr>
+            <a:xfrm>
+              <a:off x="10319667" y="4741222"/>
+              <a:ext cx="685886" cy="685886"/>
+            </a:xfrm>
+            <a:prstGeom prst="rect">
+              <a:avLst/>
+            </a:prstGeom>
+          </p:spPr>
+        </p:pic>
+        <p:pic>
+          <p:nvPicPr>
+            <p:cNvPr id="25" name="Graphique 24" descr="Profil mâle avec un remplissage uni">
+              <a:extLst>
+                <a:ext uri="{FF2B5EF4-FFF2-40B4-BE49-F238E27FC236}">
+                  <a16:creationId xmlns:a16="http://schemas.microsoft.com/office/drawing/2014/main" id="{784AD528-58EF-4A56-BD73-0EEB8E30A0B1}"/>
+                </a:ext>
+              </a:extLst>
+            </p:cNvPr>
+            <p:cNvPicPr>
+              <a:picLocks noChangeAspect="1"/>
+            </p:cNvPicPr>
+            <p:nvPr/>
+          </p:nvPicPr>
+          <p:blipFill>
+            <a:blip r:embed="rId4">
+              <a:extLst>
+                <a:ext uri="{28A0092B-C50C-407E-A947-70E740481C1C}">
+                  <a14:useLocalDpi xmlns:a14="http://schemas.microsoft.com/office/drawing/2010/main" val="0"/>
+                </a:ext>
+                <a:ext uri="{96DAC541-7B7A-43D3-8B79-37D633B846F1}">
+                  <asvg:svgBlip xmlns:asvg="http://schemas.microsoft.com/office/drawing/2016/SVG/main" r:embed="rId5"/>
+                </a:ext>
+              </a:extLst>
+            </a:blip>
+            <a:stretch>
+              <a:fillRect/>
+            </a:stretch>
+          </p:blipFill>
+          <p:spPr>
+            <a:xfrm>
+              <a:off x="9562528" y="2392658"/>
+              <a:ext cx="685886" cy="685886"/>
+            </a:xfrm>
+            <a:prstGeom prst="rect">
+              <a:avLst/>
+            </a:prstGeom>
+          </p:spPr>
+        </p:pic>
+        <p:cxnSp>
+          <p:nvCxnSpPr>
+            <p:cNvPr id="26" name="Connecteur droit avec flèche 25">
+              <a:extLst>
+                <a:ext uri="{FF2B5EF4-FFF2-40B4-BE49-F238E27FC236}">
+                  <a16:creationId xmlns:a16="http://schemas.microsoft.com/office/drawing/2014/main" id="{6DAABCC6-94FA-4CBF-B5BD-3B65680AFF20}"/>
+                </a:ext>
+              </a:extLst>
+            </p:cNvPr>
+            <p:cNvCxnSpPr>
+              <a:cxnSpLocks/>
+            </p:cNvCxnSpPr>
+            <p:nvPr/>
+          </p:nvCxnSpPr>
+          <p:spPr>
+            <a:xfrm flipV="1">
+              <a:off x="7637380" y="4301082"/>
+              <a:ext cx="635882" cy="485808"/>
+            </a:xfrm>
+            <a:prstGeom prst="straightConnector1">
+              <a:avLst/>
+            </a:prstGeom>
+            <a:ln w="57150">
+              <a:solidFill>
+                <a:schemeClr val="accent1">
+                  <a:lumMod val="75000"/>
+                </a:schemeClr>
+              </a:solidFill>
+              <a:tailEnd type="triangle"/>
+            </a:ln>
+          </p:spPr>
+          <p:style>
+            <a:lnRef idx="1">
+              <a:schemeClr val="accent1"/>
+            </a:lnRef>
+            <a:fillRef idx="0">
+              <a:schemeClr val="accent1"/>
+            </a:fillRef>
+            <a:effectRef idx="0">
+              <a:schemeClr val="accent1"/>
+            </a:effectRef>
+            <a:fontRef idx="minor">
+              <a:schemeClr val="tx1"/>
+            </a:fontRef>
+          </p:style>
+        </p:cxnSp>
+        <p:cxnSp>
+          <p:nvCxnSpPr>
+            <p:cNvPr id="27" name="Connecteur droit avec flèche 26">
+              <a:extLst>
+                <a:ext uri="{FF2B5EF4-FFF2-40B4-BE49-F238E27FC236}">
+                  <a16:creationId xmlns:a16="http://schemas.microsoft.com/office/drawing/2014/main" id="{B54F587F-CCD2-45EC-8DF8-EBF1F6615B12}"/>
+                </a:ext>
+              </a:extLst>
+            </p:cNvPr>
+            <p:cNvCxnSpPr>
+              <a:cxnSpLocks/>
+            </p:cNvCxnSpPr>
+            <p:nvPr/>
+          </p:nvCxnSpPr>
+          <p:spPr>
+            <a:xfrm flipH="1">
+              <a:off x="7715685" y="4440024"/>
+              <a:ext cx="654999" cy="500413"/>
+            </a:xfrm>
+            <a:prstGeom prst="straightConnector1">
+              <a:avLst/>
+            </a:prstGeom>
+            <a:ln w="57150">
+              <a:solidFill>
+                <a:schemeClr val="accent1">
+                  <a:lumMod val="75000"/>
+                </a:schemeClr>
+              </a:solidFill>
+              <a:tailEnd type="triangle"/>
+            </a:ln>
+          </p:spPr>
+          <p:style>
+            <a:lnRef idx="1">
+              <a:schemeClr val="accent1"/>
+            </a:lnRef>
+            <a:fillRef idx="0">
+              <a:schemeClr val="accent1"/>
+            </a:fillRef>
+            <a:effectRef idx="0">
+              <a:schemeClr val="accent1"/>
+            </a:effectRef>
+            <a:fontRef idx="minor">
+              <a:schemeClr val="tx1"/>
+            </a:fontRef>
+          </p:style>
+        </p:cxnSp>
+        <p:cxnSp>
+          <p:nvCxnSpPr>
+            <p:cNvPr id="28" name="Connecteur droit avec flèche 27">
+              <a:extLst>
+                <a:ext uri="{FF2B5EF4-FFF2-40B4-BE49-F238E27FC236}">
+                  <a16:creationId xmlns:a16="http://schemas.microsoft.com/office/drawing/2014/main" id="{B2230A73-73C1-4B6A-951D-B4960C23DB41}"/>
+                </a:ext>
+              </a:extLst>
+            </p:cNvPr>
+            <p:cNvCxnSpPr>
+              <a:cxnSpLocks/>
+            </p:cNvCxnSpPr>
+            <p:nvPr/>
+          </p:nvCxnSpPr>
+          <p:spPr>
+            <a:xfrm>
+              <a:off x="9292764" y="4489728"/>
+              <a:ext cx="965661" cy="568047"/>
+            </a:xfrm>
+            <a:prstGeom prst="straightConnector1">
+              <a:avLst/>
+            </a:prstGeom>
+            <a:ln w="57150">
+              <a:solidFill>
+                <a:schemeClr val="accent1">
+                  <a:lumMod val="75000"/>
+                </a:schemeClr>
+              </a:solidFill>
+              <a:tailEnd type="triangle"/>
+            </a:ln>
+          </p:spPr>
+          <p:style>
+            <a:lnRef idx="1">
+              <a:schemeClr val="accent1"/>
+            </a:lnRef>
+            <a:fillRef idx="0">
+              <a:schemeClr val="accent1"/>
+            </a:fillRef>
+            <a:effectRef idx="0">
+              <a:schemeClr val="accent1"/>
+            </a:effectRef>
+            <a:fontRef idx="minor">
+              <a:schemeClr val="tx1"/>
+            </a:fontRef>
+          </p:style>
+        </p:cxnSp>
+        <p:cxnSp>
+          <p:nvCxnSpPr>
+            <p:cNvPr id="29" name="Connecteur droit avec flèche 28">
+              <a:extLst>
+                <a:ext uri="{FF2B5EF4-FFF2-40B4-BE49-F238E27FC236}">
+                  <a16:creationId xmlns:a16="http://schemas.microsoft.com/office/drawing/2014/main" id="{3A33E3BD-7957-4D61-AD7C-4C7ADEA599C0}"/>
+                </a:ext>
+              </a:extLst>
+            </p:cNvPr>
+            <p:cNvCxnSpPr>
+              <a:cxnSpLocks/>
+            </p:cNvCxnSpPr>
+            <p:nvPr/>
+          </p:nvCxnSpPr>
+          <p:spPr>
+            <a:xfrm flipH="1" flipV="1">
+              <a:off x="9368297" y="4273040"/>
+              <a:ext cx="1028640" cy="595590"/>
+            </a:xfrm>
+            <a:prstGeom prst="straightConnector1">
+              <a:avLst/>
+            </a:prstGeom>
+            <a:ln w="57150">
+              <a:solidFill>
+                <a:schemeClr val="accent1">
+                  <a:lumMod val="75000"/>
+                </a:schemeClr>
+              </a:solidFill>
+              <a:tailEnd type="triangle"/>
+            </a:ln>
+          </p:spPr>
+          <p:style>
+            <a:lnRef idx="1">
+              <a:schemeClr val="accent1"/>
+            </a:lnRef>
+            <a:fillRef idx="0">
+              <a:schemeClr val="accent1"/>
+            </a:fillRef>
+            <a:effectRef idx="0">
+              <a:schemeClr val="accent1"/>
+            </a:effectRef>
+            <a:fontRef idx="minor">
+              <a:schemeClr val="tx1"/>
+            </a:fontRef>
+          </p:style>
+        </p:cxnSp>
+        <p:cxnSp>
+          <p:nvCxnSpPr>
+            <p:cNvPr id="30" name="Connecteur droit avec flèche 29">
+              <a:extLst>
+                <a:ext uri="{FF2B5EF4-FFF2-40B4-BE49-F238E27FC236}">
+                  <a16:creationId xmlns:a16="http://schemas.microsoft.com/office/drawing/2014/main" id="{AAE9477A-04AF-44C0-8927-77C7C1B39CFC}"/>
+                </a:ext>
+              </a:extLst>
+            </p:cNvPr>
+            <p:cNvCxnSpPr>
+              <a:cxnSpLocks/>
+            </p:cNvCxnSpPr>
+            <p:nvPr/>
+          </p:nvCxnSpPr>
+          <p:spPr>
+            <a:xfrm flipV="1">
+              <a:off x="9275636" y="3091872"/>
+              <a:ext cx="582511" cy="696799"/>
+            </a:xfrm>
+            <a:prstGeom prst="straightConnector1">
+              <a:avLst/>
+            </a:prstGeom>
+            <a:ln w="57150">
+              <a:solidFill>
+                <a:schemeClr val="accent1">
+                  <a:lumMod val="75000"/>
+                </a:schemeClr>
+              </a:solidFill>
+              <a:tailEnd type="triangle"/>
+            </a:ln>
+          </p:spPr>
+          <p:style>
+            <a:lnRef idx="1">
+              <a:schemeClr val="accent1"/>
+            </a:lnRef>
+            <a:fillRef idx="0">
+              <a:schemeClr val="accent1"/>
+            </a:fillRef>
+            <a:effectRef idx="0">
+              <a:schemeClr val="accent1"/>
+            </a:effectRef>
+            <a:fontRef idx="minor">
+              <a:schemeClr val="tx1"/>
+            </a:fontRef>
+          </p:style>
+        </p:cxnSp>
+        <p:cxnSp>
+          <p:nvCxnSpPr>
+            <p:cNvPr id="31" name="Connecteur droit avec flèche 30">
+              <a:extLst>
+                <a:ext uri="{FF2B5EF4-FFF2-40B4-BE49-F238E27FC236}">
+                  <a16:creationId xmlns:a16="http://schemas.microsoft.com/office/drawing/2014/main" id="{C5E07A42-82CC-4984-A95B-C5A2DD8E1F3A}"/>
+                </a:ext>
+              </a:extLst>
+            </p:cNvPr>
+            <p:cNvCxnSpPr>
+              <a:cxnSpLocks/>
+            </p:cNvCxnSpPr>
+            <p:nvPr/>
+          </p:nvCxnSpPr>
+          <p:spPr>
+            <a:xfrm flipH="1">
+              <a:off x="9081181" y="3057918"/>
+              <a:ext cx="574233" cy="689028"/>
+            </a:xfrm>
+            <a:prstGeom prst="straightConnector1">
+              <a:avLst/>
+            </a:prstGeom>
+            <a:ln w="57150">
+              <a:solidFill>
+                <a:schemeClr val="accent1">
+                  <a:lumMod val="75000"/>
+                </a:schemeClr>
+              </a:solidFill>
+              <a:tailEnd type="triangle"/>
+            </a:ln>
+          </p:spPr>
+          <p:style>
+            <a:lnRef idx="1">
+              <a:schemeClr val="accent1"/>
+            </a:lnRef>
+            <a:fillRef idx="0">
+              <a:schemeClr val="accent1"/>
+            </a:fillRef>
+            <a:effectRef idx="0">
+              <a:schemeClr val="accent1"/>
+            </a:effectRef>
+            <a:fontRef idx="minor">
+              <a:schemeClr val="tx1"/>
+            </a:fontRef>
+          </p:style>
+        </p:cxnSp>
+        <p:cxnSp>
+          <p:nvCxnSpPr>
+            <p:cNvPr id="32" name="Connecteur droit avec flèche 31">
+              <a:extLst>
+                <a:ext uri="{FF2B5EF4-FFF2-40B4-BE49-F238E27FC236}">
+                  <a16:creationId xmlns:a16="http://schemas.microsoft.com/office/drawing/2014/main" id="{3854C680-7665-4468-9AAD-C8BCC9DA9726}"/>
+                </a:ext>
+              </a:extLst>
+            </p:cNvPr>
+            <p:cNvCxnSpPr>
+              <a:cxnSpLocks/>
+            </p:cNvCxnSpPr>
+            <p:nvPr/>
+          </p:nvCxnSpPr>
+          <p:spPr>
+            <a:xfrm flipH="1" flipV="1">
+              <a:off x="7689453" y="3134883"/>
+              <a:ext cx="798728" cy="549539"/>
+            </a:xfrm>
+            <a:prstGeom prst="straightConnector1">
+              <a:avLst/>
+            </a:prstGeom>
+            <a:ln w="57150">
+              <a:solidFill>
+                <a:schemeClr val="accent1">
+                  <a:lumMod val="75000"/>
+                </a:schemeClr>
+              </a:solidFill>
+              <a:tailEnd type="triangle"/>
+            </a:ln>
+          </p:spPr>
+          <p:style>
+            <a:lnRef idx="1">
+              <a:schemeClr val="accent1"/>
+            </a:lnRef>
+            <a:fillRef idx="0">
+              <a:schemeClr val="accent1"/>
+            </a:fillRef>
+            <a:effectRef idx="0">
+              <a:schemeClr val="accent1"/>
+            </a:effectRef>
+            <a:fontRef idx="minor">
+              <a:schemeClr val="tx1"/>
+            </a:fontRef>
+          </p:style>
+        </p:cxnSp>
+        <p:cxnSp>
+          <p:nvCxnSpPr>
+            <p:cNvPr id="33" name="Connecteur droit avec flèche 32">
+              <a:extLst>
+                <a:ext uri="{FF2B5EF4-FFF2-40B4-BE49-F238E27FC236}">
+                  <a16:creationId xmlns:a16="http://schemas.microsoft.com/office/drawing/2014/main" id="{DC79C42A-9345-4AD9-8B6D-33D70C1F6EA4}"/>
+                </a:ext>
+              </a:extLst>
+            </p:cNvPr>
+            <p:cNvCxnSpPr>
+              <a:cxnSpLocks/>
+            </p:cNvCxnSpPr>
+            <p:nvPr/>
+          </p:nvCxnSpPr>
+          <p:spPr>
+            <a:xfrm>
+              <a:off x="7606188" y="3274092"/>
+              <a:ext cx="737497" cy="504215"/>
+            </a:xfrm>
+            <a:prstGeom prst="straightConnector1">
+              <a:avLst/>
+            </a:prstGeom>
+            <a:ln w="57150">
+              <a:solidFill>
+                <a:schemeClr val="accent1">
+                  <a:lumMod val="75000"/>
+                </a:schemeClr>
+              </a:solidFill>
+              <a:tailEnd type="triangle"/>
+            </a:ln>
+          </p:spPr>
+          <p:style>
+            <a:lnRef idx="1">
+              <a:schemeClr val="accent1"/>
+            </a:lnRef>
+            <a:fillRef idx="0">
+              <a:schemeClr val="accent1"/>
+            </a:fillRef>
+            <a:effectRef idx="0">
+              <a:schemeClr val="accent1"/>
+            </a:effectRef>
+            <a:fontRef idx="minor">
+              <a:schemeClr val="tx1"/>
+            </a:fontRef>
+          </p:style>
+        </p:cxnSp>
+        <p:pic>
+          <p:nvPicPr>
+            <p:cNvPr id="37" name="Graphique 36" descr="Ordinateur avec un remplissage uni">
+              <a:extLst>
+                <a:ext uri="{FF2B5EF4-FFF2-40B4-BE49-F238E27FC236}">
+                  <a16:creationId xmlns:a16="http://schemas.microsoft.com/office/drawing/2014/main" id="{31C7F12D-C75C-4A87-A5AD-C58221C84D72}"/>
+                </a:ext>
+              </a:extLst>
+            </p:cNvPr>
+            <p:cNvPicPr>
+              <a:picLocks noChangeAspect="1"/>
+            </p:cNvPicPr>
+            <p:nvPr/>
+          </p:nvPicPr>
+          <p:blipFill>
+            <a:blip r:embed="rId6">
+              <a:extLst>
+                <a:ext uri="{28A0092B-C50C-407E-A947-70E740481C1C}">
+                  <a14:useLocalDpi xmlns:a14="http://schemas.microsoft.com/office/drawing/2010/main" val="0"/>
+                </a:ext>
+                <a:ext uri="{96DAC541-7B7A-43D3-8B79-37D633B846F1}">
+                  <asvg:svgBlip xmlns:asvg="http://schemas.microsoft.com/office/drawing/2016/SVG/main" r:embed="rId7"/>
+                </a:ext>
+              </a:extLst>
+            </a:blip>
+            <a:stretch>
+              <a:fillRect/>
+            </a:stretch>
+          </p:blipFill>
+          <p:spPr>
+            <a:xfrm>
+              <a:off x="8343685" y="3647128"/>
+              <a:ext cx="914400" cy="914400"/>
+            </a:xfrm>
+            <a:prstGeom prst="rect">
+              <a:avLst/>
+            </a:prstGeom>
+          </p:spPr>
+        </p:pic>
+      </p:grpSp>
+    </p:spTree>
+    <p:extLst>
+      <p:ext uri="{BB962C8B-B14F-4D97-AF65-F5344CB8AC3E}">
+        <p14:creationId xmlns:p14="http://schemas.microsoft.com/office/powerpoint/2010/main" val="2893361496"/>
+      </p:ext>
+    </p:extLst>
+  </p:cSld>
+  <p:clrMapOvr>
+    <a:masterClrMapping/>
+  </p:clrMapOvr>
+</p:sld>
+</file>
+
+<file path=ppt/slides/slide7.xml><?xml version="1.0" encoding="utf-8"?>
+<p:sld xmlns:a="http://schemas.openxmlformats.org/drawingml/2006/main" xmlns:r="http://schemas.openxmlformats.org/officeDocument/2006/relationships" xmlns:p="http://schemas.openxmlformats.org/presentationml/2006/main">
+  <p:cSld>
+    <p:spTree>
+      <p:nvGrpSpPr>
+        <p:cNvPr id="1" name=""/>
+        <p:cNvGrpSpPr/>
+        <p:nvPr/>
+      </p:nvGrpSpPr>
+      <p:grpSpPr>
+        <a:xfrm>
+          <a:off x="0" y="0"/>
+          <a:ext cx="0" cy="0"/>
+          <a:chOff x="0" y="0"/>
+          <a:chExt cx="0" cy="0"/>
+        </a:xfrm>
+      </p:grpSpPr>
+      <p:sp>
+        <p:nvSpPr>
+          <p:cNvPr id="73" name="Rectangle : coins arrondis 72">
+            <a:extLst>
+              <a:ext uri="{FF2B5EF4-FFF2-40B4-BE49-F238E27FC236}">
+                <a16:creationId xmlns:a16="http://schemas.microsoft.com/office/drawing/2014/main" id="{4A57512E-5CAF-C1A2-C9CF-907ADC2B6BA6}"/>
+              </a:ext>
+            </a:extLst>
+          </p:cNvPr>
+          <p:cNvSpPr/>
+          <p:nvPr/>
+        </p:nvSpPr>
+        <p:spPr>
+          <a:xfrm>
+            <a:off x="6847840" y="2661920"/>
+            <a:ext cx="4602480" cy="4139832"/>
+          </a:xfrm>
+          <a:prstGeom prst="roundRect">
+            <a:avLst/>
+          </a:prstGeom>
+          <a:solidFill>
+            <a:schemeClr val="accent4">
+              <a:lumMod val="20000"/>
+              <a:lumOff val="80000"/>
+            </a:schemeClr>
+          </a:solidFill>
+          <a:ln w="57150">
+            <a:solidFill>
+              <a:schemeClr val="accent4">
+                <a:lumMod val="50000"/>
+              </a:schemeClr>
+            </a:solidFill>
+          </a:ln>
+        </p:spPr>
+        <p:style>
+          <a:lnRef idx="2">
+            <a:schemeClr val="accent1">
+              <a:shade val="50000"/>
+            </a:schemeClr>
+          </a:lnRef>
+          <a:fillRef idx="1">
+            <a:schemeClr val="accent1"/>
+          </a:fillRef>
+          <a:effectRef idx="0">
+            <a:schemeClr val="accent1"/>
+          </a:effectRef>
+          <a:fontRef idx="minor">
+            <a:schemeClr val="lt1"/>
+          </a:fontRef>
+        </p:style>
+        <p:txBody>
+          <a:bodyPr rtlCol="0" anchor="ctr"/>
+          <a:lstStyle/>
+          <a:p>
+            <a:pPr algn="ctr"/>
+            <a:endParaRPr lang="en-US">
+              <a:solidFill>
+                <a:schemeClr val="accent1">
+                  <a:lumMod val="50000"/>
+                </a:schemeClr>
+              </a:solidFill>
+            </a:endParaRPr>
+          </a:p>
+        </p:txBody>
+      </p:sp>
+      <p:sp>
+        <p:nvSpPr>
+          <p:cNvPr id="46" name="Espace réservé du contenu 45">
+            <a:extLst>
+              <a:ext uri="{FF2B5EF4-FFF2-40B4-BE49-F238E27FC236}">
+                <a16:creationId xmlns:a16="http://schemas.microsoft.com/office/drawing/2014/main" id="{B5099B07-EC90-E499-5B42-0089AE7F984B}"/>
+              </a:ext>
+            </a:extLst>
+          </p:cNvPr>
+          <p:cNvSpPr>
+            <a:spLocks noGrp="1"/>
+          </p:cNvSpPr>
+          <p:nvPr>
+            <p:ph sz="half" idx="1"/>
+          </p:nvPr>
+        </p:nvSpPr>
+        <p:spPr>
+          <a:xfrm>
+            <a:off x="838199" y="1825625"/>
+            <a:ext cx="5709215" cy="4351338"/>
+          </a:xfrm>
+        </p:spPr>
+        <p:txBody>
+          <a:bodyPr/>
+          <a:lstStyle/>
+          <a:p>
+            <a:pPr marL="514350" indent="-514350">
+              <a:buAutoNum type="arabicPeriod"/>
+            </a:pPr>
+            <a:r>
+              <a:rPr lang="en-US" dirty="0">
+                <a:solidFill>
+                  <a:schemeClr val="accent1">
+                    <a:lumMod val="75000"/>
+                  </a:schemeClr>
+                </a:solidFill>
+              </a:rPr>
+              <a:t>Manage an history of version</a:t>
+            </a:r>
+          </a:p>
+          <a:p>
+            <a:pPr marL="514350" indent="-514350">
+              <a:buAutoNum type="arabicPeriod"/>
+            </a:pPr>
+            <a:endParaRPr lang="en-US" dirty="0"/>
+          </a:p>
+          <a:p>
+            <a:pPr marL="514350" indent="-514350">
+              <a:buAutoNum type="arabicPeriod"/>
+            </a:pPr>
+            <a:endParaRPr lang="en-US" dirty="0"/>
+          </a:p>
+          <a:p>
+            <a:pPr marL="514350" indent="-514350">
+              <a:buAutoNum type="arabicPeriod"/>
+            </a:pPr>
+            <a:endParaRPr lang="en-US" dirty="0"/>
+          </a:p>
+          <a:p>
+            <a:pPr marL="514350" indent="-514350">
+              <a:buFont typeface="Arial" panose="020B0604020202020204" pitchFamily="34" charset="0"/>
+              <a:buAutoNum type="arabicPeriod"/>
+            </a:pPr>
+            <a:r>
+              <a:rPr lang="en-US" dirty="0">
+                <a:solidFill>
+                  <a:schemeClr val="accent6">
+                    <a:lumMod val="75000"/>
+                  </a:schemeClr>
+                </a:solidFill>
+              </a:rPr>
+              <a:t>Sync versions with a server</a:t>
+            </a:r>
+          </a:p>
+          <a:p>
+            <a:pPr marL="514350" indent="-514350">
+              <a:buAutoNum type="arabicPeriod"/>
+            </a:pPr>
+            <a:endParaRPr lang="en-US" dirty="0"/>
+          </a:p>
+          <a:p>
+            <a:pPr marL="514350" indent="-514350">
+              <a:buAutoNum type="arabicPeriod"/>
+            </a:pPr>
+            <a:endParaRPr lang="en-US" dirty="0"/>
+          </a:p>
+          <a:p>
+            <a:pPr marL="514350" indent="-514350">
+              <a:buAutoNum type="arabicPeriod"/>
+            </a:pPr>
+            <a:r>
+              <a:rPr lang="en-US" dirty="0">
+                <a:solidFill>
+                  <a:schemeClr val="accent4">
+                    <a:lumMod val="50000"/>
+                  </a:schemeClr>
+                </a:solidFill>
+              </a:rPr>
+              <a:t>Standard collaborative practice</a:t>
+            </a:r>
+          </a:p>
+          <a:p>
+            <a:endParaRPr lang="en-US" dirty="0"/>
+          </a:p>
+          <a:p>
+            <a:endParaRPr lang="en-US" dirty="0"/>
+          </a:p>
+          <a:p>
+            <a:endParaRPr lang="en-US" dirty="0"/>
+          </a:p>
+          <a:p>
+            <a:pPr marL="0" indent="0">
+              <a:buNone/>
+            </a:pPr>
+            <a:endParaRPr lang="en-US" dirty="0"/>
+          </a:p>
+        </p:txBody>
+      </p:sp>
+      <p:sp>
+        <p:nvSpPr>
+          <p:cNvPr id="3" name="Rectangle : coins arrondis 2">
+            <a:extLst>
+              <a:ext uri="{FF2B5EF4-FFF2-40B4-BE49-F238E27FC236}">
+                <a16:creationId xmlns:a16="http://schemas.microsoft.com/office/drawing/2014/main" id="{494AC741-E0AB-7973-F68C-AB9DACA08DBF}"/>
+              </a:ext>
+            </a:extLst>
+          </p:cNvPr>
+          <p:cNvSpPr/>
+          <p:nvPr/>
+        </p:nvSpPr>
+        <p:spPr>
+          <a:xfrm>
+            <a:off x="7193078" y="4966103"/>
+            <a:ext cx="1014692" cy="972583"/>
+          </a:xfrm>
+          <a:prstGeom prst="roundRect">
+            <a:avLst/>
+          </a:prstGeom>
+          <a:solidFill>
+            <a:schemeClr val="accent5">
+              <a:lumMod val="20000"/>
+              <a:lumOff val="80000"/>
+            </a:schemeClr>
+          </a:solidFill>
+          <a:ln w="57150">
+            <a:solidFill>
+              <a:schemeClr val="accent1">
+                <a:lumMod val="50000"/>
+              </a:schemeClr>
+            </a:solidFill>
+          </a:ln>
+        </p:spPr>
+        <p:style>
+          <a:lnRef idx="2">
+            <a:schemeClr val="accent1">
+              <a:shade val="50000"/>
+            </a:schemeClr>
+          </a:lnRef>
+          <a:fillRef idx="1">
+            <a:schemeClr val="accent1"/>
+          </a:fillRef>
+          <a:effectRef idx="0">
+            <a:schemeClr val="accent1"/>
+          </a:effectRef>
+          <a:fontRef idx="minor">
+            <a:schemeClr val="lt1"/>
+          </a:fontRef>
+        </p:style>
+        <p:txBody>
+          <a:bodyPr rtlCol="0" anchor="ctr"/>
+          <a:lstStyle/>
+          <a:p>
+            <a:pPr algn="ctr"/>
+            <a:endParaRPr lang="en-US">
+              <a:solidFill>
+                <a:schemeClr val="accent1">
+                  <a:lumMod val="50000"/>
+                </a:schemeClr>
+              </a:solidFill>
+            </a:endParaRPr>
+          </a:p>
+        </p:txBody>
+      </p:sp>
+      <p:sp>
+        <p:nvSpPr>
+          <p:cNvPr id="21" name="Rectangle : coins arrondis 20">
+            <a:extLst>
+              <a:ext uri="{FF2B5EF4-FFF2-40B4-BE49-F238E27FC236}">
+                <a16:creationId xmlns:a16="http://schemas.microsoft.com/office/drawing/2014/main" id="{9DCCC040-46AA-5FB2-9CD6-7E04B0179D75}"/>
+              </a:ext>
+            </a:extLst>
+          </p:cNvPr>
+          <p:cNvSpPr/>
+          <p:nvPr/>
+        </p:nvSpPr>
+        <p:spPr>
+          <a:xfrm rot="19441660">
+            <a:off x="7791538" y="4269763"/>
+            <a:ext cx="2089779" cy="1044066"/>
+          </a:xfrm>
+          <a:prstGeom prst="roundRect">
+            <a:avLst/>
+          </a:prstGeom>
+          <a:solidFill>
+            <a:schemeClr val="accent6">
+              <a:lumMod val="20000"/>
+              <a:lumOff val="80000"/>
+            </a:schemeClr>
+          </a:solidFill>
+          <a:ln w="57150">
+            <a:solidFill>
+              <a:schemeClr val="accent6">
+                <a:lumMod val="50000"/>
+              </a:schemeClr>
+            </a:solidFill>
+          </a:ln>
+        </p:spPr>
+        <p:style>
+          <a:lnRef idx="2">
+            <a:schemeClr val="accent1">
+              <a:shade val="50000"/>
+            </a:schemeClr>
+          </a:lnRef>
+          <a:fillRef idx="1">
+            <a:schemeClr val="accent1"/>
+          </a:fillRef>
+          <a:effectRef idx="0">
+            <a:schemeClr val="accent1"/>
+          </a:effectRef>
+          <a:fontRef idx="minor">
+            <a:schemeClr val="lt1"/>
+          </a:fontRef>
+        </p:style>
+        <p:txBody>
+          <a:bodyPr rtlCol="0" anchor="ctr"/>
+          <a:lstStyle/>
+          <a:p>
+            <a:pPr algn="ctr"/>
+            <a:endParaRPr lang="en-US"/>
+          </a:p>
+        </p:txBody>
+      </p:sp>
+      <p:sp>
+        <p:nvSpPr>
+          <p:cNvPr id="34" name="Espace réservé du contenu 3">
+            <a:extLst>
+              <a:ext uri="{FF2B5EF4-FFF2-40B4-BE49-F238E27FC236}">
+                <a16:creationId xmlns:a16="http://schemas.microsoft.com/office/drawing/2014/main" id="{D30A42F6-2F4D-570E-8D61-36DC442AD562}"/>
+              </a:ext>
+            </a:extLst>
+          </p:cNvPr>
+          <p:cNvSpPr txBox="1">
+            <a:spLocks/>
+          </p:cNvSpPr>
+          <p:nvPr/>
+        </p:nvSpPr>
+        <p:spPr>
+          <a:xfrm>
+            <a:off x="7273916" y="6006609"/>
+            <a:ext cx="2059304" cy="795143"/>
+          </a:xfrm>
+          <a:prstGeom prst="rect">
+            <a:avLst/>
+          </a:prstGeom>
+        </p:spPr>
+        <p:txBody>
+          <a:bodyPr lIns="0" tIns="0" rIns="0" bIns="0"/>
+          <a:lstStyle>
+            <a:lvl1pPr marL="228600" indent="-228600" algn="l" defTabSz="914400" rtl="0" eaLnBrk="1" latinLnBrk="0" hangingPunct="1">
+              <a:lnSpc>
+                <a:spcPct val="90000"/>
+              </a:lnSpc>
+              <a:spcBef>
+                <a:spcPts val="1000"/>
+              </a:spcBef>
+              <a:buFont typeface="Arial" panose="020B0604020202020204" pitchFamily="34" charset="0"/>
+              <a:buChar char="•"/>
+              <a:defRPr sz="2800" kern="1200">
+                <a:solidFill>
+                  <a:schemeClr val="tx1"/>
+                </a:solidFill>
+                <a:latin typeface="Palatino Linotype" panose="02040502050505030304" pitchFamily="18" charset="0"/>
+                <a:ea typeface="+mn-ea"/>
+                <a:cs typeface="+mn-cs"/>
+              </a:defRPr>
+            </a:lvl1pPr>
+            <a:lvl2pPr marL="685800" indent="-228600" algn="l" defTabSz="914400" rtl="0" eaLnBrk="1" latinLnBrk="0" hangingPunct="1">
+              <a:lnSpc>
+                <a:spcPct val="90000"/>
+              </a:lnSpc>
+              <a:spcBef>
+                <a:spcPts val="500"/>
+              </a:spcBef>
+              <a:buFont typeface="Arial" panose="020B0604020202020204" pitchFamily="34" charset="0"/>
+              <a:buChar char="•"/>
+              <a:defRPr sz="2400" kern="1200">
+                <a:solidFill>
+                  <a:schemeClr val="tx1"/>
+                </a:solidFill>
+                <a:latin typeface="Palatino Linotype" panose="02040502050505030304" pitchFamily="18" charset="0"/>
+                <a:ea typeface="+mn-ea"/>
+                <a:cs typeface="+mn-cs"/>
+              </a:defRPr>
+            </a:lvl2pPr>
+            <a:lvl3pPr marL="1143000" indent="-228600" algn="l" defTabSz="914400" rtl="0" eaLnBrk="1" latinLnBrk="0" hangingPunct="1">
+              <a:lnSpc>
+                <a:spcPct val="90000"/>
+              </a:lnSpc>
+              <a:spcBef>
+                <a:spcPts val="500"/>
+              </a:spcBef>
+              <a:buFont typeface="Arial" panose="020B0604020202020204" pitchFamily="34" charset="0"/>
+              <a:buChar char="•"/>
+              <a:defRPr sz="2000" kern="1200">
+                <a:solidFill>
+                  <a:schemeClr val="tx1"/>
+                </a:solidFill>
+                <a:latin typeface="Palatino Linotype" panose="02040502050505030304" pitchFamily="18" charset="0"/>
+                <a:ea typeface="+mn-ea"/>
+                <a:cs typeface="+mn-cs"/>
+              </a:defRPr>
+            </a:lvl3pPr>
+            <a:lvl4pPr marL="1600200" indent="-228600" algn="l" defTabSz="914400" rtl="0" eaLnBrk="1" latinLnBrk="0" hangingPunct="1">
+              <a:lnSpc>
+                <a:spcPct val="90000"/>
+              </a:lnSpc>
+              <a:spcBef>
+                <a:spcPts val="500"/>
+              </a:spcBef>
+              <a:buFont typeface="Arial" panose="020B0604020202020204" pitchFamily="34" charset="0"/>
+              <a:buChar char="•"/>
+              <a:defRPr sz="1800" kern="1200">
+                <a:solidFill>
+                  <a:schemeClr val="tx1"/>
+                </a:solidFill>
+                <a:latin typeface="Palatino Linotype" panose="02040502050505030304" pitchFamily="18" charset="0"/>
+                <a:ea typeface="+mn-ea"/>
+                <a:cs typeface="+mn-cs"/>
+              </a:defRPr>
+            </a:lvl4pPr>
+            <a:lvl5pPr marL="2057400" indent="-228600" algn="l" defTabSz="914400" rtl="0" eaLnBrk="1" latinLnBrk="0" hangingPunct="1">
+              <a:lnSpc>
+                <a:spcPct val="90000"/>
+              </a:lnSpc>
+              <a:spcBef>
+                <a:spcPts val="500"/>
+              </a:spcBef>
+              <a:buFont typeface="Arial" panose="020B0604020202020204" pitchFamily="34" charset="0"/>
+              <a:buChar char="•"/>
+              <a:defRPr sz="1800" kern="1200">
+                <a:solidFill>
+                  <a:schemeClr val="tx1"/>
+                </a:solidFill>
+                <a:latin typeface="Palatino Linotype" panose="02040502050505030304" pitchFamily="18" charset="0"/>
+                <a:ea typeface="+mn-ea"/>
+                <a:cs typeface="+mn-cs"/>
+              </a:defRPr>
+            </a:lvl5pPr>
+            <a:lvl6pPr marL="2514600" indent="-228600" algn="l" defTabSz="914400" rtl="0" eaLnBrk="1" latinLnBrk="0" hangingPunct="1">
+              <a:lnSpc>
+                <a:spcPct val="90000"/>
+              </a:lnSpc>
+              <a:spcBef>
+                <a:spcPts val="500"/>
+              </a:spcBef>
+              <a:buFont typeface="Arial" panose="020B0604020202020204" pitchFamily="34" charset="0"/>
+              <a:buChar char="•"/>
+              <a:defRPr sz="1800" kern="1200">
+                <a:solidFill>
+                  <a:schemeClr val="tx1"/>
+                </a:solidFill>
+                <a:latin typeface="+mn-lt"/>
+                <a:ea typeface="+mn-ea"/>
+                <a:cs typeface="+mn-cs"/>
+              </a:defRPr>
+            </a:lvl6pPr>
+            <a:lvl7pPr marL="2971800" indent="-228600" algn="l" defTabSz="914400" rtl="0" eaLnBrk="1" latinLnBrk="0" hangingPunct="1">
+              <a:lnSpc>
+                <a:spcPct val="90000"/>
+              </a:lnSpc>
+              <a:spcBef>
+                <a:spcPts val="500"/>
+              </a:spcBef>
+              <a:buFont typeface="Arial" panose="020B0604020202020204" pitchFamily="34" charset="0"/>
+              <a:buChar char="•"/>
+              <a:defRPr sz="1800" kern="1200">
+                <a:solidFill>
+                  <a:schemeClr val="tx1"/>
+                </a:solidFill>
+                <a:latin typeface="+mn-lt"/>
+                <a:ea typeface="+mn-ea"/>
+                <a:cs typeface="+mn-cs"/>
+              </a:defRPr>
+            </a:lvl7pPr>
+            <a:lvl8pPr marL="3429000" indent="-228600" algn="l" defTabSz="914400" rtl="0" eaLnBrk="1" latinLnBrk="0" hangingPunct="1">
+              <a:lnSpc>
+                <a:spcPct val="90000"/>
+              </a:lnSpc>
+              <a:spcBef>
+                <a:spcPts val="500"/>
+              </a:spcBef>
+              <a:buFont typeface="Arial" panose="020B0604020202020204" pitchFamily="34" charset="0"/>
+              <a:buChar char="•"/>
+              <a:defRPr sz="1800" kern="1200">
+                <a:solidFill>
+                  <a:schemeClr val="tx1"/>
+                </a:solidFill>
+                <a:latin typeface="+mn-lt"/>
+                <a:ea typeface="+mn-ea"/>
+                <a:cs typeface="+mn-cs"/>
+              </a:defRPr>
+            </a:lvl8pPr>
+            <a:lvl9pPr marL="3886200" indent="-228600" algn="l" defTabSz="914400" rtl="0" eaLnBrk="1" latinLnBrk="0" hangingPunct="1">
+              <a:lnSpc>
+                <a:spcPct val="90000"/>
+              </a:lnSpc>
+              <a:spcBef>
+                <a:spcPts val="500"/>
+              </a:spcBef>
+              <a:buFont typeface="Arial" panose="020B0604020202020204" pitchFamily="34" charset="0"/>
+              <a:buChar char="•"/>
+              <a:defRPr sz="1800" kern="1200">
+                <a:solidFill>
+                  <a:schemeClr val="tx1"/>
+                </a:solidFill>
+                <a:latin typeface="+mn-lt"/>
+                <a:ea typeface="+mn-ea"/>
+                <a:cs typeface="+mn-cs"/>
+              </a:defRPr>
+            </a:lvl9pPr>
+          </a:lstStyle>
+          <a:p>
+            <a:pPr marL="0" indent="0">
+              <a:lnSpc>
+                <a:spcPct val="100000"/>
+              </a:lnSpc>
+              <a:spcBef>
+                <a:spcPts val="0"/>
+              </a:spcBef>
+              <a:buNone/>
+            </a:pPr>
+            <a:r>
+              <a:rPr lang="en-US" sz="2000" dirty="0">
+                <a:solidFill>
+                  <a:schemeClr val="accent1">
+                    <a:lumMod val="50000"/>
+                  </a:schemeClr>
+                </a:solidFill>
+              </a:rPr>
+              <a:t>History</a:t>
+            </a:r>
+          </a:p>
+          <a:p>
+            <a:pPr marL="0" indent="0">
+              <a:lnSpc>
+                <a:spcPct val="100000"/>
+              </a:lnSpc>
+              <a:spcBef>
+                <a:spcPts val="0"/>
+              </a:spcBef>
+              <a:buNone/>
+            </a:pPr>
+            <a:r>
+              <a:rPr lang="en-US" sz="2000" dirty="0">
+                <a:solidFill>
+                  <a:schemeClr val="accent1">
+                    <a:lumMod val="50000"/>
+                  </a:schemeClr>
+                </a:solidFill>
+              </a:rPr>
+              <a:t>(local)</a:t>
+            </a:r>
+          </a:p>
+        </p:txBody>
+      </p:sp>
+      <p:sp>
+        <p:nvSpPr>
+          <p:cNvPr id="35" name="Espace réservé du contenu 3">
+            <a:extLst>
+              <a:ext uri="{FF2B5EF4-FFF2-40B4-BE49-F238E27FC236}">
+                <a16:creationId xmlns:a16="http://schemas.microsoft.com/office/drawing/2014/main" id="{F5063395-0714-9E91-8C4F-747E82F6C39A}"/>
+              </a:ext>
+            </a:extLst>
+          </p:cNvPr>
+          <p:cNvSpPr txBox="1">
+            <a:spLocks/>
+          </p:cNvSpPr>
+          <p:nvPr/>
+        </p:nvSpPr>
+        <p:spPr>
+          <a:xfrm>
+            <a:off x="8718930" y="5555390"/>
+            <a:ext cx="1948983" cy="794920"/>
+          </a:xfrm>
+          <a:prstGeom prst="rect">
+            <a:avLst/>
+          </a:prstGeom>
+        </p:spPr>
+        <p:txBody>
+          <a:bodyPr lIns="0" tIns="0" rIns="0" bIns="0"/>
+          <a:lstStyle>
+            <a:lvl1pPr marL="228600" indent="-228600" algn="l" defTabSz="914400" rtl="0" eaLnBrk="1" latinLnBrk="0" hangingPunct="1">
+              <a:lnSpc>
+                <a:spcPct val="90000"/>
+              </a:lnSpc>
+              <a:spcBef>
+                <a:spcPts val="1000"/>
+              </a:spcBef>
+              <a:buFont typeface="Arial" panose="020B0604020202020204" pitchFamily="34" charset="0"/>
+              <a:buChar char="•"/>
+              <a:defRPr sz="2800" kern="1200">
+                <a:solidFill>
+                  <a:schemeClr val="tx1"/>
+                </a:solidFill>
+                <a:latin typeface="Palatino Linotype" panose="02040502050505030304" pitchFamily="18" charset="0"/>
+                <a:ea typeface="+mn-ea"/>
+                <a:cs typeface="+mn-cs"/>
+              </a:defRPr>
+            </a:lvl1pPr>
+            <a:lvl2pPr marL="685800" indent="-228600" algn="l" defTabSz="914400" rtl="0" eaLnBrk="1" latinLnBrk="0" hangingPunct="1">
+              <a:lnSpc>
+                <a:spcPct val="90000"/>
+              </a:lnSpc>
+              <a:spcBef>
+                <a:spcPts val="500"/>
+              </a:spcBef>
+              <a:buFont typeface="Arial" panose="020B0604020202020204" pitchFamily="34" charset="0"/>
+              <a:buChar char="•"/>
+              <a:defRPr sz="2400" kern="1200">
+                <a:solidFill>
+                  <a:schemeClr val="tx1"/>
+                </a:solidFill>
+                <a:latin typeface="Palatino Linotype" panose="02040502050505030304" pitchFamily="18" charset="0"/>
+                <a:ea typeface="+mn-ea"/>
+                <a:cs typeface="+mn-cs"/>
+              </a:defRPr>
+            </a:lvl2pPr>
+            <a:lvl3pPr marL="1143000" indent="-228600" algn="l" defTabSz="914400" rtl="0" eaLnBrk="1" latinLnBrk="0" hangingPunct="1">
+              <a:lnSpc>
+                <a:spcPct val="90000"/>
+              </a:lnSpc>
+              <a:spcBef>
+                <a:spcPts val="500"/>
+              </a:spcBef>
+              <a:buFont typeface="Arial" panose="020B0604020202020204" pitchFamily="34" charset="0"/>
+              <a:buChar char="•"/>
+              <a:defRPr sz="2000" kern="1200">
+                <a:solidFill>
+                  <a:schemeClr val="tx1"/>
+                </a:solidFill>
+                <a:latin typeface="Palatino Linotype" panose="02040502050505030304" pitchFamily="18" charset="0"/>
+                <a:ea typeface="+mn-ea"/>
+                <a:cs typeface="+mn-cs"/>
+              </a:defRPr>
+            </a:lvl3pPr>
+            <a:lvl4pPr marL="1600200" indent="-228600" algn="l" defTabSz="914400" rtl="0" eaLnBrk="1" latinLnBrk="0" hangingPunct="1">
+              <a:lnSpc>
+                <a:spcPct val="90000"/>
+              </a:lnSpc>
+              <a:spcBef>
+                <a:spcPts val="500"/>
+              </a:spcBef>
+              <a:buFont typeface="Arial" panose="020B0604020202020204" pitchFamily="34" charset="0"/>
+              <a:buChar char="•"/>
+              <a:defRPr sz="1800" kern="1200">
+                <a:solidFill>
+                  <a:schemeClr val="tx1"/>
+                </a:solidFill>
+                <a:latin typeface="Palatino Linotype" panose="02040502050505030304" pitchFamily="18" charset="0"/>
+                <a:ea typeface="+mn-ea"/>
+                <a:cs typeface="+mn-cs"/>
+              </a:defRPr>
+            </a:lvl4pPr>
+            <a:lvl5pPr marL="2057400" indent="-228600" algn="l" defTabSz="914400" rtl="0" eaLnBrk="1" latinLnBrk="0" hangingPunct="1">
+              <a:lnSpc>
+                <a:spcPct val="90000"/>
+              </a:lnSpc>
+              <a:spcBef>
+                <a:spcPts val="500"/>
+              </a:spcBef>
+              <a:buFont typeface="Arial" panose="020B0604020202020204" pitchFamily="34" charset="0"/>
+              <a:buChar char="•"/>
+              <a:defRPr sz="1800" kern="1200">
+                <a:solidFill>
+                  <a:schemeClr val="tx1"/>
+                </a:solidFill>
+                <a:latin typeface="Palatino Linotype" panose="02040502050505030304" pitchFamily="18" charset="0"/>
+                <a:ea typeface="+mn-ea"/>
+                <a:cs typeface="+mn-cs"/>
+              </a:defRPr>
+            </a:lvl5pPr>
+            <a:lvl6pPr marL="2514600" indent="-228600" algn="l" defTabSz="914400" rtl="0" eaLnBrk="1" latinLnBrk="0" hangingPunct="1">
+              <a:lnSpc>
+                <a:spcPct val="90000"/>
+              </a:lnSpc>
+              <a:spcBef>
+                <a:spcPts val="500"/>
+              </a:spcBef>
+              <a:buFont typeface="Arial" panose="020B0604020202020204" pitchFamily="34" charset="0"/>
+              <a:buChar char="•"/>
+              <a:defRPr sz="1800" kern="1200">
+                <a:solidFill>
+                  <a:schemeClr val="tx1"/>
+                </a:solidFill>
+                <a:latin typeface="+mn-lt"/>
+                <a:ea typeface="+mn-ea"/>
+                <a:cs typeface="+mn-cs"/>
+              </a:defRPr>
+            </a:lvl6pPr>
+            <a:lvl7pPr marL="2971800" indent="-228600" algn="l" defTabSz="914400" rtl="0" eaLnBrk="1" latinLnBrk="0" hangingPunct="1">
+              <a:lnSpc>
+                <a:spcPct val="90000"/>
+              </a:lnSpc>
+              <a:spcBef>
+                <a:spcPts val="500"/>
+              </a:spcBef>
+              <a:buFont typeface="Arial" panose="020B0604020202020204" pitchFamily="34" charset="0"/>
+              <a:buChar char="•"/>
+              <a:defRPr sz="1800" kern="1200">
+                <a:solidFill>
+                  <a:schemeClr val="tx1"/>
+                </a:solidFill>
+                <a:latin typeface="+mn-lt"/>
+                <a:ea typeface="+mn-ea"/>
+                <a:cs typeface="+mn-cs"/>
+              </a:defRPr>
+            </a:lvl7pPr>
+            <a:lvl8pPr marL="3429000" indent="-228600" algn="l" defTabSz="914400" rtl="0" eaLnBrk="1" latinLnBrk="0" hangingPunct="1">
+              <a:lnSpc>
+                <a:spcPct val="90000"/>
+              </a:lnSpc>
+              <a:spcBef>
+                <a:spcPts val="500"/>
+              </a:spcBef>
+              <a:buFont typeface="Arial" panose="020B0604020202020204" pitchFamily="34" charset="0"/>
+              <a:buChar char="•"/>
+              <a:defRPr sz="1800" kern="1200">
+                <a:solidFill>
+                  <a:schemeClr val="tx1"/>
+                </a:solidFill>
+                <a:latin typeface="+mn-lt"/>
+                <a:ea typeface="+mn-ea"/>
+                <a:cs typeface="+mn-cs"/>
+              </a:defRPr>
+            </a:lvl8pPr>
+            <a:lvl9pPr marL="3886200" indent="-228600" algn="l" defTabSz="914400" rtl="0" eaLnBrk="1" latinLnBrk="0" hangingPunct="1">
+              <a:lnSpc>
+                <a:spcPct val="90000"/>
+              </a:lnSpc>
+              <a:spcBef>
+                <a:spcPts val="500"/>
+              </a:spcBef>
+              <a:buFont typeface="Arial" panose="020B0604020202020204" pitchFamily="34" charset="0"/>
+              <a:buChar char="•"/>
+              <a:defRPr sz="1800" kern="1200">
+                <a:solidFill>
+                  <a:schemeClr val="tx1"/>
+                </a:solidFill>
+                <a:latin typeface="+mn-lt"/>
+                <a:ea typeface="+mn-ea"/>
+                <a:cs typeface="+mn-cs"/>
+              </a:defRPr>
+            </a:lvl9pPr>
+          </a:lstStyle>
+          <a:p>
+            <a:pPr marL="0" indent="0">
+              <a:lnSpc>
+                <a:spcPct val="100000"/>
+              </a:lnSpc>
+              <a:spcBef>
+                <a:spcPts val="0"/>
+              </a:spcBef>
+              <a:buNone/>
+            </a:pPr>
+            <a:r>
+              <a:rPr lang="en-US" sz="2000" dirty="0">
+                <a:solidFill>
+                  <a:schemeClr val="accent6">
+                    <a:lumMod val="50000"/>
+                  </a:schemeClr>
+                </a:solidFill>
+              </a:rPr>
+              <a:t>Sync and share</a:t>
+            </a:r>
+          </a:p>
+          <a:p>
+            <a:pPr marL="0" indent="0">
+              <a:lnSpc>
+                <a:spcPct val="100000"/>
+              </a:lnSpc>
+              <a:spcBef>
+                <a:spcPts val="0"/>
+              </a:spcBef>
+              <a:buNone/>
+            </a:pPr>
+            <a:r>
+              <a:rPr lang="en-US" sz="2000" dirty="0">
+                <a:solidFill>
+                  <a:schemeClr val="accent6">
+                    <a:lumMod val="50000"/>
+                  </a:schemeClr>
+                </a:solidFill>
+              </a:rPr>
+              <a:t>(remote)</a:t>
+            </a:r>
+          </a:p>
+        </p:txBody>
+      </p:sp>
       <p:grpSp>
         <p:nvGrpSpPr>
           <p:cNvPr id="47" name="Groupe 46">
@@ -43657,10 +47051,891 @@
           </p:spPr>
         </p:pic>
       </p:grpSp>
+      <p:grpSp>
+        <p:nvGrpSpPr>
+          <p:cNvPr id="38" name="Groupe 37">
+            <a:extLst>
+              <a:ext uri="{FF2B5EF4-FFF2-40B4-BE49-F238E27FC236}">
+                <a16:creationId xmlns:a16="http://schemas.microsoft.com/office/drawing/2014/main" id="{1A8C5D32-CEB6-2E84-EE92-C21BC0FF7CF5}"/>
+              </a:ext>
+            </a:extLst>
+          </p:cNvPr>
+          <p:cNvGrpSpPr/>
+          <p:nvPr/>
+        </p:nvGrpSpPr>
+        <p:grpSpPr>
+          <a:xfrm>
+            <a:off x="1042015" y="2508644"/>
+            <a:ext cx="4696884" cy="575459"/>
+            <a:chOff x="1143002" y="2460626"/>
+            <a:chExt cx="4696884" cy="575459"/>
+          </a:xfrm>
+        </p:grpSpPr>
+        <p:pic>
+          <p:nvPicPr>
+            <p:cNvPr id="39" name="Graphique 38" descr="Horloge avec un remplissage uni">
+              <a:extLst>
+                <a:ext uri="{FF2B5EF4-FFF2-40B4-BE49-F238E27FC236}">
+                  <a16:creationId xmlns:a16="http://schemas.microsoft.com/office/drawing/2014/main" id="{42CE3C4B-E22B-7E0B-806C-63FB246F731E}"/>
+                </a:ext>
+              </a:extLst>
+            </p:cNvPr>
+            <p:cNvPicPr>
+              <a:picLocks noChangeAspect="1"/>
+            </p:cNvPicPr>
+            <p:nvPr/>
+          </p:nvPicPr>
+          <p:blipFill>
+            <a:blip r:embed="rId8">
+              <a:extLst>
+                <a:ext uri="{28A0092B-C50C-407E-A947-70E740481C1C}">
+                  <a14:useLocalDpi xmlns:a14="http://schemas.microsoft.com/office/drawing/2010/main" val="0"/>
+                </a:ext>
+                <a:ext uri="{96DAC541-7B7A-43D3-8B79-37D633B846F1}">
+                  <asvg:svgBlip xmlns:asvg="http://schemas.microsoft.com/office/drawing/2016/SVG/main" r:embed="rId9"/>
+                </a:ext>
+              </a:extLst>
+            </a:blip>
+            <a:stretch>
+              <a:fillRect/>
+            </a:stretch>
+          </p:blipFill>
+          <p:spPr>
+            <a:xfrm>
+              <a:off x="1143002" y="2460626"/>
+              <a:ext cx="545042" cy="545042"/>
+            </a:xfrm>
+            <a:prstGeom prst="rect">
+              <a:avLst/>
+            </a:prstGeom>
+          </p:spPr>
+        </p:pic>
+        <p:pic>
+          <p:nvPicPr>
+            <p:cNvPr id="40" name="Graphique 39" descr="Document avec un remplissage uni">
+              <a:extLst>
+                <a:ext uri="{FF2B5EF4-FFF2-40B4-BE49-F238E27FC236}">
+                  <a16:creationId xmlns:a16="http://schemas.microsoft.com/office/drawing/2014/main" id="{0D80DC87-01C1-2CA9-020D-2BA20A28466F}"/>
+                </a:ext>
+              </a:extLst>
+            </p:cNvPr>
+            <p:cNvPicPr>
+              <a:picLocks noChangeAspect="1"/>
+            </p:cNvPicPr>
+            <p:nvPr/>
+          </p:nvPicPr>
+          <p:blipFill>
+            <a:blip r:embed="rId10">
+              <a:extLst>
+                <a:ext uri="{28A0092B-C50C-407E-A947-70E740481C1C}">
+                  <a14:useLocalDpi xmlns:a14="http://schemas.microsoft.com/office/drawing/2010/main" val="0"/>
+                </a:ext>
+                <a:ext uri="{96DAC541-7B7A-43D3-8B79-37D633B846F1}">
+                  <asvg:svgBlip xmlns:asvg="http://schemas.microsoft.com/office/drawing/2016/SVG/main" r:embed="rId11"/>
+                </a:ext>
+              </a:extLst>
+            </a:blip>
+            <a:stretch>
+              <a:fillRect/>
+            </a:stretch>
+          </p:blipFill>
+          <p:spPr>
+            <a:xfrm>
+              <a:off x="1688044" y="2470765"/>
+              <a:ext cx="545042" cy="545042"/>
+            </a:xfrm>
+            <a:prstGeom prst="rect">
+              <a:avLst/>
+            </a:prstGeom>
+          </p:spPr>
+        </p:pic>
+        <p:pic>
+          <p:nvPicPr>
+            <p:cNvPr id="41" name="Graphique 40" descr="Horloge avec un remplissage uni">
+              <a:extLst>
+                <a:ext uri="{FF2B5EF4-FFF2-40B4-BE49-F238E27FC236}">
+                  <a16:creationId xmlns:a16="http://schemas.microsoft.com/office/drawing/2014/main" id="{2E6353BB-EAD8-8ACC-85C0-76A78F2428E8}"/>
+                </a:ext>
+              </a:extLst>
+            </p:cNvPr>
+            <p:cNvPicPr>
+              <a:picLocks noChangeAspect="1"/>
+            </p:cNvPicPr>
+            <p:nvPr/>
+          </p:nvPicPr>
+          <p:blipFill>
+            <a:blip r:embed="rId8">
+              <a:extLst>
+                <a:ext uri="{28A0092B-C50C-407E-A947-70E740481C1C}">
+                  <a14:useLocalDpi xmlns:a14="http://schemas.microsoft.com/office/drawing/2010/main" val="0"/>
+                </a:ext>
+                <a:ext uri="{96DAC541-7B7A-43D3-8B79-37D633B846F1}">
+                  <asvg:svgBlip xmlns:asvg="http://schemas.microsoft.com/office/drawing/2016/SVG/main" r:embed="rId9"/>
+                </a:ext>
+              </a:extLst>
+            </a:blip>
+            <a:stretch>
+              <a:fillRect/>
+            </a:stretch>
+          </p:blipFill>
+          <p:spPr>
+            <a:xfrm>
+              <a:off x="2946402" y="2470765"/>
+              <a:ext cx="545042" cy="545042"/>
+            </a:xfrm>
+            <a:prstGeom prst="rect">
+              <a:avLst/>
+            </a:prstGeom>
+          </p:spPr>
+        </p:pic>
+        <p:pic>
+          <p:nvPicPr>
+            <p:cNvPr id="42" name="Graphique 41" descr="Document avec un remplissage uni">
+              <a:extLst>
+                <a:ext uri="{FF2B5EF4-FFF2-40B4-BE49-F238E27FC236}">
+                  <a16:creationId xmlns:a16="http://schemas.microsoft.com/office/drawing/2014/main" id="{C4A21D50-6CEE-469B-9388-C620CEF20A67}"/>
+                </a:ext>
+              </a:extLst>
+            </p:cNvPr>
+            <p:cNvPicPr>
+              <a:picLocks noChangeAspect="1"/>
+            </p:cNvPicPr>
+            <p:nvPr/>
+          </p:nvPicPr>
+          <p:blipFill>
+            <a:blip r:embed="rId10">
+              <a:extLst>
+                <a:ext uri="{28A0092B-C50C-407E-A947-70E740481C1C}">
+                  <a14:useLocalDpi xmlns:a14="http://schemas.microsoft.com/office/drawing/2010/main" val="0"/>
+                </a:ext>
+                <a:ext uri="{96DAC541-7B7A-43D3-8B79-37D633B846F1}">
+                  <asvg:svgBlip xmlns:asvg="http://schemas.microsoft.com/office/drawing/2016/SVG/main" r:embed="rId11"/>
+                </a:ext>
+              </a:extLst>
+            </a:blip>
+            <a:stretch>
+              <a:fillRect/>
+            </a:stretch>
+          </p:blipFill>
+          <p:spPr>
+            <a:xfrm>
+              <a:off x="3491444" y="2480904"/>
+              <a:ext cx="545042" cy="545042"/>
+            </a:xfrm>
+            <a:prstGeom prst="rect">
+              <a:avLst/>
+            </a:prstGeom>
+          </p:spPr>
+        </p:pic>
+        <p:pic>
+          <p:nvPicPr>
+            <p:cNvPr id="43" name="Graphique 42" descr="Horloge avec un remplissage uni">
+              <a:extLst>
+                <a:ext uri="{FF2B5EF4-FFF2-40B4-BE49-F238E27FC236}">
+                  <a16:creationId xmlns:a16="http://schemas.microsoft.com/office/drawing/2014/main" id="{8F75C570-5CD8-2810-12BD-5FFA9492AE3C}"/>
+                </a:ext>
+              </a:extLst>
+            </p:cNvPr>
+            <p:cNvPicPr>
+              <a:picLocks noChangeAspect="1"/>
+            </p:cNvPicPr>
+            <p:nvPr/>
+          </p:nvPicPr>
+          <p:blipFill>
+            <a:blip r:embed="rId8">
+              <a:extLst>
+                <a:ext uri="{28A0092B-C50C-407E-A947-70E740481C1C}">
+                  <a14:useLocalDpi xmlns:a14="http://schemas.microsoft.com/office/drawing/2010/main" val="0"/>
+                </a:ext>
+                <a:ext uri="{96DAC541-7B7A-43D3-8B79-37D633B846F1}">
+                  <asvg:svgBlip xmlns:asvg="http://schemas.microsoft.com/office/drawing/2016/SVG/main" r:embed="rId9"/>
+                </a:ext>
+              </a:extLst>
+            </a:blip>
+            <a:stretch>
+              <a:fillRect/>
+            </a:stretch>
+          </p:blipFill>
+          <p:spPr>
+            <a:xfrm>
+              <a:off x="4749802" y="2480904"/>
+              <a:ext cx="545042" cy="545042"/>
+            </a:xfrm>
+            <a:prstGeom prst="rect">
+              <a:avLst/>
+            </a:prstGeom>
+          </p:spPr>
+        </p:pic>
+        <p:pic>
+          <p:nvPicPr>
+            <p:cNvPr id="44" name="Graphique 43" descr="Document avec un remplissage uni">
+              <a:extLst>
+                <a:ext uri="{FF2B5EF4-FFF2-40B4-BE49-F238E27FC236}">
+                  <a16:creationId xmlns:a16="http://schemas.microsoft.com/office/drawing/2014/main" id="{A292D027-B3C3-FC66-0E32-FED1DA707776}"/>
+                </a:ext>
+              </a:extLst>
+            </p:cNvPr>
+            <p:cNvPicPr>
+              <a:picLocks noChangeAspect="1"/>
+            </p:cNvPicPr>
+            <p:nvPr/>
+          </p:nvPicPr>
+          <p:blipFill>
+            <a:blip r:embed="rId10">
+              <a:extLst>
+                <a:ext uri="{28A0092B-C50C-407E-A947-70E740481C1C}">
+                  <a14:useLocalDpi xmlns:a14="http://schemas.microsoft.com/office/drawing/2010/main" val="0"/>
+                </a:ext>
+                <a:ext uri="{96DAC541-7B7A-43D3-8B79-37D633B846F1}">
+                  <asvg:svgBlip xmlns:asvg="http://schemas.microsoft.com/office/drawing/2016/SVG/main" r:embed="rId11"/>
+                </a:ext>
+              </a:extLst>
+            </a:blip>
+            <a:stretch>
+              <a:fillRect/>
+            </a:stretch>
+          </p:blipFill>
+          <p:spPr>
+            <a:xfrm>
+              <a:off x="5294844" y="2491043"/>
+              <a:ext cx="545042" cy="545042"/>
+            </a:xfrm>
+            <a:prstGeom prst="rect">
+              <a:avLst/>
+            </a:prstGeom>
+          </p:spPr>
+        </p:pic>
+        <p:cxnSp>
+          <p:nvCxnSpPr>
+            <p:cNvPr id="50" name="Connecteur droit avec flèche 49">
+              <a:extLst>
+                <a:ext uri="{FF2B5EF4-FFF2-40B4-BE49-F238E27FC236}">
+                  <a16:creationId xmlns:a16="http://schemas.microsoft.com/office/drawing/2014/main" id="{B20FCFEC-EB39-8BA9-D3AF-8DE4F98182F1}"/>
+                </a:ext>
+              </a:extLst>
+            </p:cNvPr>
+            <p:cNvCxnSpPr>
+              <a:cxnSpLocks/>
+            </p:cNvCxnSpPr>
+            <p:nvPr/>
+          </p:nvCxnSpPr>
+          <p:spPr>
+            <a:xfrm>
+              <a:off x="2278682" y="2750062"/>
+              <a:ext cx="623268" cy="0"/>
+            </a:xfrm>
+            <a:prstGeom prst="straightConnector1">
+              <a:avLst/>
+            </a:prstGeom>
+            <a:ln w="57150">
+              <a:solidFill>
+                <a:schemeClr val="tx1"/>
+              </a:solidFill>
+              <a:tailEnd type="triangle"/>
+            </a:ln>
+          </p:spPr>
+          <p:style>
+            <a:lnRef idx="1">
+              <a:schemeClr val="accent1"/>
+            </a:lnRef>
+            <a:fillRef idx="0">
+              <a:schemeClr val="accent1"/>
+            </a:fillRef>
+            <a:effectRef idx="0">
+              <a:schemeClr val="accent1"/>
+            </a:effectRef>
+            <a:fontRef idx="minor">
+              <a:schemeClr val="tx1"/>
+            </a:fontRef>
+          </p:style>
+        </p:cxnSp>
+        <p:cxnSp>
+          <p:nvCxnSpPr>
+            <p:cNvPr id="51" name="Connecteur droit avec flèche 50">
+              <a:extLst>
+                <a:ext uri="{FF2B5EF4-FFF2-40B4-BE49-F238E27FC236}">
+                  <a16:creationId xmlns:a16="http://schemas.microsoft.com/office/drawing/2014/main" id="{C787F082-A400-385D-4082-00FC7A48AA15}"/>
+                </a:ext>
+              </a:extLst>
+            </p:cNvPr>
+            <p:cNvCxnSpPr>
+              <a:cxnSpLocks/>
+            </p:cNvCxnSpPr>
+            <p:nvPr/>
+          </p:nvCxnSpPr>
+          <p:spPr>
+            <a:xfrm>
+              <a:off x="4082082" y="2750062"/>
+              <a:ext cx="623268" cy="0"/>
+            </a:xfrm>
+            <a:prstGeom prst="straightConnector1">
+              <a:avLst/>
+            </a:prstGeom>
+            <a:ln w="57150">
+              <a:solidFill>
+                <a:schemeClr val="tx1"/>
+              </a:solidFill>
+              <a:tailEnd type="triangle"/>
+            </a:ln>
+          </p:spPr>
+          <p:style>
+            <a:lnRef idx="1">
+              <a:schemeClr val="accent1"/>
+            </a:lnRef>
+            <a:fillRef idx="0">
+              <a:schemeClr val="accent1"/>
+            </a:fillRef>
+            <a:effectRef idx="0">
+              <a:schemeClr val="accent1"/>
+            </a:effectRef>
+            <a:fontRef idx="minor">
+              <a:schemeClr val="tx1"/>
+            </a:fontRef>
+          </p:style>
+        </p:cxnSp>
+      </p:grpSp>
+      <p:sp>
+        <p:nvSpPr>
+          <p:cNvPr id="72" name="Titre 1">
+            <a:extLst>
+              <a:ext uri="{FF2B5EF4-FFF2-40B4-BE49-F238E27FC236}">
+                <a16:creationId xmlns:a16="http://schemas.microsoft.com/office/drawing/2014/main" id="{5987686C-6DF4-0919-B40C-DEB1711F1EBB}"/>
+              </a:ext>
+            </a:extLst>
+          </p:cNvPr>
+          <p:cNvSpPr>
+            <a:spLocks noGrp="1"/>
+          </p:cNvSpPr>
+          <p:nvPr>
+            <p:ph type="title"/>
+          </p:nvPr>
+        </p:nvSpPr>
+        <p:spPr>
+          <a:xfrm>
+            <a:off x="838200" y="365125"/>
+            <a:ext cx="10515600" cy="1325563"/>
+          </a:xfrm>
+        </p:spPr>
+        <p:txBody>
+          <a:bodyPr/>
+          <a:lstStyle/>
+          <a:p>
+            <a:r>
+              <a:rPr lang="en-US" dirty="0"/>
+              <a:t>git deals with history and sync</a:t>
+            </a:r>
+            <a:br>
+              <a:rPr lang="en-US" dirty="0"/>
+            </a:br>
+            <a:r>
+              <a:rPr lang="en-US" dirty="0"/>
+              <a:t>github provides the server</a:t>
+            </a:r>
+          </a:p>
+        </p:txBody>
+      </p:sp>
     </p:spTree>
     <p:extLst>
       <p:ext uri="{BB962C8B-B14F-4D97-AF65-F5344CB8AC3E}">
-        <p14:creationId xmlns:p14="http://schemas.microsoft.com/office/powerpoint/2010/main" val="2893361496"/>
+        <p14:creationId xmlns:p14="http://schemas.microsoft.com/office/powerpoint/2010/main" val="1553840633"/>
+      </p:ext>
+    </p:extLst>
+  </p:cSld>
+  <p:clrMapOvr>
+    <a:masterClrMapping/>
+  </p:clrMapOvr>
+  <p:timing>
+    <p:tnLst>
+      <p:par>
+        <p:cTn id="1" dur="indefinite" restart="never" nodeType="tmRoot">
+          <p:childTnLst>
+            <p:seq concurrent="1" nextAc="seek">
+              <p:cTn id="2" dur="indefinite" nodeType="mainSeq">
+                <p:childTnLst>
+                  <p:par>
+                    <p:cTn id="3" fill="hold">
+                      <p:stCondLst>
+                        <p:cond delay="indefinite"/>
+                      </p:stCondLst>
+                      <p:childTnLst>
+                        <p:par>
+                          <p:cTn id="4" fill="hold">
+                            <p:stCondLst>
+                              <p:cond delay="0"/>
+                            </p:stCondLst>
+                            <p:childTnLst>
+                              <p:par>
+                                <p:cTn id="5" presetID="1" presetClass="entr" presetSubtype="0" fill="hold" grpId="0" nodeType="clickEffect">
+                                  <p:stCondLst>
+                                    <p:cond delay="0"/>
+                                  </p:stCondLst>
+                                  <p:childTnLst>
+                                    <p:set>
+                                      <p:cBhvr>
+                                        <p:cTn id="6" dur="1" fill="hold">
+                                          <p:stCondLst>
+                                            <p:cond delay="0"/>
+                                          </p:stCondLst>
+                                        </p:cTn>
+                                        <p:tgtEl>
+                                          <p:spTgt spid="3"/>
+                                        </p:tgtEl>
+                                        <p:attrNameLst>
+                                          <p:attrName>style.visibility</p:attrName>
+                                        </p:attrNameLst>
+                                      </p:cBhvr>
+                                      <p:to>
+                                        <p:strVal val="visible"/>
+                                      </p:to>
+                                    </p:set>
+                                  </p:childTnLst>
+                                </p:cTn>
+                              </p:par>
+                              <p:par>
+                                <p:cTn id="7" presetID="10" presetClass="entr" presetSubtype="0" fill="hold" grpId="0" nodeType="withEffect">
+                                  <p:stCondLst>
+                                    <p:cond delay="0"/>
+                                  </p:stCondLst>
+                                  <p:childTnLst>
+                                    <p:set>
+                                      <p:cBhvr>
+                                        <p:cTn id="8" dur="1" fill="hold">
+                                          <p:stCondLst>
+                                            <p:cond delay="0"/>
+                                          </p:stCondLst>
+                                        </p:cTn>
+                                        <p:tgtEl>
+                                          <p:spTgt spid="34"/>
+                                        </p:tgtEl>
+                                        <p:attrNameLst>
+                                          <p:attrName>style.visibility</p:attrName>
+                                        </p:attrNameLst>
+                                      </p:cBhvr>
+                                      <p:to>
+                                        <p:strVal val="visible"/>
+                                      </p:to>
+                                    </p:set>
+                                    <p:animEffect transition="in" filter="fade">
+                                      <p:cBhvr>
+                                        <p:cTn id="9" dur="500"/>
+                                        <p:tgtEl>
+                                          <p:spTgt spid="34"/>
+                                        </p:tgtEl>
+                                      </p:cBhvr>
+                                    </p:animEffect>
+                                  </p:childTnLst>
+                                </p:cTn>
+                              </p:par>
+                              <p:par>
+                                <p:cTn id="10" presetID="10" presetClass="entr" presetSubtype="0" fill="hold" grpId="0" nodeType="withEffect">
+                                  <p:stCondLst>
+                                    <p:cond delay="0"/>
+                                  </p:stCondLst>
+                                  <p:childTnLst>
+                                    <p:set>
+                                      <p:cBhvr>
+                                        <p:cTn id="11" dur="1" fill="hold">
+                                          <p:stCondLst>
+                                            <p:cond delay="0"/>
+                                          </p:stCondLst>
+                                        </p:cTn>
+                                        <p:tgtEl>
+                                          <p:spTgt spid="46">
+                                            <p:txEl>
+                                              <p:pRg st="0" end="0"/>
+                                            </p:txEl>
+                                          </p:spTgt>
+                                        </p:tgtEl>
+                                        <p:attrNameLst>
+                                          <p:attrName>style.visibility</p:attrName>
+                                        </p:attrNameLst>
+                                      </p:cBhvr>
+                                      <p:to>
+                                        <p:strVal val="visible"/>
+                                      </p:to>
+                                    </p:set>
+                                    <p:animEffect transition="in" filter="fade">
+                                      <p:cBhvr>
+                                        <p:cTn id="12" dur="500"/>
+                                        <p:tgtEl>
+                                          <p:spTgt spid="46">
+                                            <p:txEl>
+                                              <p:pRg st="0" end="0"/>
+                                            </p:txEl>
+                                          </p:spTgt>
+                                        </p:tgtEl>
+                                      </p:cBhvr>
+                                    </p:animEffect>
+                                  </p:childTnLst>
+                                </p:cTn>
+                              </p:par>
+                              <p:par>
+                                <p:cTn id="13" presetID="10" presetClass="entr" presetSubtype="0" fill="hold" nodeType="withEffect">
+                                  <p:stCondLst>
+                                    <p:cond delay="0"/>
+                                  </p:stCondLst>
+                                  <p:childTnLst>
+                                    <p:set>
+                                      <p:cBhvr>
+                                        <p:cTn id="14" dur="1" fill="hold">
+                                          <p:stCondLst>
+                                            <p:cond delay="0"/>
+                                          </p:stCondLst>
+                                        </p:cTn>
+                                        <p:tgtEl>
+                                          <p:spTgt spid="38"/>
+                                        </p:tgtEl>
+                                        <p:attrNameLst>
+                                          <p:attrName>style.visibility</p:attrName>
+                                        </p:attrNameLst>
+                                      </p:cBhvr>
+                                      <p:to>
+                                        <p:strVal val="visible"/>
+                                      </p:to>
+                                    </p:set>
+                                    <p:animEffect transition="in" filter="fade">
+                                      <p:cBhvr>
+                                        <p:cTn id="15" dur="500"/>
+                                        <p:tgtEl>
+                                          <p:spTgt spid="38"/>
+                                        </p:tgtEl>
+                                      </p:cBhvr>
+                                    </p:animEffect>
+                                  </p:childTnLst>
+                                </p:cTn>
+                              </p:par>
+                            </p:childTnLst>
+                          </p:cTn>
+                        </p:par>
+                      </p:childTnLst>
+                    </p:cTn>
+                  </p:par>
+                  <p:par>
+                    <p:cTn id="16" fill="hold">
+                      <p:stCondLst>
+                        <p:cond delay="indefinite"/>
+                      </p:stCondLst>
+                      <p:childTnLst>
+                        <p:par>
+                          <p:cTn id="17" fill="hold">
+                            <p:stCondLst>
+                              <p:cond delay="0"/>
+                            </p:stCondLst>
+                            <p:childTnLst>
+                              <p:par>
+                                <p:cTn id="18" presetID="10" presetClass="entr" presetSubtype="0" fill="hold" grpId="0" nodeType="clickEffect">
+                                  <p:stCondLst>
+                                    <p:cond delay="0"/>
+                                  </p:stCondLst>
+                                  <p:childTnLst>
+                                    <p:set>
+                                      <p:cBhvr>
+                                        <p:cTn id="19" dur="1" fill="hold">
+                                          <p:stCondLst>
+                                            <p:cond delay="0"/>
+                                          </p:stCondLst>
+                                        </p:cTn>
+                                        <p:tgtEl>
+                                          <p:spTgt spid="46">
+                                            <p:txEl>
+                                              <p:pRg st="4" end="4"/>
+                                            </p:txEl>
+                                          </p:spTgt>
+                                        </p:tgtEl>
+                                        <p:attrNameLst>
+                                          <p:attrName>style.visibility</p:attrName>
+                                        </p:attrNameLst>
+                                      </p:cBhvr>
+                                      <p:to>
+                                        <p:strVal val="visible"/>
+                                      </p:to>
+                                    </p:set>
+                                    <p:animEffect transition="in" filter="fade">
+                                      <p:cBhvr>
+                                        <p:cTn id="20" dur="500"/>
+                                        <p:tgtEl>
+                                          <p:spTgt spid="46">
+                                            <p:txEl>
+                                              <p:pRg st="4" end="4"/>
+                                            </p:txEl>
+                                          </p:spTgt>
+                                        </p:tgtEl>
+                                      </p:cBhvr>
+                                    </p:animEffect>
+                                  </p:childTnLst>
+                                </p:cTn>
+                              </p:par>
+                              <p:par>
+                                <p:cTn id="21" presetID="10" presetClass="entr" presetSubtype="0" fill="hold" grpId="0" nodeType="withEffect">
+                                  <p:stCondLst>
+                                    <p:cond delay="0"/>
+                                  </p:stCondLst>
+                                  <p:childTnLst>
+                                    <p:set>
+                                      <p:cBhvr>
+                                        <p:cTn id="22" dur="1" fill="hold">
+                                          <p:stCondLst>
+                                            <p:cond delay="0"/>
+                                          </p:stCondLst>
+                                        </p:cTn>
+                                        <p:tgtEl>
+                                          <p:spTgt spid="21"/>
+                                        </p:tgtEl>
+                                        <p:attrNameLst>
+                                          <p:attrName>style.visibility</p:attrName>
+                                        </p:attrNameLst>
+                                      </p:cBhvr>
+                                      <p:to>
+                                        <p:strVal val="visible"/>
+                                      </p:to>
+                                    </p:set>
+                                    <p:animEffect transition="in" filter="fade">
+                                      <p:cBhvr>
+                                        <p:cTn id="23" dur="500"/>
+                                        <p:tgtEl>
+                                          <p:spTgt spid="21"/>
+                                        </p:tgtEl>
+                                      </p:cBhvr>
+                                    </p:animEffect>
+                                  </p:childTnLst>
+                                </p:cTn>
+                              </p:par>
+                              <p:par>
+                                <p:cTn id="24" presetID="10" presetClass="entr" presetSubtype="0" fill="hold" grpId="0" nodeType="withEffect">
+                                  <p:stCondLst>
+                                    <p:cond delay="0"/>
+                                  </p:stCondLst>
+                                  <p:childTnLst>
+                                    <p:set>
+                                      <p:cBhvr>
+                                        <p:cTn id="25" dur="1" fill="hold">
+                                          <p:stCondLst>
+                                            <p:cond delay="0"/>
+                                          </p:stCondLst>
+                                        </p:cTn>
+                                        <p:tgtEl>
+                                          <p:spTgt spid="35"/>
+                                        </p:tgtEl>
+                                        <p:attrNameLst>
+                                          <p:attrName>style.visibility</p:attrName>
+                                        </p:attrNameLst>
+                                      </p:cBhvr>
+                                      <p:to>
+                                        <p:strVal val="visible"/>
+                                      </p:to>
+                                    </p:set>
+                                    <p:animEffect transition="in" filter="fade">
+                                      <p:cBhvr>
+                                        <p:cTn id="26" dur="500"/>
+                                        <p:tgtEl>
+                                          <p:spTgt spid="35"/>
+                                        </p:tgtEl>
+                                      </p:cBhvr>
+                                    </p:animEffect>
+                                  </p:childTnLst>
+                                </p:cTn>
+                              </p:par>
+                            </p:childTnLst>
+                          </p:cTn>
+                        </p:par>
+                      </p:childTnLst>
+                    </p:cTn>
+                  </p:par>
+                  <p:par>
+                    <p:cTn id="27" fill="hold">
+                      <p:stCondLst>
+                        <p:cond delay="indefinite"/>
+                      </p:stCondLst>
+                      <p:childTnLst>
+                        <p:par>
+                          <p:cTn id="28" fill="hold">
+                            <p:stCondLst>
+                              <p:cond delay="0"/>
+                            </p:stCondLst>
+                            <p:childTnLst>
+                              <p:par>
+                                <p:cTn id="29" presetID="10" presetClass="entr" presetSubtype="0" fill="hold" grpId="0" nodeType="clickEffect">
+                                  <p:stCondLst>
+                                    <p:cond delay="0"/>
+                                  </p:stCondLst>
+                                  <p:childTnLst>
+                                    <p:set>
+                                      <p:cBhvr>
+                                        <p:cTn id="30" dur="1" fill="hold">
+                                          <p:stCondLst>
+                                            <p:cond delay="0"/>
+                                          </p:stCondLst>
+                                        </p:cTn>
+                                        <p:tgtEl>
+                                          <p:spTgt spid="46">
+                                            <p:txEl>
+                                              <p:pRg st="7" end="7"/>
+                                            </p:txEl>
+                                          </p:spTgt>
+                                        </p:tgtEl>
+                                        <p:attrNameLst>
+                                          <p:attrName>style.visibility</p:attrName>
+                                        </p:attrNameLst>
+                                      </p:cBhvr>
+                                      <p:to>
+                                        <p:strVal val="visible"/>
+                                      </p:to>
+                                    </p:set>
+                                    <p:animEffect transition="in" filter="fade">
+                                      <p:cBhvr>
+                                        <p:cTn id="31" dur="500"/>
+                                        <p:tgtEl>
+                                          <p:spTgt spid="46">
+                                            <p:txEl>
+                                              <p:pRg st="7" end="7"/>
+                                            </p:txEl>
+                                          </p:spTgt>
+                                        </p:tgtEl>
+                                      </p:cBhvr>
+                                    </p:animEffect>
+                                  </p:childTnLst>
+                                </p:cTn>
+                              </p:par>
+                              <p:par>
+                                <p:cTn id="32" presetID="1" presetClass="entr" presetSubtype="0" fill="hold" grpId="0" nodeType="withEffect">
+                                  <p:stCondLst>
+                                    <p:cond delay="0"/>
+                                  </p:stCondLst>
+                                  <p:childTnLst>
+                                    <p:set>
+                                      <p:cBhvr>
+                                        <p:cTn id="33" dur="1" fill="hold">
+                                          <p:stCondLst>
+                                            <p:cond delay="0"/>
+                                          </p:stCondLst>
+                                        </p:cTn>
+                                        <p:tgtEl>
+                                          <p:spTgt spid="73"/>
+                                        </p:tgtEl>
+                                        <p:attrNameLst>
+                                          <p:attrName>style.visibility</p:attrName>
+                                        </p:attrNameLst>
+                                      </p:cBhvr>
+                                      <p:to>
+                                        <p:strVal val="visible"/>
+                                      </p:to>
+                                    </p:set>
+                                  </p:childTnLst>
+                                </p:cTn>
+                              </p:par>
+                            </p:childTnLst>
+                          </p:cTn>
+                        </p:par>
+                      </p:childTnLst>
+                    </p:cTn>
+                  </p:par>
+                </p:childTnLst>
+              </p:cTn>
+              <p:prevCondLst>
+                <p:cond evt="onPrev" delay="0">
+                  <p:tgtEl>
+                    <p:sldTgt/>
+                  </p:tgtEl>
+                </p:cond>
+              </p:prevCondLst>
+              <p:nextCondLst>
+                <p:cond evt="onNext" delay="0">
+                  <p:tgtEl>
+                    <p:sldTgt/>
+                  </p:tgtEl>
+                </p:cond>
+              </p:nextCondLst>
+            </p:seq>
+          </p:childTnLst>
+        </p:cTn>
+      </p:par>
+    </p:tnLst>
+    <p:bldLst>
+      <p:bldP spid="73" grpId="0" animBg="1"/>
+      <p:bldP spid="46" grpId="0" uiExpand="1" build="p"/>
+      <p:bldP spid="3" grpId="0" animBg="1"/>
+      <p:bldP spid="21" grpId="0" animBg="1"/>
+      <p:bldP spid="34" grpId="0"/>
+      <p:bldP spid="35" grpId="0"/>
+    </p:bldLst>
+  </p:timing>
+</p:sld>
+</file>
+
+<file path=ppt/slides/slide8.xml><?xml version="1.0" encoding="utf-8"?>
+<p:sld xmlns:a="http://schemas.openxmlformats.org/drawingml/2006/main" xmlns:r="http://schemas.openxmlformats.org/officeDocument/2006/relationships" xmlns:p="http://schemas.openxmlformats.org/presentationml/2006/main">
+  <p:cSld>
+    <p:spTree>
+      <p:nvGrpSpPr>
+        <p:cNvPr id="1" name=""/>
+        <p:cNvGrpSpPr/>
+        <p:nvPr/>
+      </p:nvGrpSpPr>
+      <p:grpSpPr>
+        <a:xfrm>
+          <a:off x="0" y="0"/>
+          <a:ext cx="0" cy="0"/>
+          <a:chOff x="0" y="0"/>
+          <a:chExt cx="0" cy="0"/>
+        </a:xfrm>
+      </p:grpSpPr>
+      <p:sp>
+        <p:nvSpPr>
+          <p:cNvPr id="4" name="Titre 3">
+            <a:extLst>
+              <a:ext uri="{FF2B5EF4-FFF2-40B4-BE49-F238E27FC236}">
+                <a16:creationId xmlns:a16="http://schemas.microsoft.com/office/drawing/2014/main" id="{45942FD5-1D54-4200-B6FC-09BED731FE5C}"/>
+              </a:ext>
+            </a:extLst>
+          </p:cNvPr>
+          <p:cNvSpPr>
+            <a:spLocks noGrp="1"/>
+          </p:cNvSpPr>
+          <p:nvPr>
+            <p:ph type="title"/>
+          </p:nvPr>
+        </p:nvSpPr>
+        <p:spPr/>
+        <p:txBody>
+          <a:bodyPr/>
+          <a:lstStyle/>
+          <a:p>
+            <a:r>
+              <a:rPr lang="en-US" dirty="0"/>
+              <a:t>Essential of versioning</a:t>
+            </a:r>
+          </a:p>
+        </p:txBody>
+      </p:sp>
+      <p:sp>
+        <p:nvSpPr>
+          <p:cNvPr id="5" name="Espace réservé du texte 4">
+            <a:extLst>
+              <a:ext uri="{FF2B5EF4-FFF2-40B4-BE49-F238E27FC236}">
+                <a16:creationId xmlns:a16="http://schemas.microsoft.com/office/drawing/2014/main" id="{19136213-C733-40AD-AA0C-027A652EEFFD}"/>
+              </a:ext>
+            </a:extLst>
+          </p:cNvPr>
+          <p:cNvSpPr>
+            <a:spLocks noGrp="1"/>
+          </p:cNvSpPr>
+          <p:nvPr>
+            <p:ph type="body" idx="1"/>
+          </p:nvPr>
+        </p:nvSpPr>
+        <p:spPr/>
+        <p:txBody>
+          <a:bodyPr/>
+          <a:lstStyle/>
+          <a:p>
+            <a:endParaRPr lang="en-US"/>
+          </a:p>
+        </p:txBody>
+      </p:sp>
+    </p:spTree>
+    <p:extLst>
+      <p:ext uri="{BB962C8B-B14F-4D97-AF65-F5344CB8AC3E}">
+        <p14:creationId xmlns:p14="http://schemas.microsoft.com/office/powerpoint/2010/main" val="682752315"/>
       </p:ext>
     </p:extLst>
   </p:cSld>
@@ -43670,7 +47945,7 @@
 </p:sld>
 </file>
 
-<file path=ppt/slides/slide7.xml><?xml version="1.0" encoding="utf-8"?>
+<file path=ppt/slides/slide9.xml><?xml version="1.0" encoding="utf-8"?>
 <p:sld xmlns:a="http://schemas.openxmlformats.org/drawingml/2006/main" xmlns:r="http://schemas.openxmlformats.org/officeDocument/2006/relationships" xmlns:p="http://schemas.openxmlformats.org/presentationml/2006/main">
   <p:cSld>
     <p:spTree>
@@ -43862,736 +48137,12 @@
           </a:p>
         </p:txBody>
       </p:sp>
-    </p:spTree>
-    <p:extLst>
-      <p:ext uri="{BB962C8B-B14F-4D97-AF65-F5344CB8AC3E}">
-        <p14:creationId xmlns:p14="http://schemas.microsoft.com/office/powerpoint/2010/main" val="20395345"/>
-      </p:ext>
-    </p:extLst>
-  </p:cSld>
-  <p:clrMapOvr>
-    <a:masterClrMapping/>
-  </p:clrMapOvr>
-</p:sld>
-</file>
-
-<file path=ppt/slides/slide8.xml><?xml version="1.0" encoding="utf-8"?>
-<p:sld xmlns:a="http://schemas.openxmlformats.org/drawingml/2006/main" xmlns:r="http://schemas.openxmlformats.org/officeDocument/2006/relationships" xmlns:p="http://schemas.openxmlformats.org/presentationml/2006/main">
-  <p:cSld>
-    <p:spTree>
-      <p:nvGrpSpPr>
-        <p:cNvPr id="1" name=""/>
-        <p:cNvGrpSpPr/>
-        <p:nvPr/>
-      </p:nvGrpSpPr>
-      <p:grpSpPr>
-        <a:xfrm>
-          <a:off x="0" y="0"/>
-          <a:ext cx="0" cy="0"/>
-          <a:chOff x="0" y="0"/>
-          <a:chExt cx="0" cy="0"/>
-        </a:xfrm>
-      </p:grpSpPr>
       <p:sp>
         <p:nvSpPr>
-          <p:cNvPr id="4" name="Titre 3">
+          <p:cNvPr id="2" name="Espace réservé du contenu 11">
             <a:extLst>
               <a:ext uri="{FF2B5EF4-FFF2-40B4-BE49-F238E27FC236}">
-                <a16:creationId xmlns:a16="http://schemas.microsoft.com/office/drawing/2014/main" id="{45942FD5-1D54-4200-B6FC-09BED731FE5C}"/>
-              </a:ext>
-            </a:extLst>
-          </p:cNvPr>
-          <p:cNvSpPr>
-            <a:spLocks noGrp="1"/>
-          </p:cNvSpPr>
-          <p:nvPr>
-            <p:ph type="title"/>
-          </p:nvPr>
-        </p:nvSpPr>
-        <p:spPr/>
-        <p:txBody>
-          <a:bodyPr/>
-          <a:lstStyle/>
-          <a:p>
-            <a:r>
-              <a:rPr lang="en-US" dirty="0"/>
-              <a:t>Essential of versioning</a:t>
-            </a:r>
-          </a:p>
-        </p:txBody>
-      </p:sp>
-      <p:sp>
-        <p:nvSpPr>
-          <p:cNvPr id="5" name="Espace réservé du texte 4">
-            <a:extLst>
-              <a:ext uri="{FF2B5EF4-FFF2-40B4-BE49-F238E27FC236}">
-                <a16:creationId xmlns:a16="http://schemas.microsoft.com/office/drawing/2014/main" id="{19136213-C733-40AD-AA0C-027A652EEFFD}"/>
-              </a:ext>
-            </a:extLst>
-          </p:cNvPr>
-          <p:cNvSpPr>
-            <a:spLocks noGrp="1"/>
-          </p:cNvSpPr>
-          <p:nvPr>
-            <p:ph type="body" idx="1"/>
-          </p:nvPr>
-        </p:nvSpPr>
-        <p:spPr/>
-        <p:txBody>
-          <a:bodyPr/>
-          <a:lstStyle/>
-          <a:p>
-            <a:endParaRPr lang="en-US"/>
-          </a:p>
-        </p:txBody>
-      </p:sp>
-    </p:spTree>
-    <p:extLst>
-      <p:ext uri="{BB962C8B-B14F-4D97-AF65-F5344CB8AC3E}">
-        <p14:creationId xmlns:p14="http://schemas.microsoft.com/office/powerpoint/2010/main" val="682752315"/>
-      </p:ext>
-    </p:extLst>
-  </p:cSld>
-  <p:clrMapOvr>
-    <a:masterClrMapping/>
-  </p:clrMapOvr>
-</p:sld>
-</file>
-
-<file path=ppt/slides/slide9.xml><?xml version="1.0" encoding="utf-8"?>
-<p:sld xmlns:a="http://schemas.openxmlformats.org/drawingml/2006/main" xmlns:r="http://schemas.openxmlformats.org/officeDocument/2006/relationships" xmlns:p="http://schemas.openxmlformats.org/presentationml/2006/main">
-  <p:cSld>
-    <p:spTree>
-      <p:nvGrpSpPr>
-        <p:cNvPr id="1" name=""/>
-        <p:cNvGrpSpPr/>
-        <p:nvPr/>
-      </p:nvGrpSpPr>
-      <p:grpSpPr>
-        <a:xfrm>
-          <a:off x="0" y="0"/>
-          <a:ext cx="0" cy="0"/>
-          <a:chOff x="0" y="0"/>
-          <a:chExt cx="0" cy="0"/>
-        </a:xfrm>
-      </p:grpSpPr>
-      <p:sp>
-        <p:nvSpPr>
-          <p:cNvPr id="2" name="Titre 1">
-            <a:extLst>
-              <a:ext uri="{FF2B5EF4-FFF2-40B4-BE49-F238E27FC236}">
-                <a16:creationId xmlns:a16="http://schemas.microsoft.com/office/drawing/2014/main" id="{78D6FBA0-2A62-4746-825F-360A2B875C84}"/>
-              </a:ext>
-            </a:extLst>
-          </p:cNvPr>
-          <p:cNvSpPr>
-            <a:spLocks noGrp="1"/>
-          </p:cNvSpPr>
-          <p:nvPr>
-            <p:ph type="title"/>
-          </p:nvPr>
-        </p:nvSpPr>
-        <p:spPr/>
-        <p:txBody>
-          <a:bodyPr/>
-          <a:lstStyle/>
-          <a:p>
-            <a:r>
-              <a:rPr lang="en-US" dirty="0"/>
-              <a:t>Repository : a folder tracked by git</a:t>
-            </a:r>
-          </a:p>
-        </p:txBody>
-      </p:sp>
-      <p:sp>
-        <p:nvSpPr>
-          <p:cNvPr id="12" name="Espace réservé du contenu 11">
-            <a:extLst>
-              <a:ext uri="{FF2B5EF4-FFF2-40B4-BE49-F238E27FC236}">
-                <a16:creationId xmlns:a16="http://schemas.microsoft.com/office/drawing/2014/main" id="{2F1A9FB1-AB1E-4203-90B1-B42A0F5F73A5}"/>
-              </a:ext>
-            </a:extLst>
-          </p:cNvPr>
-          <p:cNvSpPr>
-            <a:spLocks noGrp="1"/>
-          </p:cNvSpPr>
-          <p:nvPr>
-            <p:ph sz="half" idx="2"/>
-          </p:nvPr>
-        </p:nvSpPr>
-        <p:spPr>
-          <a:xfrm>
-            <a:off x="6172200" y="1825625"/>
-            <a:ext cx="5181600" cy="3003153"/>
-          </a:xfrm>
-        </p:spPr>
-        <p:txBody>
-          <a:bodyPr>
-            <a:normAutofit/>
-          </a:bodyPr>
-          <a:lstStyle/>
-          <a:p>
-            <a:r>
-              <a:rPr lang="en-US" dirty="0"/>
-              <a:t>Any folder with a </a:t>
-            </a:r>
-            <a:r>
-              <a:rPr lang="en-US" dirty="0">
-                <a:solidFill>
-                  <a:schemeClr val="accent6"/>
-                </a:solidFill>
-                <a:latin typeface="JuliaMono" panose="020B0609060300020004" pitchFamily="49" charset="0"/>
-                <a:ea typeface="JuliaMono" panose="020B0609060300020004" pitchFamily="49" charset="0"/>
-                <a:cs typeface="JuliaMono" panose="020B0609060300020004" pitchFamily="49" charset="0"/>
-              </a:rPr>
-              <a:t>.git </a:t>
-            </a:r>
-            <a:r>
-              <a:rPr lang="en-US" dirty="0"/>
-              <a:t>subfolder is a repo</a:t>
-            </a:r>
-          </a:p>
-          <a:p>
-            <a:r>
-              <a:rPr lang="en-US" dirty="0">
-                <a:solidFill>
-                  <a:schemeClr val="accent6">
-                    <a:lumMod val="50000"/>
-                  </a:schemeClr>
-                </a:solidFill>
-                <a:latin typeface="JuliaMono" panose="020B0609060300020004" pitchFamily="49" charset="0"/>
-                <a:ea typeface="JuliaMono" panose="020B0609060300020004" pitchFamily="49" charset="0"/>
-                <a:cs typeface="JuliaMono" panose="020B0609060300020004" pitchFamily="49" charset="0"/>
-              </a:rPr>
-              <a:t>git </a:t>
-            </a:r>
-            <a:r>
-              <a:rPr lang="en-US" dirty="0" err="1">
-                <a:solidFill>
-                  <a:schemeClr val="accent6">
-                    <a:lumMod val="50000"/>
-                  </a:schemeClr>
-                </a:solidFill>
-                <a:latin typeface="JuliaMono" panose="020B0609060300020004" pitchFamily="49" charset="0"/>
-                <a:ea typeface="JuliaMono" panose="020B0609060300020004" pitchFamily="49" charset="0"/>
-                <a:cs typeface="JuliaMono" panose="020B0609060300020004" pitchFamily="49" charset="0"/>
-              </a:rPr>
-              <a:t>init</a:t>
-            </a:r>
-            <a:r>
-              <a:rPr lang="en-US" dirty="0">
-                <a:solidFill>
-                  <a:schemeClr val="accent6">
-                    <a:lumMod val="50000"/>
-                  </a:schemeClr>
-                </a:solidFill>
-                <a:latin typeface="JuliaMono" panose="020B0609060300020004" pitchFamily="49" charset="0"/>
-                <a:ea typeface="JuliaMono" panose="020B0609060300020004" pitchFamily="49" charset="0"/>
-                <a:cs typeface="JuliaMono" panose="020B0609060300020004" pitchFamily="49" charset="0"/>
-              </a:rPr>
-              <a:t> </a:t>
-            </a:r>
-            <a:r>
-              <a:rPr lang="en-US" dirty="0"/>
-              <a:t>initialize a new repo</a:t>
-            </a:r>
-          </a:p>
-          <a:p>
-            <a:r>
-              <a:rPr lang="en-US" dirty="0">
-                <a:solidFill>
-                  <a:schemeClr val="accent6">
-                    <a:lumMod val="50000"/>
-                  </a:schemeClr>
-                </a:solidFill>
-                <a:latin typeface="JuliaMono" panose="020B0609060300020004" pitchFamily="49" charset="0"/>
-                <a:ea typeface="JuliaMono" panose="020B0609060300020004" pitchFamily="49" charset="0"/>
-                <a:cs typeface="JuliaMono" panose="020B0609060300020004" pitchFamily="49" charset="0"/>
-              </a:rPr>
-              <a:t>git clone &lt;</a:t>
-            </a:r>
-            <a:r>
-              <a:rPr lang="en-US" dirty="0" err="1">
-                <a:solidFill>
-                  <a:schemeClr val="accent6">
-                    <a:lumMod val="50000"/>
-                  </a:schemeClr>
-                </a:solidFill>
-                <a:latin typeface="JuliaMono" panose="020B0609060300020004" pitchFamily="49" charset="0"/>
-                <a:ea typeface="JuliaMono" panose="020B0609060300020004" pitchFamily="49" charset="0"/>
-                <a:cs typeface="JuliaMono" panose="020B0609060300020004" pitchFamily="49" charset="0"/>
-              </a:rPr>
-              <a:t>url</a:t>
-            </a:r>
-            <a:r>
-              <a:rPr lang="en-US" dirty="0">
-                <a:solidFill>
-                  <a:schemeClr val="accent6">
-                    <a:lumMod val="50000"/>
-                  </a:schemeClr>
-                </a:solidFill>
-                <a:latin typeface="JuliaMono" panose="020B0609060300020004" pitchFamily="49" charset="0"/>
-                <a:ea typeface="JuliaMono" panose="020B0609060300020004" pitchFamily="49" charset="0"/>
-                <a:cs typeface="JuliaMono" panose="020B0609060300020004" pitchFamily="49" charset="0"/>
-              </a:rPr>
-              <a:t>&gt;</a:t>
-            </a:r>
-            <a:r>
-              <a:rPr lang="en-US" dirty="0">
-                <a:latin typeface="JuliaMono" panose="020B0609060300020004" pitchFamily="49" charset="0"/>
-                <a:ea typeface="JuliaMono" panose="020B0609060300020004" pitchFamily="49" charset="0"/>
-                <a:cs typeface="JuliaMono" panose="020B0609060300020004" pitchFamily="49" charset="0"/>
-              </a:rPr>
-              <a:t> </a:t>
-            </a:r>
-            <a:r>
-              <a:rPr lang="en-US" dirty="0"/>
-              <a:t>copy a repo from the internet</a:t>
-            </a:r>
-          </a:p>
-        </p:txBody>
-      </p:sp>
-      <p:pic>
-        <p:nvPicPr>
-          <p:cNvPr id="13" name="Espace réservé du contenu 5" descr="Dossier contour">
-            <a:extLst>
-              <a:ext uri="{FF2B5EF4-FFF2-40B4-BE49-F238E27FC236}">
-                <a16:creationId xmlns:a16="http://schemas.microsoft.com/office/drawing/2014/main" id="{32F9F4B0-8B08-4856-8694-C64A2F54BD2F}"/>
-              </a:ext>
-            </a:extLst>
-          </p:cNvPr>
-          <p:cNvPicPr>
-            <a:picLocks noChangeAspect="1"/>
-          </p:cNvPicPr>
-          <p:nvPr/>
-        </p:nvPicPr>
-        <p:blipFill>
-          <a:blip r:embed="rId2">
-            <a:extLst>
-              <a:ext uri="{28A0092B-C50C-407E-A947-70E740481C1C}">
-                <a14:useLocalDpi xmlns:a14="http://schemas.microsoft.com/office/drawing/2010/main" val="0"/>
-              </a:ext>
-              <a:ext uri="{96DAC541-7B7A-43D3-8B79-37D633B846F1}">
-                <asvg:svgBlip xmlns:asvg="http://schemas.microsoft.com/office/drawing/2016/SVG/main" r:embed="rId3"/>
-              </a:ext>
-            </a:extLst>
-          </a:blip>
-          <a:stretch>
-            <a:fillRect/>
-          </a:stretch>
-        </p:blipFill>
-        <p:spPr>
-          <a:xfrm>
-            <a:off x="380999" y="938477"/>
-            <a:ext cx="5435601" cy="5435601"/>
-          </a:xfrm>
-          <a:prstGeom prst="rect">
-            <a:avLst/>
-          </a:prstGeom>
-        </p:spPr>
-      </p:pic>
-      <p:pic>
-        <p:nvPicPr>
-          <p:cNvPr id="14" name="Graphique 13" descr="Document avec un remplissage uni">
-            <a:extLst>
-              <a:ext uri="{FF2B5EF4-FFF2-40B4-BE49-F238E27FC236}">
-                <a16:creationId xmlns:a16="http://schemas.microsoft.com/office/drawing/2014/main" id="{FAD4FC99-5C3A-4CE8-9D45-389EB3C35B1D}"/>
-              </a:ext>
-            </a:extLst>
-          </p:cNvPr>
-          <p:cNvPicPr>
-            <a:picLocks noChangeAspect="1"/>
-          </p:cNvPicPr>
-          <p:nvPr/>
-        </p:nvPicPr>
-        <p:blipFill>
-          <a:blip r:embed="rId4">
-            <a:extLst>
-              <a:ext uri="{28A0092B-C50C-407E-A947-70E740481C1C}">
-                <a14:useLocalDpi xmlns:a14="http://schemas.microsoft.com/office/drawing/2010/main" val="0"/>
-              </a:ext>
-              <a:ext uri="{96DAC541-7B7A-43D3-8B79-37D633B846F1}">
-                <asvg:svgBlip xmlns:asvg="http://schemas.microsoft.com/office/drawing/2016/SVG/main" r:embed="rId5"/>
-              </a:ext>
-            </a:extLst>
-          </a:blip>
-          <a:stretch>
-            <a:fillRect/>
-          </a:stretch>
-        </p:blipFill>
-        <p:spPr>
-          <a:xfrm>
-            <a:off x="1368425" y="4283736"/>
-            <a:ext cx="545042" cy="545042"/>
-          </a:xfrm>
-          <a:prstGeom prst="rect">
-            <a:avLst/>
-          </a:prstGeom>
-        </p:spPr>
-      </p:pic>
-      <p:pic>
-        <p:nvPicPr>
-          <p:cNvPr id="15" name="Espace réservé du contenu 5" descr="Dossier contour">
-            <a:extLst>
-              <a:ext uri="{FF2B5EF4-FFF2-40B4-BE49-F238E27FC236}">
-                <a16:creationId xmlns:a16="http://schemas.microsoft.com/office/drawing/2014/main" id="{C8FBE8C8-5DE3-4355-955A-DAF506379704}"/>
-              </a:ext>
-            </a:extLst>
-          </p:cNvPr>
-          <p:cNvPicPr>
-            <a:picLocks noChangeAspect="1"/>
-          </p:cNvPicPr>
-          <p:nvPr/>
-        </p:nvPicPr>
-        <p:blipFill>
-          <a:blip r:embed="rId6">
-            <a:extLst>
-              <a:ext uri="{28A0092B-C50C-407E-A947-70E740481C1C}">
-                <a14:useLocalDpi xmlns:a14="http://schemas.microsoft.com/office/drawing/2010/main" val="0"/>
-              </a:ext>
-              <a:ext uri="{96DAC541-7B7A-43D3-8B79-37D633B846F1}">
-                <asvg:svgBlip xmlns:asvg="http://schemas.microsoft.com/office/drawing/2016/SVG/main" r:embed="rId7"/>
-              </a:ext>
-            </a:extLst>
-          </a:blip>
-          <a:stretch>
-            <a:fillRect/>
-          </a:stretch>
-        </p:blipFill>
-        <p:spPr>
-          <a:xfrm>
-            <a:off x="1368425" y="3029479"/>
-            <a:ext cx="799042" cy="799042"/>
-          </a:xfrm>
-          <a:prstGeom prst="rect">
-            <a:avLst/>
-          </a:prstGeom>
-        </p:spPr>
-      </p:pic>
-      <p:pic>
-        <p:nvPicPr>
-          <p:cNvPr id="16" name="Espace réservé du contenu 5" descr="Dossier contour">
-            <a:extLst>
-              <a:ext uri="{FF2B5EF4-FFF2-40B4-BE49-F238E27FC236}">
-                <a16:creationId xmlns:a16="http://schemas.microsoft.com/office/drawing/2014/main" id="{EBD5BF08-64D5-4986-86D4-B1CFEBEC1904}"/>
-              </a:ext>
-            </a:extLst>
-          </p:cNvPr>
-          <p:cNvPicPr>
-            <a:picLocks noChangeAspect="1"/>
-          </p:cNvPicPr>
-          <p:nvPr/>
-        </p:nvPicPr>
-        <p:blipFill>
-          <a:blip r:embed="rId8">
-            <a:extLst>
-              <a:ext uri="{28A0092B-C50C-407E-A947-70E740481C1C}">
-                <a14:useLocalDpi xmlns:a14="http://schemas.microsoft.com/office/drawing/2010/main" val="0"/>
-              </a:ext>
-              <a:ext uri="{96DAC541-7B7A-43D3-8B79-37D633B846F1}">
-                <asvg:svgBlip xmlns:asvg="http://schemas.microsoft.com/office/drawing/2016/SVG/main" r:embed="rId9"/>
-              </a:ext>
-            </a:extLst>
-          </a:blip>
-          <a:stretch>
-            <a:fillRect/>
-          </a:stretch>
-        </p:blipFill>
-        <p:spPr>
-          <a:xfrm>
-            <a:off x="2642658" y="3029479"/>
-            <a:ext cx="799042" cy="799042"/>
-          </a:xfrm>
-          <a:prstGeom prst="rect">
-            <a:avLst/>
-          </a:prstGeom>
-        </p:spPr>
-      </p:pic>
-      <p:pic>
-        <p:nvPicPr>
-          <p:cNvPr id="17" name="Espace réservé du contenu 5" descr="Dossier contour">
-            <a:extLst>
-              <a:ext uri="{FF2B5EF4-FFF2-40B4-BE49-F238E27FC236}">
-                <a16:creationId xmlns:a16="http://schemas.microsoft.com/office/drawing/2014/main" id="{82BD164B-0003-4466-AA8A-049B9BD509A4}"/>
-              </a:ext>
-            </a:extLst>
-          </p:cNvPr>
-          <p:cNvPicPr>
-            <a:picLocks noChangeAspect="1"/>
-          </p:cNvPicPr>
-          <p:nvPr/>
-        </p:nvPicPr>
-        <p:blipFill>
-          <a:blip r:embed="rId8">
-            <a:extLst>
-              <a:ext uri="{28A0092B-C50C-407E-A947-70E740481C1C}">
-                <a14:useLocalDpi xmlns:a14="http://schemas.microsoft.com/office/drawing/2010/main" val="0"/>
-              </a:ext>
-              <a:ext uri="{96DAC541-7B7A-43D3-8B79-37D633B846F1}">
-                <asvg:svgBlip xmlns:asvg="http://schemas.microsoft.com/office/drawing/2016/SVG/main" r:embed="rId9"/>
-              </a:ext>
-            </a:extLst>
-          </a:blip>
-          <a:stretch>
-            <a:fillRect/>
-          </a:stretch>
-        </p:blipFill>
-        <p:spPr>
-          <a:xfrm>
-            <a:off x="3916891" y="3029479"/>
-            <a:ext cx="799042" cy="799042"/>
-          </a:xfrm>
-          <a:prstGeom prst="rect">
-            <a:avLst/>
-          </a:prstGeom>
-        </p:spPr>
-      </p:pic>
-      <p:pic>
-        <p:nvPicPr>
-          <p:cNvPr id="18" name="Graphique 17" descr="Document avec un remplissage uni">
-            <a:extLst>
-              <a:ext uri="{FF2B5EF4-FFF2-40B4-BE49-F238E27FC236}">
-                <a16:creationId xmlns:a16="http://schemas.microsoft.com/office/drawing/2014/main" id="{93B8F915-AEDE-42BE-B490-3C84BF7F0557}"/>
-              </a:ext>
-            </a:extLst>
-          </p:cNvPr>
-          <p:cNvPicPr>
-            <a:picLocks noChangeAspect="1"/>
-          </p:cNvPicPr>
-          <p:nvPr/>
-        </p:nvPicPr>
-        <p:blipFill>
-          <a:blip r:embed="rId4">
-            <a:extLst>
-              <a:ext uri="{28A0092B-C50C-407E-A947-70E740481C1C}">
-                <a14:useLocalDpi xmlns:a14="http://schemas.microsoft.com/office/drawing/2010/main" val="0"/>
-              </a:ext>
-              <a:ext uri="{96DAC541-7B7A-43D3-8B79-37D633B846F1}">
-                <asvg:svgBlip xmlns:asvg="http://schemas.microsoft.com/office/drawing/2016/SVG/main" r:embed="rId5"/>
-              </a:ext>
-            </a:extLst>
-          </a:blip>
-          <a:stretch>
-            <a:fillRect/>
-          </a:stretch>
-        </p:blipFill>
-        <p:spPr>
-          <a:xfrm>
-            <a:off x="1952625" y="4283736"/>
-            <a:ext cx="545042" cy="545042"/>
-          </a:xfrm>
-          <a:prstGeom prst="rect">
-            <a:avLst/>
-          </a:prstGeom>
-        </p:spPr>
-      </p:pic>
-      <p:pic>
-        <p:nvPicPr>
-          <p:cNvPr id="19" name="Graphique 18" descr="Document avec un remplissage uni">
-            <a:extLst>
-              <a:ext uri="{FF2B5EF4-FFF2-40B4-BE49-F238E27FC236}">
-                <a16:creationId xmlns:a16="http://schemas.microsoft.com/office/drawing/2014/main" id="{451BBFC0-C57D-4474-BBCC-F8BC0FA9C630}"/>
-              </a:ext>
-            </a:extLst>
-          </p:cNvPr>
-          <p:cNvPicPr>
-            <a:picLocks noChangeAspect="1"/>
-          </p:cNvPicPr>
-          <p:nvPr/>
-        </p:nvPicPr>
-        <p:blipFill>
-          <a:blip r:embed="rId4">
-            <a:extLst>
-              <a:ext uri="{28A0092B-C50C-407E-A947-70E740481C1C}">
-                <a14:useLocalDpi xmlns:a14="http://schemas.microsoft.com/office/drawing/2010/main" val="0"/>
-              </a:ext>
-              <a:ext uri="{96DAC541-7B7A-43D3-8B79-37D633B846F1}">
-                <asvg:svgBlip xmlns:asvg="http://schemas.microsoft.com/office/drawing/2016/SVG/main" r:embed="rId5"/>
-              </a:ext>
-            </a:extLst>
-          </a:blip>
-          <a:stretch>
-            <a:fillRect/>
-          </a:stretch>
-        </p:blipFill>
-        <p:spPr>
-          <a:xfrm>
-            <a:off x="2536825" y="4283736"/>
-            <a:ext cx="545042" cy="545042"/>
-          </a:xfrm>
-          <a:prstGeom prst="rect">
-            <a:avLst/>
-          </a:prstGeom>
-        </p:spPr>
-      </p:pic>
-      <p:pic>
-        <p:nvPicPr>
-          <p:cNvPr id="20" name="Graphique 19" descr="Document avec un remplissage uni">
-            <a:extLst>
-              <a:ext uri="{FF2B5EF4-FFF2-40B4-BE49-F238E27FC236}">
-                <a16:creationId xmlns:a16="http://schemas.microsoft.com/office/drawing/2014/main" id="{F7183A7F-0444-4A24-8F10-5BB253FDEEC9}"/>
-              </a:ext>
-            </a:extLst>
-          </p:cNvPr>
-          <p:cNvPicPr>
-            <a:picLocks noChangeAspect="1"/>
-          </p:cNvPicPr>
-          <p:nvPr/>
-        </p:nvPicPr>
-        <p:blipFill>
-          <a:blip r:embed="rId4">
-            <a:extLst>
-              <a:ext uri="{28A0092B-C50C-407E-A947-70E740481C1C}">
-                <a14:useLocalDpi xmlns:a14="http://schemas.microsoft.com/office/drawing/2010/main" val="0"/>
-              </a:ext>
-              <a:ext uri="{96DAC541-7B7A-43D3-8B79-37D633B846F1}">
-                <asvg:svgBlip xmlns:asvg="http://schemas.microsoft.com/office/drawing/2016/SVG/main" r:embed="rId5"/>
-              </a:ext>
-            </a:extLst>
-          </a:blip>
-          <a:stretch>
-            <a:fillRect/>
-          </a:stretch>
-        </p:blipFill>
-        <p:spPr>
-          <a:xfrm>
-            <a:off x="3121025" y="4283736"/>
-            <a:ext cx="545042" cy="545042"/>
-          </a:xfrm>
-          <a:prstGeom prst="rect">
-            <a:avLst/>
-          </a:prstGeom>
-        </p:spPr>
-      </p:pic>
-      <p:pic>
-        <p:nvPicPr>
-          <p:cNvPr id="21" name="Graphique 20" descr="Document avec un remplissage uni">
-            <a:extLst>
-              <a:ext uri="{FF2B5EF4-FFF2-40B4-BE49-F238E27FC236}">
-                <a16:creationId xmlns:a16="http://schemas.microsoft.com/office/drawing/2014/main" id="{71CFB8BF-85DD-48C3-8A76-DEA6A32176C2}"/>
-              </a:ext>
-            </a:extLst>
-          </p:cNvPr>
-          <p:cNvPicPr>
-            <a:picLocks noChangeAspect="1"/>
-          </p:cNvPicPr>
-          <p:nvPr/>
-        </p:nvPicPr>
-        <p:blipFill>
-          <a:blip r:embed="rId4">
-            <a:extLst>
-              <a:ext uri="{28A0092B-C50C-407E-A947-70E740481C1C}">
-                <a14:useLocalDpi xmlns:a14="http://schemas.microsoft.com/office/drawing/2010/main" val="0"/>
-              </a:ext>
-              <a:ext uri="{96DAC541-7B7A-43D3-8B79-37D633B846F1}">
-                <asvg:svgBlip xmlns:asvg="http://schemas.microsoft.com/office/drawing/2016/SVG/main" r:embed="rId5"/>
-              </a:ext>
-            </a:extLst>
-          </a:blip>
-          <a:stretch>
-            <a:fillRect/>
-          </a:stretch>
-        </p:blipFill>
-        <p:spPr>
-          <a:xfrm>
-            <a:off x="3705225" y="4283736"/>
-            <a:ext cx="545042" cy="545042"/>
-          </a:xfrm>
-          <a:prstGeom prst="rect">
-            <a:avLst/>
-          </a:prstGeom>
-        </p:spPr>
-      </p:pic>
-      <p:pic>
-        <p:nvPicPr>
-          <p:cNvPr id="22" name="Graphique 21" descr="Document avec un remplissage uni">
-            <a:extLst>
-              <a:ext uri="{FF2B5EF4-FFF2-40B4-BE49-F238E27FC236}">
-                <a16:creationId xmlns:a16="http://schemas.microsoft.com/office/drawing/2014/main" id="{D152CF53-2FE1-441A-9E5E-EEEEE5F7F452}"/>
-              </a:ext>
-            </a:extLst>
-          </p:cNvPr>
-          <p:cNvPicPr>
-            <a:picLocks noChangeAspect="1"/>
-          </p:cNvPicPr>
-          <p:nvPr/>
-        </p:nvPicPr>
-        <p:blipFill>
-          <a:blip r:embed="rId4">
-            <a:extLst>
-              <a:ext uri="{28A0092B-C50C-407E-A947-70E740481C1C}">
-                <a14:useLocalDpi xmlns:a14="http://schemas.microsoft.com/office/drawing/2010/main" val="0"/>
-              </a:ext>
-              <a:ext uri="{96DAC541-7B7A-43D3-8B79-37D633B846F1}">
-                <asvg:svgBlip xmlns:asvg="http://schemas.microsoft.com/office/drawing/2016/SVG/main" r:embed="rId5"/>
-              </a:ext>
-            </a:extLst>
-          </a:blip>
-          <a:stretch>
-            <a:fillRect/>
-          </a:stretch>
-        </p:blipFill>
-        <p:spPr>
-          <a:xfrm>
-            <a:off x="4289425" y="4283736"/>
-            <a:ext cx="545042" cy="545042"/>
-          </a:xfrm>
-          <a:prstGeom prst="rect">
-            <a:avLst/>
-          </a:prstGeom>
-        </p:spPr>
-      </p:pic>
-      <p:sp>
-        <p:nvSpPr>
-          <p:cNvPr id="23" name="Espace réservé du contenu 5">
-            <a:extLst>
-              <a:ext uri="{FF2B5EF4-FFF2-40B4-BE49-F238E27FC236}">
-                <a16:creationId xmlns:a16="http://schemas.microsoft.com/office/drawing/2014/main" id="{BA1A0207-43E8-4BF6-882D-7554CDA7D68C}"/>
-              </a:ext>
-            </a:extLst>
-          </p:cNvPr>
-          <p:cNvSpPr>
-            <a:spLocks noGrp="1"/>
-          </p:cNvSpPr>
-          <p:nvPr>
-            <p:ph idx="1"/>
-          </p:nvPr>
-        </p:nvSpPr>
-        <p:spPr>
-          <a:xfrm>
-            <a:off x="1359958" y="3656277"/>
-            <a:ext cx="821266" cy="424656"/>
-          </a:xfrm>
-        </p:spPr>
-        <p:txBody>
-          <a:bodyPr>
-            <a:normAutofit/>
-          </a:bodyPr>
-          <a:lstStyle/>
-          <a:p>
-            <a:pPr marL="0" indent="0">
-              <a:buNone/>
-            </a:pPr>
-            <a:r>
-              <a:rPr lang="en-US" sz="2000" dirty="0">
-                <a:solidFill>
-                  <a:schemeClr val="accent6"/>
-                </a:solidFill>
-                <a:latin typeface="JuliaMono" panose="020B0609060300020004" pitchFamily="49" charset="0"/>
-                <a:ea typeface="JuliaMono" panose="020B0609060300020004" pitchFamily="49" charset="0"/>
-                <a:cs typeface="JuliaMono" panose="020B0609060300020004" pitchFamily="49" charset="0"/>
-              </a:rPr>
-              <a:t>.git</a:t>
-            </a:r>
-          </a:p>
-        </p:txBody>
-      </p:sp>
-      <p:sp>
-        <p:nvSpPr>
-          <p:cNvPr id="24" name="Espace réservé du contenu 5">
-            <a:extLst>
-              <a:ext uri="{FF2B5EF4-FFF2-40B4-BE49-F238E27FC236}">
-                <a16:creationId xmlns:a16="http://schemas.microsoft.com/office/drawing/2014/main" id="{6BC80DB9-AE31-4895-B9F3-EDF14843F5E5}"/>
+                <a16:creationId xmlns:a16="http://schemas.microsoft.com/office/drawing/2014/main" id="{5D96BE3D-20FD-C6FB-41F2-8EAD41229843}"/>
               </a:ext>
             </a:extLst>
           </p:cNvPr>
@@ -44602,435 +48153,21 @@
         </p:nvSpPr>
         <p:spPr>
           <a:xfrm>
-            <a:off x="2645833" y="3673210"/>
-            <a:ext cx="821266" cy="424656"/>
-          </a:xfrm>
-          <a:prstGeom prst="rect">
-            <a:avLst/>
-          </a:prstGeom>
-        </p:spPr>
-        <p:txBody>
-          <a:bodyPr vert="horz" lIns="91440" tIns="45720" rIns="91440" bIns="45720" rtlCol="0">
-            <a:normAutofit/>
-          </a:bodyPr>
-          <a:lstStyle>
-            <a:lvl1pPr marL="228600" indent="-228600" algn="l" defTabSz="914400" rtl="0" eaLnBrk="1" latinLnBrk="0" hangingPunct="1">
-              <a:lnSpc>
-                <a:spcPct val="90000"/>
-              </a:lnSpc>
-              <a:spcBef>
-                <a:spcPts val="1000"/>
-              </a:spcBef>
-              <a:buFont typeface="Arial" panose="020B0604020202020204" pitchFamily="34" charset="0"/>
-              <a:buChar char="•"/>
-              <a:defRPr sz="2800" kern="1200">
-                <a:solidFill>
-                  <a:schemeClr val="tx1"/>
-                </a:solidFill>
-                <a:latin typeface="Palatino Linotype" panose="02040502050505030304" pitchFamily="18" charset="0"/>
-                <a:ea typeface="+mn-ea"/>
-                <a:cs typeface="+mn-cs"/>
-              </a:defRPr>
-            </a:lvl1pPr>
-            <a:lvl2pPr marL="685800" indent="-228600" algn="l" defTabSz="914400" rtl="0" eaLnBrk="1" latinLnBrk="0" hangingPunct="1">
-              <a:lnSpc>
-                <a:spcPct val="90000"/>
-              </a:lnSpc>
-              <a:spcBef>
-                <a:spcPts val="500"/>
-              </a:spcBef>
-              <a:buFont typeface="Arial" panose="020B0604020202020204" pitchFamily="34" charset="0"/>
-              <a:buChar char="•"/>
-              <a:defRPr sz="2400" kern="1200">
-                <a:solidFill>
-                  <a:schemeClr val="tx1"/>
-                </a:solidFill>
-                <a:latin typeface="Palatino Linotype" panose="02040502050505030304" pitchFamily="18" charset="0"/>
-                <a:ea typeface="+mn-ea"/>
-                <a:cs typeface="+mn-cs"/>
-              </a:defRPr>
-            </a:lvl2pPr>
-            <a:lvl3pPr marL="1143000" indent="-228600" algn="l" defTabSz="914400" rtl="0" eaLnBrk="1" latinLnBrk="0" hangingPunct="1">
-              <a:lnSpc>
-                <a:spcPct val="90000"/>
-              </a:lnSpc>
-              <a:spcBef>
-                <a:spcPts val="500"/>
-              </a:spcBef>
-              <a:buFont typeface="Arial" panose="020B0604020202020204" pitchFamily="34" charset="0"/>
-              <a:buChar char="•"/>
-              <a:defRPr sz="2000" kern="1200">
-                <a:solidFill>
-                  <a:schemeClr val="tx1"/>
-                </a:solidFill>
-                <a:latin typeface="Palatino Linotype" panose="02040502050505030304" pitchFamily="18" charset="0"/>
-                <a:ea typeface="+mn-ea"/>
-                <a:cs typeface="+mn-cs"/>
-              </a:defRPr>
-            </a:lvl3pPr>
-            <a:lvl4pPr marL="1600200" indent="-228600" algn="l" defTabSz="914400" rtl="0" eaLnBrk="1" latinLnBrk="0" hangingPunct="1">
-              <a:lnSpc>
-                <a:spcPct val="90000"/>
-              </a:lnSpc>
-              <a:spcBef>
-                <a:spcPts val="500"/>
-              </a:spcBef>
-              <a:buFont typeface="Arial" panose="020B0604020202020204" pitchFamily="34" charset="0"/>
-              <a:buChar char="•"/>
-              <a:defRPr sz="1800" kern="1200">
-                <a:solidFill>
-                  <a:schemeClr val="tx1"/>
-                </a:solidFill>
-                <a:latin typeface="Palatino Linotype" panose="02040502050505030304" pitchFamily="18" charset="0"/>
-                <a:ea typeface="+mn-ea"/>
-                <a:cs typeface="+mn-cs"/>
-              </a:defRPr>
-            </a:lvl4pPr>
-            <a:lvl5pPr marL="2057400" indent="-228600" algn="l" defTabSz="914400" rtl="0" eaLnBrk="1" latinLnBrk="0" hangingPunct="1">
-              <a:lnSpc>
-                <a:spcPct val="90000"/>
-              </a:lnSpc>
-              <a:spcBef>
-                <a:spcPts val="500"/>
-              </a:spcBef>
-              <a:buFont typeface="Arial" panose="020B0604020202020204" pitchFamily="34" charset="0"/>
-              <a:buChar char="•"/>
-              <a:defRPr sz="1800" kern="1200">
-                <a:solidFill>
-                  <a:schemeClr val="tx1"/>
-                </a:solidFill>
-                <a:latin typeface="Palatino Linotype" panose="02040502050505030304" pitchFamily="18" charset="0"/>
-                <a:ea typeface="+mn-ea"/>
-                <a:cs typeface="+mn-cs"/>
-              </a:defRPr>
-            </a:lvl5pPr>
-            <a:lvl6pPr marL="2514600" indent="-228600" algn="l" defTabSz="914400" rtl="0" eaLnBrk="1" latinLnBrk="0" hangingPunct="1">
-              <a:lnSpc>
-                <a:spcPct val="90000"/>
-              </a:lnSpc>
-              <a:spcBef>
-                <a:spcPts val="500"/>
-              </a:spcBef>
-              <a:buFont typeface="Arial" panose="020B0604020202020204" pitchFamily="34" charset="0"/>
-              <a:buChar char="•"/>
-              <a:defRPr sz="1800" kern="1200">
-                <a:solidFill>
-                  <a:schemeClr val="tx1"/>
-                </a:solidFill>
-                <a:latin typeface="+mn-lt"/>
-                <a:ea typeface="+mn-ea"/>
-                <a:cs typeface="+mn-cs"/>
-              </a:defRPr>
-            </a:lvl6pPr>
-            <a:lvl7pPr marL="2971800" indent="-228600" algn="l" defTabSz="914400" rtl="0" eaLnBrk="1" latinLnBrk="0" hangingPunct="1">
-              <a:lnSpc>
-                <a:spcPct val="90000"/>
-              </a:lnSpc>
-              <a:spcBef>
-                <a:spcPts val="500"/>
-              </a:spcBef>
-              <a:buFont typeface="Arial" panose="020B0604020202020204" pitchFamily="34" charset="0"/>
-              <a:buChar char="•"/>
-              <a:defRPr sz="1800" kern="1200">
-                <a:solidFill>
-                  <a:schemeClr val="tx1"/>
-                </a:solidFill>
-                <a:latin typeface="+mn-lt"/>
-                <a:ea typeface="+mn-ea"/>
-                <a:cs typeface="+mn-cs"/>
-              </a:defRPr>
-            </a:lvl7pPr>
-            <a:lvl8pPr marL="3429000" indent="-228600" algn="l" defTabSz="914400" rtl="0" eaLnBrk="1" latinLnBrk="0" hangingPunct="1">
-              <a:lnSpc>
-                <a:spcPct val="90000"/>
-              </a:lnSpc>
-              <a:spcBef>
-                <a:spcPts val="500"/>
-              </a:spcBef>
-              <a:buFont typeface="Arial" panose="020B0604020202020204" pitchFamily="34" charset="0"/>
-              <a:buChar char="•"/>
-              <a:defRPr sz="1800" kern="1200">
-                <a:solidFill>
-                  <a:schemeClr val="tx1"/>
-                </a:solidFill>
-                <a:latin typeface="+mn-lt"/>
-                <a:ea typeface="+mn-ea"/>
-                <a:cs typeface="+mn-cs"/>
-              </a:defRPr>
-            </a:lvl8pPr>
-            <a:lvl9pPr marL="3886200" indent="-228600" algn="l" defTabSz="914400" rtl="0" eaLnBrk="1" latinLnBrk="0" hangingPunct="1">
-              <a:lnSpc>
-                <a:spcPct val="90000"/>
-              </a:lnSpc>
-              <a:spcBef>
-                <a:spcPts val="500"/>
-              </a:spcBef>
-              <a:buFont typeface="Arial" panose="020B0604020202020204" pitchFamily="34" charset="0"/>
-              <a:buChar char="•"/>
-              <a:defRPr sz="1800" kern="1200">
-                <a:solidFill>
-                  <a:schemeClr val="tx1"/>
-                </a:solidFill>
-                <a:latin typeface="+mn-lt"/>
-                <a:ea typeface="+mn-ea"/>
-                <a:cs typeface="+mn-cs"/>
-              </a:defRPr>
-            </a:lvl9pPr>
-          </a:lstStyle>
-          <a:p>
-            <a:pPr marL="0" indent="0">
-              <a:buFont typeface="Arial" panose="020B0604020202020204" pitchFamily="34" charset="0"/>
-              <a:buNone/>
-            </a:pPr>
-            <a:r>
-              <a:rPr lang="en-US" sz="2000" dirty="0">
-                <a:latin typeface="JuliaMono" panose="020B0609060300020004" pitchFamily="49" charset="0"/>
-                <a:ea typeface="JuliaMono" panose="020B0609060300020004" pitchFamily="49" charset="0"/>
-                <a:cs typeface="JuliaMono" panose="020B0609060300020004" pitchFamily="49" charset="0"/>
-              </a:rPr>
-              <a:t>data</a:t>
-            </a:r>
-          </a:p>
-        </p:txBody>
-      </p:sp>
-      <p:sp>
-        <p:nvSpPr>
-          <p:cNvPr id="25" name="Espace réservé du contenu 5">
-            <a:extLst>
-              <a:ext uri="{FF2B5EF4-FFF2-40B4-BE49-F238E27FC236}">
-                <a16:creationId xmlns:a16="http://schemas.microsoft.com/office/drawing/2014/main" id="{C33D3E20-53BA-4DFE-8F2C-83147C3D6C7B}"/>
-              </a:ext>
-            </a:extLst>
-          </p:cNvPr>
-          <p:cNvSpPr txBox="1">
-            <a:spLocks/>
-          </p:cNvSpPr>
-          <p:nvPr/>
-        </p:nvSpPr>
-        <p:spPr>
-          <a:xfrm>
-            <a:off x="3903134" y="3656277"/>
-            <a:ext cx="1021821" cy="424656"/>
-          </a:xfrm>
-          <a:prstGeom prst="rect">
-            <a:avLst/>
-          </a:prstGeom>
-        </p:spPr>
-        <p:txBody>
-          <a:bodyPr vert="horz" lIns="91440" tIns="45720" rIns="91440" bIns="45720" rtlCol="0">
-            <a:normAutofit/>
-          </a:bodyPr>
-          <a:lstStyle>
-            <a:lvl1pPr marL="228600" indent="-228600" algn="l" defTabSz="914400" rtl="0" eaLnBrk="1" latinLnBrk="0" hangingPunct="1">
-              <a:lnSpc>
-                <a:spcPct val="90000"/>
-              </a:lnSpc>
-              <a:spcBef>
-                <a:spcPts val="1000"/>
-              </a:spcBef>
-              <a:buFont typeface="Arial" panose="020B0604020202020204" pitchFamily="34" charset="0"/>
-              <a:buChar char="•"/>
-              <a:defRPr sz="2800" kern="1200">
-                <a:solidFill>
-                  <a:schemeClr val="tx1"/>
-                </a:solidFill>
-                <a:latin typeface="Palatino Linotype" panose="02040502050505030304" pitchFamily="18" charset="0"/>
-                <a:ea typeface="+mn-ea"/>
-                <a:cs typeface="+mn-cs"/>
-              </a:defRPr>
-            </a:lvl1pPr>
-            <a:lvl2pPr marL="685800" indent="-228600" algn="l" defTabSz="914400" rtl="0" eaLnBrk="1" latinLnBrk="0" hangingPunct="1">
-              <a:lnSpc>
-                <a:spcPct val="90000"/>
-              </a:lnSpc>
-              <a:spcBef>
-                <a:spcPts val="500"/>
-              </a:spcBef>
-              <a:buFont typeface="Arial" panose="020B0604020202020204" pitchFamily="34" charset="0"/>
-              <a:buChar char="•"/>
-              <a:defRPr sz="2400" kern="1200">
-                <a:solidFill>
-                  <a:schemeClr val="tx1"/>
-                </a:solidFill>
-                <a:latin typeface="Palatino Linotype" panose="02040502050505030304" pitchFamily="18" charset="0"/>
-                <a:ea typeface="+mn-ea"/>
-                <a:cs typeface="+mn-cs"/>
-              </a:defRPr>
-            </a:lvl2pPr>
-            <a:lvl3pPr marL="1143000" indent="-228600" algn="l" defTabSz="914400" rtl="0" eaLnBrk="1" latinLnBrk="0" hangingPunct="1">
-              <a:lnSpc>
-                <a:spcPct val="90000"/>
-              </a:lnSpc>
-              <a:spcBef>
-                <a:spcPts val="500"/>
-              </a:spcBef>
-              <a:buFont typeface="Arial" panose="020B0604020202020204" pitchFamily="34" charset="0"/>
-              <a:buChar char="•"/>
-              <a:defRPr sz="2000" kern="1200">
-                <a:solidFill>
-                  <a:schemeClr val="tx1"/>
-                </a:solidFill>
-                <a:latin typeface="Palatino Linotype" panose="02040502050505030304" pitchFamily="18" charset="0"/>
-                <a:ea typeface="+mn-ea"/>
-                <a:cs typeface="+mn-cs"/>
-              </a:defRPr>
-            </a:lvl3pPr>
-            <a:lvl4pPr marL="1600200" indent="-228600" algn="l" defTabSz="914400" rtl="0" eaLnBrk="1" latinLnBrk="0" hangingPunct="1">
-              <a:lnSpc>
-                <a:spcPct val="90000"/>
-              </a:lnSpc>
-              <a:spcBef>
-                <a:spcPts val="500"/>
-              </a:spcBef>
-              <a:buFont typeface="Arial" panose="020B0604020202020204" pitchFamily="34" charset="0"/>
-              <a:buChar char="•"/>
-              <a:defRPr sz="1800" kern="1200">
-                <a:solidFill>
-                  <a:schemeClr val="tx1"/>
-                </a:solidFill>
-                <a:latin typeface="Palatino Linotype" panose="02040502050505030304" pitchFamily="18" charset="0"/>
-                <a:ea typeface="+mn-ea"/>
-                <a:cs typeface="+mn-cs"/>
-              </a:defRPr>
-            </a:lvl4pPr>
-            <a:lvl5pPr marL="2057400" indent="-228600" algn="l" defTabSz="914400" rtl="0" eaLnBrk="1" latinLnBrk="0" hangingPunct="1">
-              <a:lnSpc>
-                <a:spcPct val="90000"/>
-              </a:lnSpc>
-              <a:spcBef>
-                <a:spcPts val="500"/>
-              </a:spcBef>
-              <a:buFont typeface="Arial" panose="020B0604020202020204" pitchFamily="34" charset="0"/>
-              <a:buChar char="•"/>
-              <a:defRPr sz="1800" kern="1200">
-                <a:solidFill>
-                  <a:schemeClr val="tx1"/>
-                </a:solidFill>
-                <a:latin typeface="Palatino Linotype" panose="02040502050505030304" pitchFamily="18" charset="0"/>
-                <a:ea typeface="+mn-ea"/>
-                <a:cs typeface="+mn-cs"/>
-              </a:defRPr>
-            </a:lvl5pPr>
-            <a:lvl6pPr marL="2514600" indent="-228600" algn="l" defTabSz="914400" rtl="0" eaLnBrk="1" latinLnBrk="0" hangingPunct="1">
-              <a:lnSpc>
-                <a:spcPct val="90000"/>
-              </a:lnSpc>
-              <a:spcBef>
-                <a:spcPts val="500"/>
-              </a:spcBef>
-              <a:buFont typeface="Arial" panose="020B0604020202020204" pitchFamily="34" charset="0"/>
-              <a:buChar char="•"/>
-              <a:defRPr sz="1800" kern="1200">
-                <a:solidFill>
-                  <a:schemeClr val="tx1"/>
-                </a:solidFill>
-                <a:latin typeface="+mn-lt"/>
-                <a:ea typeface="+mn-ea"/>
-                <a:cs typeface="+mn-cs"/>
-              </a:defRPr>
-            </a:lvl6pPr>
-            <a:lvl7pPr marL="2971800" indent="-228600" algn="l" defTabSz="914400" rtl="0" eaLnBrk="1" latinLnBrk="0" hangingPunct="1">
-              <a:lnSpc>
-                <a:spcPct val="90000"/>
-              </a:lnSpc>
-              <a:spcBef>
-                <a:spcPts val="500"/>
-              </a:spcBef>
-              <a:buFont typeface="Arial" panose="020B0604020202020204" pitchFamily="34" charset="0"/>
-              <a:buChar char="•"/>
-              <a:defRPr sz="1800" kern="1200">
-                <a:solidFill>
-                  <a:schemeClr val="tx1"/>
-                </a:solidFill>
-                <a:latin typeface="+mn-lt"/>
-                <a:ea typeface="+mn-ea"/>
-                <a:cs typeface="+mn-cs"/>
-              </a:defRPr>
-            </a:lvl7pPr>
-            <a:lvl8pPr marL="3429000" indent="-228600" algn="l" defTabSz="914400" rtl="0" eaLnBrk="1" latinLnBrk="0" hangingPunct="1">
-              <a:lnSpc>
-                <a:spcPct val="90000"/>
-              </a:lnSpc>
-              <a:spcBef>
-                <a:spcPts val="500"/>
-              </a:spcBef>
-              <a:buFont typeface="Arial" panose="020B0604020202020204" pitchFamily="34" charset="0"/>
-              <a:buChar char="•"/>
-              <a:defRPr sz="1800" kern="1200">
-                <a:solidFill>
-                  <a:schemeClr val="tx1"/>
-                </a:solidFill>
-                <a:latin typeface="+mn-lt"/>
-                <a:ea typeface="+mn-ea"/>
-                <a:cs typeface="+mn-cs"/>
-              </a:defRPr>
-            </a:lvl8pPr>
-            <a:lvl9pPr marL="3886200" indent="-228600" algn="l" defTabSz="914400" rtl="0" eaLnBrk="1" latinLnBrk="0" hangingPunct="1">
-              <a:lnSpc>
-                <a:spcPct val="90000"/>
-              </a:lnSpc>
-              <a:spcBef>
-                <a:spcPts val="500"/>
-              </a:spcBef>
-              <a:buFont typeface="Arial" panose="020B0604020202020204" pitchFamily="34" charset="0"/>
-              <a:buChar char="•"/>
-              <a:defRPr sz="1800" kern="1200">
-                <a:solidFill>
-                  <a:schemeClr val="tx1"/>
-                </a:solidFill>
-                <a:latin typeface="+mn-lt"/>
-                <a:ea typeface="+mn-ea"/>
-                <a:cs typeface="+mn-cs"/>
-              </a:defRPr>
-            </a:lvl9pPr>
-          </a:lstStyle>
-          <a:p>
-            <a:pPr marL="0" indent="0">
-              <a:buFont typeface="Arial" panose="020B0604020202020204" pitchFamily="34" charset="0"/>
-              <a:buNone/>
-            </a:pPr>
-            <a:r>
-              <a:rPr lang="en-US" sz="2000" dirty="0">
-                <a:latin typeface="JuliaMono" panose="020B0609060300020004" pitchFamily="49" charset="0"/>
-                <a:ea typeface="JuliaMono" panose="020B0609060300020004" pitchFamily="49" charset="0"/>
-                <a:cs typeface="JuliaMono" panose="020B0609060300020004" pitchFamily="49" charset="0"/>
-              </a:rPr>
-              <a:t>plots</a:t>
-            </a:r>
-          </a:p>
-        </p:txBody>
-      </p:sp>
-      <p:sp>
-        <p:nvSpPr>
-          <p:cNvPr id="28" name="Espace réservé du contenu 11">
-            <a:extLst>
-              <a:ext uri="{FF2B5EF4-FFF2-40B4-BE49-F238E27FC236}">
-                <a16:creationId xmlns:a16="http://schemas.microsoft.com/office/drawing/2014/main" id="{8896C8C0-2724-40D9-9CC4-117FC24D7D09}"/>
-              </a:ext>
-            </a:extLst>
-          </p:cNvPr>
-          <p:cNvSpPr txBox="1">
-            <a:spLocks/>
-          </p:cNvSpPr>
-          <p:nvPr/>
-        </p:nvSpPr>
-        <p:spPr>
-          <a:xfrm>
-            <a:off x="5575300" y="5030549"/>
-            <a:ext cx="6375400" cy="1462326"/>
+            <a:off x="6204137" y="1825625"/>
+            <a:ext cx="5723703" cy="978941"/>
           </a:xfrm>
           <a:prstGeom prst="roundRect">
             <a:avLst/>
           </a:prstGeom>
           <a:solidFill>
-            <a:schemeClr val="accent4">
+            <a:schemeClr val="accent2">
               <a:lumMod val="20000"/>
               <a:lumOff val="80000"/>
             </a:schemeClr>
           </a:solidFill>
           <a:ln w="38100">
             <a:solidFill>
-              <a:schemeClr val="accent4">
+              <a:schemeClr val="accent2">
                 <a:lumMod val="50000"/>
               </a:schemeClr>
             </a:solidFill>
@@ -45038,7 +48175,7 @@
         </p:spPr>
         <p:txBody>
           <a:bodyPr vert="horz" lIns="91440" tIns="45720" rIns="91440" bIns="45720" rtlCol="0">
-            <a:normAutofit fontScale="92500"/>
+            <a:noAutofit/>
           </a:bodyPr>
           <a:lstStyle>
             <a:lvl1pPr marL="228600" indent="-228600" algn="l" defTabSz="914400" rtl="0" eaLnBrk="1" latinLnBrk="0" hangingPunct="1">
@@ -45206,22 +48343,11 @@
           </a:lstStyle>
           <a:p>
             <a:pPr marL="0" indent="0">
-              <a:buFont typeface="Arial" panose="020B0604020202020204" pitchFamily="34" charset="0"/>
               <a:buNone/>
             </a:pPr>
             <a:r>
-              <a:rPr lang="en-US" b="1" dirty="0"/>
-              <a:t>Exercise 1</a:t>
-            </a:r>
-          </a:p>
-          <a:p>
-            <a:pPr marL="0" indent="0">
-              <a:buFont typeface="Arial" panose="020B0604020202020204" pitchFamily="34" charset="0"/>
-              <a:buNone/>
-            </a:pPr>
-            <a:r>
-              <a:rPr lang="en-US" dirty="0"/>
-              <a:t>Clone the repo of the workshop</a:t>
+              <a:rPr lang="en-US" sz="2400" b="1" dirty="0"/>
+              <a:t>Warning</a:t>
             </a:r>
           </a:p>
           <a:p>
@@ -45229,32 +48355,16 @@
               <a:buNone/>
             </a:pPr>
             <a:r>
-              <a:rPr lang="en-US" sz="1900" dirty="0">
-                <a:solidFill>
-                  <a:schemeClr val="accent1">
-                    <a:lumMod val="50000"/>
-                  </a:schemeClr>
-                </a:solidFill>
-                <a:latin typeface="JuliaMono" panose="020B0609060300020004" pitchFamily="49" charset="0"/>
-                <a:ea typeface="JuliaMono" panose="020B0609060300020004" pitchFamily="49" charset="0"/>
-                <a:cs typeface="JuliaMono" panose="020B0609060300020004" pitchFamily="49" charset="0"/>
-              </a:rPr>
-              <a:t>https://github.com/Kolaru/GitEssentials.git</a:t>
+              <a:rPr lang="en-US" sz="2400" dirty="0"/>
+              <a:t>Command names are used everywhere</a:t>
             </a:r>
-          </a:p>
-          <a:p>
-            <a:pPr marL="0" indent="0">
-              <a:buFont typeface="Arial" panose="020B0604020202020204" pitchFamily="34" charset="0"/>
-              <a:buNone/>
-            </a:pPr>
-            <a:endParaRPr lang="en-US" dirty="0"/>
           </a:p>
         </p:txBody>
       </p:sp>
     </p:spTree>
     <p:extLst>
       <p:ext uri="{BB962C8B-B14F-4D97-AF65-F5344CB8AC3E}">
-        <p14:creationId xmlns:p14="http://schemas.microsoft.com/office/powerpoint/2010/main" val="2861862177"/>
+        <p14:creationId xmlns:p14="http://schemas.microsoft.com/office/powerpoint/2010/main" val="20395345"/>
       </p:ext>
     </p:extLst>
   </p:cSld>
@@ -45282,7 +48392,7 @@
                             </p:stCondLst>
                             <p:childTnLst>
                               <p:par>
-                                <p:cTn id="5" presetID="1" presetClass="entr" presetSubtype="0" fill="hold" grpId="0" nodeType="clickEffect">
+                                <p:cTn id="5" presetID="10" presetClass="entr" presetSubtype="0" fill="hold" grpId="0" nodeType="clickEffect">
                                   <p:stCondLst>
                                     <p:cond delay="0"/>
                                   </p:stCondLst>
@@ -45295,7 +48405,11 @@
                                           </p:stCondLst>
                                         </p:cTn>
                                         <p:tgtEl>
-                                          <p:spTgt spid="28"/>
+                                          <p:spTgt spid="6">
+                                            <p:txEl>
+                                              <p:pRg st="0" end="0"/>
+                                            </p:txEl>
+                                          </p:spTgt>
                                         </p:tgtEl>
                                         <p:attrNameLst>
                                           <p:attrName>style.visibility</p:attrName>
@@ -45305,6 +48419,322 @@
                                         <p:strVal val="visible"/>
                                       </p:to>
                                     </p:set>
+                                    <p:animEffect transition="in" filter="fade">
+                                      <p:cBhvr>
+                                        <p:cTn id="7" dur="500"/>
+                                        <p:tgtEl>
+                                          <p:spTgt spid="6">
+                                            <p:txEl>
+                                              <p:pRg st="0" end="0"/>
+                                            </p:txEl>
+                                          </p:spTgt>
+                                        </p:tgtEl>
+                                      </p:cBhvr>
+                                    </p:animEffect>
+                                  </p:childTnLst>
+                                </p:cTn>
+                              </p:par>
+                              <p:par>
+                                <p:cTn id="8" presetID="10" presetClass="entr" presetSubtype="0" fill="hold" grpId="0" nodeType="withEffect">
+                                  <p:stCondLst>
+                                    <p:cond delay="0"/>
+                                  </p:stCondLst>
+                                  <p:childTnLst>
+                                    <p:set>
+                                      <p:cBhvr>
+                                        <p:cTn id="9" dur="1" fill="hold">
+                                          <p:stCondLst>
+                                            <p:cond delay="0"/>
+                                          </p:stCondLst>
+                                        </p:cTn>
+                                        <p:tgtEl>
+                                          <p:spTgt spid="6">
+                                            <p:txEl>
+                                              <p:pRg st="1" end="1"/>
+                                            </p:txEl>
+                                          </p:spTgt>
+                                        </p:tgtEl>
+                                        <p:attrNameLst>
+                                          <p:attrName>style.visibility</p:attrName>
+                                        </p:attrNameLst>
+                                      </p:cBhvr>
+                                      <p:to>
+                                        <p:strVal val="visible"/>
+                                      </p:to>
+                                    </p:set>
+                                    <p:animEffect transition="in" filter="fade">
+                                      <p:cBhvr>
+                                        <p:cTn id="10" dur="500"/>
+                                        <p:tgtEl>
+                                          <p:spTgt spid="6">
+                                            <p:txEl>
+                                              <p:pRg st="1" end="1"/>
+                                            </p:txEl>
+                                          </p:spTgt>
+                                        </p:tgtEl>
+                                      </p:cBhvr>
+                                    </p:animEffect>
+                                  </p:childTnLst>
+                                </p:cTn>
+                              </p:par>
+                            </p:childTnLst>
+                          </p:cTn>
+                        </p:par>
+                      </p:childTnLst>
+                    </p:cTn>
+                  </p:par>
+                  <p:par>
+                    <p:cTn id="11" fill="hold">
+                      <p:stCondLst>
+                        <p:cond delay="indefinite"/>
+                      </p:stCondLst>
+                      <p:childTnLst>
+                        <p:par>
+                          <p:cTn id="12" fill="hold">
+                            <p:stCondLst>
+                              <p:cond delay="0"/>
+                            </p:stCondLst>
+                            <p:childTnLst>
+                              <p:par>
+                                <p:cTn id="13" presetID="10" presetClass="entr" presetSubtype="0" fill="hold" grpId="0" nodeType="clickEffect">
+                                  <p:stCondLst>
+                                    <p:cond delay="0"/>
+                                  </p:stCondLst>
+                                  <p:childTnLst>
+                                    <p:set>
+                                      <p:cBhvr>
+                                        <p:cTn id="14" dur="1" fill="hold">
+                                          <p:stCondLst>
+                                            <p:cond delay="0"/>
+                                          </p:stCondLst>
+                                        </p:cTn>
+                                        <p:tgtEl>
+                                          <p:spTgt spid="6">
+                                            <p:txEl>
+                                              <p:pRg st="3" end="3"/>
+                                            </p:txEl>
+                                          </p:spTgt>
+                                        </p:tgtEl>
+                                        <p:attrNameLst>
+                                          <p:attrName>style.visibility</p:attrName>
+                                        </p:attrNameLst>
+                                      </p:cBhvr>
+                                      <p:to>
+                                        <p:strVal val="visible"/>
+                                      </p:to>
+                                    </p:set>
+                                    <p:animEffect transition="in" filter="fade">
+                                      <p:cBhvr>
+                                        <p:cTn id="15" dur="500"/>
+                                        <p:tgtEl>
+                                          <p:spTgt spid="6">
+                                            <p:txEl>
+                                              <p:pRg st="3" end="3"/>
+                                            </p:txEl>
+                                          </p:spTgt>
+                                        </p:tgtEl>
+                                      </p:cBhvr>
+                                    </p:animEffect>
+                                  </p:childTnLst>
+                                </p:cTn>
+                              </p:par>
+                              <p:par>
+                                <p:cTn id="16" presetID="10" presetClass="entr" presetSubtype="0" fill="hold" grpId="0" nodeType="withEffect">
+                                  <p:stCondLst>
+                                    <p:cond delay="0"/>
+                                  </p:stCondLst>
+                                  <p:childTnLst>
+                                    <p:set>
+                                      <p:cBhvr>
+                                        <p:cTn id="17" dur="1" fill="hold">
+                                          <p:stCondLst>
+                                            <p:cond delay="0"/>
+                                          </p:stCondLst>
+                                        </p:cTn>
+                                        <p:tgtEl>
+                                          <p:spTgt spid="6">
+                                            <p:txEl>
+                                              <p:pRg st="4" end="4"/>
+                                            </p:txEl>
+                                          </p:spTgt>
+                                        </p:tgtEl>
+                                        <p:attrNameLst>
+                                          <p:attrName>style.visibility</p:attrName>
+                                        </p:attrNameLst>
+                                      </p:cBhvr>
+                                      <p:to>
+                                        <p:strVal val="visible"/>
+                                      </p:to>
+                                    </p:set>
+                                    <p:animEffect transition="in" filter="fade">
+                                      <p:cBhvr>
+                                        <p:cTn id="18" dur="500"/>
+                                        <p:tgtEl>
+                                          <p:spTgt spid="6">
+                                            <p:txEl>
+                                              <p:pRg st="4" end="4"/>
+                                            </p:txEl>
+                                          </p:spTgt>
+                                        </p:tgtEl>
+                                      </p:cBhvr>
+                                    </p:animEffect>
+                                  </p:childTnLst>
+                                </p:cTn>
+                              </p:par>
+                            </p:childTnLst>
+                          </p:cTn>
+                        </p:par>
+                      </p:childTnLst>
+                    </p:cTn>
+                  </p:par>
+                  <p:par>
+                    <p:cTn id="19" fill="hold">
+                      <p:stCondLst>
+                        <p:cond delay="indefinite"/>
+                      </p:stCondLst>
+                      <p:childTnLst>
+                        <p:par>
+                          <p:cTn id="20" fill="hold">
+                            <p:stCondLst>
+                              <p:cond delay="0"/>
+                            </p:stCondLst>
+                            <p:childTnLst>
+                              <p:par>
+                                <p:cTn id="21" presetID="10" presetClass="entr" presetSubtype="0" fill="hold" grpId="0" nodeType="clickEffect">
+                                  <p:stCondLst>
+                                    <p:cond delay="0"/>
+                                  </p:stCondLst>
+                                  <p:childTnLst>
+                                    <p:set>
+                                      <p:cBhvr>
+                                        <p:cTn id="22" dur="1" fill="hold">
+                                          <p:stCondLst>
+                                            <p:cond delay="0"/>
+                                          </p:stCondLst>
+                                        </p:cTn>
+                                        <p:tgtEl>
+                                          <p:spTgt spid="6">
+                                            <p:txEl>
+                                              <p:pRg st="6" end="6"/>
+                                            </p:txEl>
+                                          </p:spTgt>
+                                        </p:tgtEl>
+                                        <p:attrNameLst>
+                                          <p:attrName>style.visibility</p:attrName>
+                                        </p:attrNameLst>
+                                      </p:cBhvr>
+                                      <p:to>
+                                        <p:strVal val="visible"/>
+                                      </p:to>
+                                    </p:set>
+                                    <p:animEffect transition="in" filter="fade">
+                                      <p:cBhvr>
+                                        <p:cTn id="23" dur="500"/>
+                                        <p:tgtEl>
+                                          <p:spTgt spid="6">
+                                            <p:txEl>
+                                              <p:pRg st="6" end="6"/>
+                                            </p:txEl>
+                                          </p:spTgt>
+                                        </p:tgtEl>
+                                      </p:cBhvr>
+                                    </p:animEffect>
+                                  </p:childTnLst>
+                                </p:cTn>
+                              </p:par>
+                              <p:par>
+                                <p:cTn id="24" presetID="10" presetClass="entr" presetSubtype="0" fill="hold" grpId="0" nodeType="withEffect">
+                                  <p:stCondLst>
+                                    <p:cond delay="0"/>
+                                  </p:stCondLst>
+                                  <p:childTnLst>
+                                    <p:set>
+                                      <p:cBhvr>
+                                        <p:cTn id="25" dur="1" fill="hold">
+                                          <p:stCondLst>
+                                            <p:cond delay="0"/>
+                                          </p:stCondLst>
+                                        </p:cTn>
+                                        <p:tgtEl>
+                                          <p:spTgt spid="6">
+                                            <p:txEl>
+                                              <p:pRg st="7" end="7"/>
+                                            </p:txEl>
+                                          </p:spTgt>
+                                        </p:tgtEl>
+                                        <p:attrNameLst>
+                                          <p:attrName>style.visibility</p:attrName>
+                                        </p:attrNameLst>
+                                      </p:cBhvr>
+                                      <p:to>
+                                        <p:strVal val="visible"/>
+                                      </p:to>
+                                    </p:set>
+                                    <p:animEffect transition="in" filter="fade">
+                                      <p:cBhvr>
+                                        <p:cTn id="26" dur="500"/>
+                                        <p:tgtEl>
+                                          <p:spTgt spid="6">
+                                            <p:txEl>
+                                              <p:pRg st="7" end="7"/>
+                                            </p:txEl>
+                                          </p:spTgt>
+                                        </p:tgtEl>
+                                      </p:cBhvr>
+                                    </p:animEffect>
+                                  </p:childTnLst>
+                                </p:cTn>
+                              </p:par>
+                            </p:childTnLst>
+                          </p:cTn>
+                        </p:par>
+                      </p:childTnLst>
+                    </p:cTn>
+                  </p:par>
+                  <p:par>
+                    <p:cTn id="27" fill="hold">
+                      <p:stCondLst>
+                        <p:cond delay="indefinite"/>
+                      </p:stCondLst>
+                      <p:childTnLst>
+                        <p:par>
+                          <p:cTn id="28" fill="hold">
+                            <p:stCondLst>
+                              <p:cond delay="0"/>
+                            </p:stCondLst>
+                            <p:childTnLst>
+                              <p:par>
+                                <p:cTn id="29" presetID="10" presetClass="entr" presetSubtype="0" fill="hold" grpId="0" nodeType="clickEffect">
+                                  <p:stCondLst>
+                                    <p:cond delay="0"/>
+                                  </p:stCondLst>
+                                  <p:childTnLst>
+                                    <p:set>
+                                      <p:cBhvr>
+                                        <p:cTn id="30" dur="1" fill="hold">
+                                          <p:stCondLst>
+                                            <p:cond delay="0"/>
+                                          </p:stCondLst>
+                                        </p:cTn>
+                                        <p:tgtEl>
+                                          <p:spTgt spid="2"/>
+                                        </p:tgtEl>
+                                        <p:attrNameLst>
+                                          <p:attrName>style.visibility</p:attrName>
+                                        </p:attrNameLst>
+                                      </p:cBhvr>
+                                      <p:to>
+                                        <p:strVal val="visible"/>
+                                      </p:to>
+                                    </p:set>
+                                    <p:animEffect transition="in" filter="fade">
+                                      <p:cBhvr>
+                                        <p:cTn id="31" dur="500"/>
+                                        <p:tgtEl>
+                                          <p:spTgt spid="2"/>
+                                        </p:tgtEl>
+                                      </p:cBhvr>
+                                    </p:animEffect>
                                   </p:childTnLst>
                                 </p:cTn>
                               </p:par>
@@ -45336,7 +48766,8 @@
       </p:par>
     </p:tnLst>
     <p:bldLst>
-      <p:bldP spid="28" grpId="0" animBg="1"/>
+      <p:bldP spid="6" grpId="0" build="p"/>
+      <p:bldP spid="2" grpId="0" animBg="1"/>
     </p:bldLst>
   </p:timing>
 </p:sld>
